--- a/Advanced pcb lab.pptx
+++ b/Advanced pcb lab.pptx
@@ -5,10 +5,10 @@
     <p:sldMasterId id="2147483648" r:id="rId1"/>
   </p:sldMasterIdLst>
   <p:notesMasterIdLst>
-    <p:notesMasterId r:id="rId27"/>
+    <p:notesMasterId r:id="rId32"/>
   </p:notesMasterIdLst>
   <p:handoutMasterIdLst>
-    <p:handoutMasterId r:id="rId28"/>
+    <p:handoutMasterId r:id="rId33"/>
   </p:handoutMasterIdLst>
   <p:sldIdLst>
     <p:sldId id="256" r:id="rId2"/>
@@ -30,15 +30,20 @@
     <p:sldId id="273" r:id="rId18"/>
     <p:sldId id="272" r:id="rId19"/>
     <p:sldId id="274" r:id="rId20"/>
-    <p:sldId id="275" r:id="rId21"/>
-    <p:sldId id="276" r:id="rId22"/>
-    <p:sldId id="278" r:id="rId23"/>
-    <p:sldId id="279" r:id="rId24"/>
-    <p:sldId id="280" r:id="rId25"/>
-    <p:sldId id="277" r:id="rId26"/>
+    <p:sldId id="285" r:id="rId21"/>
+    <p:sldId id="284" r:id="rId22"/>
+    <p:sldId id="283" r:id="rId23"/>
+    <p:sldId id="281" r:id="rId24"/>
+    <p:sldId id="282" r:id="rId25"/>
+    <p:sldId id="275" r:id="rId26"/>
+    <p:sldId id="276" r:id="rId27"/>
+    <p:sldId id="278" r:id="rId28"/>
+    <p:sldId id="279" r:id="rId29"/>
+    <p:sldId id="280" r:id="rId30"/>
+    <p:sldId id="277" r:id="rId31"/>
   </p:sldIdLst>
   <p:sldSz cx="9144000" cy="6858000" type="screen4x3"/>
-  <p:notesSz cx="7010400" cy="9296400"/>
+  <p:notesSz cx="7102475" cy="9388475"/>
   <p:defaultTextStyle>
     <a:defPPr>
       <a:defRPr lang="nl-BE"/>
@@ -151,12 +156,12 @@
     </p:ext>
     <p:ext uri="{2D200454-40CA-4A62-9FC3-DE9A4176ACB9}">
       <p15:notesGuideLst xmlns:p15="http://schemas.microsoft.com/office/powerpoint/2012/main">
-        <p15:guide id="1" orient="horz" pos="2928">
+        <p15:guide id="1" orient="horz" pos="2957" userDrawn="1">
           <p15:clr>
             <a:srgbClr val="A4A3A4"/>
           </p15:clr>
         </p15:guide>
-        <p15:guide id="2" pos="2208">
+        <p15:guide id="2" pos="2237" userDrawn="1">
           <p15:clr>
             <a:srgbClr val="A4A3A4"/>
           </p15:clr>
@@ -202,14 +207,14 @@
         <p:spPr>
           <a:xfrm>
             <a:off x="0" y="0"/>
-            <a:ext cx="3037840" cy="464820"/>
+            <a:ext cx="3077739" cy="469424"/>
           </a:xfrm>
           <a:prstGeom prst="rect">
             <a:avLst/>
           </a:prstGeom>
         </p:spPr>
         <p:txBody>
-          <a:bodyPr vert="horz" lIns="93177" tIns="46589" rIns="93177" bIns="46589" rtlCol="0"/>
+          <a:bodyPr vert="horz" lIns="94221" tIns="47111" rIns="94221" bIns="47111" rtlCol="0"/>
           <a:lstStyle>
             <a:lvl1pPr algn="l">
               <a:defRPr sz="1200"/>
@@ -232,15 +237,15 @@
         </p:nvSpPr>
         <p:spPr>
           <a:xfrm>
-            <a:off x="3970938" y="0"/>
-            <a:ext cx="3037840" cy="464820"/>
+            <a:off x="4023093" y="0"/>
+            <a:ext cx="3077739" cy="469424"/>
           </a:xfrm>
           <a:prstGeom prst="rect">
             <a:avLst/>
           </a:prstGeom>
         </p:spPr>
         <p:txBody>
-          <a:bodyPr vert="horz" lIns="93177" tIns="46589" rIns="93177" bIns="46589" rtlCol="0"/>
+          <a:bodyPr vert="horz" lIns="94221" tIns="47111" rIns="94221" bIns="47111" rtlCol="0"/>
           <a:lstStyle>
             <a:lvl1pPr algn="r">
               <a:defRPr sz="1200"/>
@@ -250,7 +255,7 @@
             <a:fld id="{7F1A4A96-82D9-489B-915B-218BDB102403}" type="datetimeFigureOut">
               <a:rPr lang="nl-BE" smtClean="0"/>
               <a:pPr/>
-              <a:t>14/12/2016</a:t>
+              <a:t>17/12/2016</a:t>
             </a:fld>
             <a:endParaRPr lang="nl-BE"/>
           </a:p>
@@ -268,15 +273,15 @@
         </p:nvSpPr>
         <p:spPr>
           <a:xfrm>
-            <a:off x="0" y="8829967"/>
-            <a:ext cx="3037840" cy="464820"/>
+            <a:off x="0" y="8917422"/>
+            <a:ext cx="3077739" cy="469424"/>
           </a:xfrm>
           <a:prstGeom prst="rect">
             <a:avLst/>
           </a:prstGeom>
         </p:spPr>
         <p:txBody>
-          <a:bodyPr vert="horz" lIns="93177" tIns="46589" rIns="93177" bIns="46589" rtlCol="0" anchor="b"/>
+          <a:bodyPr vert="horz" lIns="94221" tIns="47111" rIns="94221" bIns="47111" rtlCol="0" anchor="b"/>
           <a:lstStyle>
             <a:lvl1pPr algn="l">
               <a:defRPr sz="1200"/>
@@ -299,15 +304,15 @@
         </p:nvSpPr>
         <p:spPr>
           <a:xfrm>
-            <a:off x="3970938" y="8829967"/>
-            <a:ext cx="3037840" cy="464820"/>
+            <a:off x="4023093" y="8917422"/>
+            <a:ext cx="3077739" cy="469424"/>
           </a:xfrm>
           <a:prstGeom prst="rect">
             <a:avLst/>
           </a:prstGeom>
         </p:spPr>
         <p:txBody>
-          <a:bodyPr vert="horz" lIns="93177" tIns="46589" rIns="93177" bIns="46589" rtlCol="0" anchor="b"/>
+          <a:bodyPr vert="horz" lIns="94221" tIns="47111" rIns="94221" bIns="47111" rtlCol="0" anchor="b"/>
           <a:lstStyle>
             <a:lvl1pPr algn="r">
               <a:defRPr sz="1200"/>
@@ -364,14 +369,14 @@
         <p:spPr>
           <a:xfrm>
             <a:off x="0" y="0"/>
-            <a:ext cx="3037840" cy="464820"/>
+            <a:ext cx="3077739" cy="469424"/>
           </a:xfrm>
           <a:prstGeom prst="rect">
             <a:avLst/>
           </a:prstGeom>
         </p:spPr>
         <p:txBody>
-          <a:bodyPr vert="horz" lIns="93177" tIns="46589" rIns="93177" bIns="46589" rtlCol="0"/>
+          <a:bodyPr vert="horz" lIns="94221" tIns="47111" rIns="94221" bIns="47111" rtlCol="0"/>
           <a:lstStyle>
             <a:lvl1pPr algn="l">
               <a:defRPr sz="1200"/>
@@ -394,15 +399,15 @@
         </p:nvSpPr>
         <p:spPr>
           <a:xfrm>
-            <a:off x="3970938" y="0"/>
-            <a:ext cx="3037840" cy="464820"/>
+            <a:off x="4023093" y="0"/>
+            <a:ext cx="3077739" cy="469424"/>
           </a:xfrm>
           <a:prstGeom prst="rect">
             <a:avLst/>
           </a:prstGeom>
         </p:spPr>
         <p:txBody>
-          <a:bodyPr vert="horz" lIns="93177" tIns="46589" rIns="93177" bIns="46589" rtlCol="0"/>
+          <a:bodyPr vert="horz" lIns="94221" tIns="47111" rIns="94221" bIns="47111" rtlCol="0"/>
           <a:lstStyle>
             <a:lvl1pPr algn="r">
               <a:defRPr sz="1200"/>
@@ -412,7 +417,7 @@
             <a:fld id="{D1925427-6E8A-463A-9752-7D22F5CAF14A}" type="datetimeFigureOut">
               <a:rPr lang="nl-BE" smtClean="0"/>
               <a:pPr/>
-              <a:t>14/12/2016</a:t>
+              <a:t>17/12/2016</a:t>
             </a:fld>
             <a:endParaRPr lang="nl-BE"/>
           </a:p>
@@ -430,8 +435,8 @@
         </p:nvSpPr>
         <p:spPr>
           <a:xfrm>
-            <a:off x="1181100" y="696913"/>
-            <a:ext cx="4648200" cy="3486150"/>
+            <a:off x="1203325" y="703263"/>
+            <a:ext cx="4695825" cy="3521075"/>
           </a:xfrm>
           <a:prstGeom prst="rect">
             <a:avLst/>
@@ -444,7 +449,7 @@
           </a:ln>
         </p:spPr>
         <p:txBody>
-          <a:bodyPr vert="horz" lIns="93177" tIns="46589" rIns="93177" bIns="46589" rtlCol="0" anchor="ctr"/>
+          <a:bodyPr vert="horz" lIns="94221" tIns="47111" rIns="94221" bIns="47111" rtlCol="0" anchor="ctr"/>
           <a:lstStyle/>
           <a:p>
             <a:endParaRPr lang="nl-BE"/>
@@ -463,15 +468,15 @@
         </p:nvSpPr>
         <p:spPr>
           <a:xfrm>
-            <a:off x="701040" y="4415790"/>
-            <a:ext cx="5608320" cy="4183380"/>
+            <a:off x="710248" y="4459526"/>
+            <a:ext cx="5681980" cy="4224814"/>
           </a:xfrm>
           <a:prstGeom prst="rect">
             <a:avLst/>
           </a:prstGeom>
         </p:spPr>
         <p:txBody>
-          <a:bodyPr vert="horz" lIns="93177" tIns="46589" rIns="93177" bIns="46589" rtlCol="0">
+          <a:bodyPr vert="horz" lIns="94221" tIns="47111" rIns="94221" bIns="47111" rtlCol="0">
             <a:normAutofit/>
           </a:bodyPr>
           <a:lstStyle/>
@@ -525,15 +530,15 @@
         </p:nvSpPr>
         <p:spPr>
           <a:xfrm>
-            <a:off x="3970938" y="8829967"/>
-            <a:ext cx="3037840" cy="464820"/>
+            <a:off x="4023093" y="8917422"/>
+            <a:ext cx="3077739" cy="469424"/>
           </a:xfrm>
           <a:prstGeom prst="rect">
             <a:avLst/>
           </a:prstGeom>
         </p:spPr>
         <p:txBody>
-          <a:bodyPr vert="horz" lIns="93177" tIns="46589" rIns="93177" bIns="46589" rtlCol="0" anchor="b"/>
+          <a:bodyPr vert="horz" lIns="94221" tIns="47111" rIns="94221" bIns="47111" rtlCol="0" anchor="b"/>
           <a:lstStyle>
             <a:lvl1pPr algn="r">
               <a:defRPr sz="1200"/>
@@ -645,6 +650,2131 @@
     </a:lvl9pPr>
   </p:notesStyle>
 </p:notesMaster>
+</file>
+
+<file path=ppt/notesSlides/notesSlide1.xml><?xml version="1.0" encoding="utf-8"?>
+<p:notes xmlns:a="http://schemas.openxmlformats.org/drawingml/2006/main" xmlns:r="http://schemas.openxmlformats.org/officeDocument/2006/relationships" xmlns:p="http://schemas.openxmlformats.org/presentationml/2006/main">
+  <p:cSld>
+    <p:spTree>
+      <p:nvGrpSpPr>
+        <p:cNvPr id="1" name=""/>
+        <p:cNvGrpSpPr/>
+        <p:nvPr/>
+      </p:nvGrpSpPr>
+      <p:grpSpPr>
+        <a:xfrm>
+          <a:off x="0" y="0"/>
+          <a:ext cx="0" cy="0"/>
+          <a:chOff x="0" y="0"/>
+          <a:chExt cx="0" cy="0"/>
+        </a:xfrm>
+      </p:grpSpPr>
+      <p:sp>
+        <p:nvSpPr>
+          <p:cNvPr id="2" name="Tijdelijke aanduiding voor dia-afbeelding 1"/>
+          <p:cNvSpPr>
+            <a:spLocks noGrp="1" noRot="1" noChangeAspect="1"/>
+          </p:cNvSpPr>
+          <p:nvPr>
+            <p:ph type="sldImg"/>
+          </p:nvPr>
+        </p:nvSpPr>
+        <p:spPr/>
+      </p:sp>
+      <p:sp>
+        <p:nvSpPr>
+          <p:cNvPr id="3" name="Tijdelijke aanduiding voor notities 2"/>
+          <p:cNvSpPr>
+            <a:spLocks noGrp="1"/>
+          </p:cNvSpPr>
+          <p:nvPr>
+            <p:ph type="body" idx="1"/>
+          </p:nvPr>
+        </p:nvSpPr>
+        <p:spPr/>
+        <p:txBody>
+          <a:bodyPr/>
+          <a:lstStyle/>
+          <a:p>
+            <a:endParaRPr lang="en-US"/>
+          </a:p>
+        </p:txBody>
+      </p:sp>
+      <p:sp>
+        <p:nvSpPr>
+          <p:cNvPr id="4" name="Tijdelijke aanduiding voor dianummer 3"/>
+          <p:cNvSpPr>
+            <a:spLocks noGrp="1"/>
+          </p:cNvSpPr>
+          <p:nvPr>
+            <p:ph type="sldNum" sz="quarter" idx="10"/>
+          </p:nvPr>
+        </p:nvSpPr>
+        <p:spPr/>
+        <p:txBody>
+          <a:bodyPr/>
+          <a:lstStyle/>
+          <a:p>
+            <a:fld id="{89ED9555-764A-4B78-873A-3D7406AAEA2B}" type="slidenum">
+              <a:rPr lang="nl-BE" smtClean="0"/>
+              <a:pPr/>
+              <a:t>1</a:t>
+            </a:fld>
+            <a:endParaRPr lang="nl-BE"/>
+          </a:p>
+        </p:txBody>
+      </p:sp>
+    </p:spTree>
+    <p:extLst>
+      <p:ext uri="{BB962C8B-B14F-4D97-AF65-F5344CB8AC3E}">
+        <p14:creationId xmlns:p14="http://schemas.microsoft.com/office/powerpoint/2010/main" val="601033852"/>
+      </p:ext>
+    </p:extLst>
+  </p:cSld>
+  <p:clrMapOvr>
+    <a:masterClrMapping/>
+  </p:clrMapOvr>
+</p:notes>
+</file>
+
+<file path=ppt/notesSlides/notesSlide10.xml><?xml version="1.0" encoding="utf-8"?>
+<p:notes xmlns:a="http://schemas.openxmlformats.org/drawingml/2006/main" xmlns:r="http://schemas.openxmlformats.org/officeDocument/2006/relationships" xmlns:p="http://schemas.openxmlformats.org/presentationml/2006/main">
+  <p:cSld>
+    <p:spTree>
+      <p:nvGrpSpPr>
+        <p:cNvPr id="1" name=""/>
+        <p:cNvGrpSpPr/>
+        <p:nvPr/>
+      </p:nvGrpSpPr>
+      <p:grpSpPr>
+        <a:xfrm>
+          <a:off x="0" y="0"/>
+          <a:ext cx="0" cy="0"/>
+          <a:chOff x="0" y="0"/>
+          <a:chExt cx="0" cy="0"/>
+        </a:xfrm>
+      </p:grpSpPr>
+      <p:sp>
+        <p:nvSpPr>
+          <p:cNvPr id="2" name="Tijdelijke aanduiding voor dia-afbeelding 1"/>
+          <p:cNvSpPr>
+            <a:spLocks noGrp="1" noRot="1" noChangeAspect="1"/>
+          </p:cNvSpPr>
+          <p:nvPr>
+            <p:ph type="sldImg"/>
+          </p:nvPr>
+        </p:nvSpPr>
+        <p:spPr/>
+      </p:sp>
+      <p:sp>
+        <p:nvSpPr>
+          <p:cNvPr id="3" name="Tijdelijke aanduiding voor notities 2"/>
+          <p:cNvSpPr>
+            <a:spLocks noGrp="1"/>
+          </p:cNvSpPr>
+          <p:nvPr>
+            <p:ph type="body" idx="1"/>
+          </p:nvPr>
+        </p:nvSpPr>
+        <p:spPr/>
+        <p:txBody>
+          <a:bodyPr/>
+          <a:lstStyle/>
+          <a:p>
+            <a:endParaRPr lang="en-US"/>
+          </a:p>
+        </p:txBody>
+      </p:sp>
+      <p:sp>
+        <p:nvSpPr>
+          <p:cNvPr id="4" name="Tijdelijke aanduiding voor dianummer 3"/>
+          <p:cNvSpPr>
+            <a:spLocks noGrp="1"/>
+          </p:cNvSpPr>
+          <p:nvPr>
+            <p:ph type="sldNum" sz="quarter" idx="10"/>
+          </p:nvPr>
+        </p:nvSpPr>
+        <p:spPr/>
+        <p:txBody>
+          <a:bodyPr/>
+          <a:lstStyle/>
+          <a:p>
+            <a:fld id="{89ED9555-764A-4B78-873A-3D7406AAEA2B}" type="slidenum">
+              <a:rPr lang="nl-BE" smtClean="0"/>
+              <a:pPr/>
+              <a:t>10</a:t>
+            </a:fld>
+            <a:endParaRPr lang="nl-BE"/>
+          </a:p>
+        </p:txBody>
+      </p:sp>
+    </p:spTree>
+    <p:extLst>
+      <p:ext uri="{BB962C8B-B14F-4D97-AF65-F5344CB8AC3E}">
+        <p14:creationId xmlns:p14="http://schemas.microsoft.com/office/powerpoint/2010/main" val="480901311"/>
+      </p:ext>
+    </p:extLst>
+  </p:cSld>
+  <p:clrMapOvr>
+    <a:masterClrMapping/>
+  </p:clrMapOvr>
+</p:notes>
+</file>
+
+<file path=ppt/notesSlides/notesSlide11.xml><?xml version="1.0" encoding="utf-8"?>
+<p:notes xmlns:a="http://schemas.openxmlformats.org/drawingml/2006/main" xmlns:r="http://schemas.openxmlformats.org/officeDocument/2006/relationships" xmlns:p="http://schemas.openxmlformats.org/presentationml/2006/main">
+  <p:cSld>
+    <p:spTree>
+      <p:nvGrpSpPr>
+        <p:cNvPr id="1" name=""/>
+        <p:cNvGrpSpPr/>
+        <p:nvPr/>
+      </p:nvGrpSpPr>
+      <p:grpSpPr>
+        <a:xfrm>
+          <a:off x="0" y="0"/>
+          <a:ext cx="0" cy="0"/>
+          <a:chOff x="0" y="0"/>
+          <a:chExt cx="0" cy="0"/>
+        </a:xfrm>
+      </p:grpSpPr>
+      <p:sp>
+        <p:nvSpPr>
+          <p:cNvPr id="2" name="Tijdelijke aanduiding voor dia-afbeelding 1"/>
+          <p:cNvSpPr>
+            <a:spLocks noGrp="1" noRot="1" noChangeAspect="1"/>
+          </p:cNvSpPr>
+          <p:nvPr>
+            <p:ph type="sldImg"/>
+          </p:nvPr>
+        </p:nvSpPr>
+        <p:spPr/>
+      </p:sp>
+      <p:sp>
+        <p:nvSpPr>
+          <p:cNvPr id="3" name="Tijdelijke aanduiding voor notities 2"/>
+          <p:cNvSpPr>
+            <a:spLocks noGrp="1"/>
+          </p:cNvSpPr>
+          <p:nvPr>
+            <p:ph type="body" idx="1"/>
+          </p:nvPr>
+        </p:nvSpPr>
+        <p:spPr/>
+        <p:txBody>
+          <a:bodyPr/>
+          <a:lstStyle/>
+          <a:p>
+            <a:endParaRPr lang="en-US"/>
+          </a:p>
+        </p:txBody>
+      </p:sp>
+      <p:sp>
+        <p:nvSpPr>
+          <p:cNvPr id="4" name="Tijdelijke aanduiding voor dianummer 3"/>
+          <p:cNvSpPr>
+            <a:spLocks noGrp="1"/>
+          </p:cNvSpPr>
+          <p:nvPr>
+            <p:ph type="sldNum" sz="quarter" idx="10"/>
+          </p:nvPr>
+        </p:nvSpPr>
+        <p:spPr/>
+        <p:txBody>
+          <a:bodyPr/>
+          <a:lstStyle/>
+          <a:p>
+            <a:fld id="{89ED9555-764A-4B78-873A-3D7406AAEA2B}" type="slidenum">
+              <a:rPr lang="nl-BE" smtClean="0"/>
+              <a:pPr/>
+              <a:t>11</a:t>
+            </a:fld>
+            <a:endParaRPr lang="nl-BE"/>
+          </a:p>
+        </p:txBody>
+      </p:sp>
+    </p:spTree>
+    <p:extLst>
+      <p:ext uri="{BB962C8B-B14F-4D97-AF65-F5344CB8AC3E}">
+        <p14:creationId xmlns:p14="http://schemas.microsoft.com/office/powerpoint/2010/main" val="1819191183"/>
+      </p:ext>
+    </p:extLst>
+  </p:cSld>
+  <p:clrMapOvr>
+    <a:masterClrMapping/>
+  </p:clrMapOvr>
+</p:notes>
+</file>
+
+<file path=ppt/notesSlides/notesSlide12.xml><?xml version="1.0" encoding="utf-8"?>
+<p:notes xmlns:a="http://schemas.openxmlformats.org/drawingml/2006/main" xmlns:r="http://schemas.openxmlformats.org/officeDocument/2006/relationships" xmlns:p="http://schemas.openxmlformats.org/presentationml/2006/main">
+  <p:cSld>
+    <p:spTree>
+      <p:nvGrpSpPr>
+        <p:cNvPr id="1" name=""/>
+        <p:cNvGrpSpPr/>
+        <p:nvPr/>
+      </p:nvGrpSpPr>
+      <p:grpSpPr>
+        <a:xfrm>
+          <a:off x="0" y="0"/>
+          <a:ext cx="0" cy="0"/>
+          <a:chOff x="0" y="0"/>
+          <a:chExt cx="0" cy="0"/>
+        </a:xfrm>
+      </p:grpSpPr>
+      <p:sp>
+        <p:nvSpPr>
+          <p:cNvPr id="2" name="Tijdelijke aanduiding voor dia-afbeelding 1"/>
+          <p:cNvSpPr>
+            <a:spLocks noGrp="1" noRot="1" noChangeAspect="1"/>
+          </p:cNvSpPr>
+          <p:nvPr>
+            <p:ph type="sldImg"/>
+          </p:nvPr>
+        </p:nvSpPr>
+        <p:spPr/>
+      </p:sp>
+      <p:sp>
+        <p:nvSpPr>
+          <p:cNvPr id="3" name="Tijdelijke aanduiding voor notities 2"/>
+          <p:cNvSpPr>
+            <a:spLocks noGrp="1"/>
+          </p:cNvSpPr>
+          <p:nvPr>
+            <p:ph type="body" idx="1"/>
+          </p:nvPr>
+        </p:nvSpPr>
+        <p:spPr/>
+        <p:txBody>
+          <a:bodyPr/>
+          <a:lstStyle/>
+          <a:p>
+            <a:endParaRPr lang="en-US"/>
+          </a:p>
+        </p:txBody>
+      </p:sp>
+      <p:sp>
+        <p:nvSpPr>
+          <p:cNvPr id="4" name="Tijdelijke aanduiding voor dianummer 3"/>
+          <p:cNvSpPr>
+            <a:spLocks noGrp="1"/>
+          </p:cNvSpPr>
+          <p:nvPr>
+            <p:ph type="sldNum" sz="quarter" idx="10"/>
+          </p:nvPr>
+        </p:nvSpPr>
+        <p:spPr/>
+        <p:txBody>
+          <a:bodyPr/>
+          <a:lstStyle/>
+          <a:p>
+            <a:fld id="{89ED9555-764A-4B78-873A-3D7406AAEA2B}" type="slidenum">
+              <a:rPr lang="nl-BE" smtClean="0"/>
+              <a:pPr/>
+              <a:t>12</a:t>
+            </a:fld>
+            <a:endParaRPr lang="nl-BE"/>
+          </a:p>
+        </p:txBody>
+      </p:sp>
+    </p:spTree>
+    <p:extLst>
+      <p:ext uri="{BB962C8B-B14F-4D97-AF65-F5344CB8AC3E}">
+        <p14:creationId xmlns:p14="http://schemas.microsoft.com/office/powerpoint/2010/main" val="4099326641"/>
+      </p:ext>
+    </p:extLst>
+  </p:cSld>
+  <p:clrMapOvr>
+    <a:masterClrMapping/>
+  </p:clrMapOvr>
+</p:notes>
+</file>
+
+<file path=ppt/notesSlides/notesSlide13.xml><?xml version="1.0" encoding="utf-8"?>
+<p:notes xmlns:a="http://schemas.openxmlformats.org/drawingml/2006/main" xmlns:r="http://schemas.openxmlformats.org/officeDocument/2006/relationships" xmlns:p="http://schemas.openxmlformats.org/presentationml/2006/main">
+  <p:cSld>
+    <p:spTree>
+      <p:nvGrpSpPr>
+        <p:cNvPr id="1" name=""/>
+        <p:cNvGrpSpPr/>
+        <p:nvPr/>
+      </p:nvGrpSpPr>
+      <p:grpSpPr>
+        <a:xfrm>
+          <a:off x="0" y="0"/>
+          <a:ext cx="0" cy="0"/>
+          <a:chOff x="0" y="0"/>
+          <a:chExt cx="0" cy="0"/>
+        </a:xfrm>
+      </p:grpSpPr>
+      <p:sp>
+        <p:nvSpPr>
+          <p:cNvPr id="2" name="Tijdelijke aanduiding voor dia-afbeelding 1"/>
+          <p:cNvSpPr>
+            <a:spLocks noGrp="1" noRot="1" noChangeAspect="1"/>
+          </p:cNvSpPr>
+          <p:nvPr>
+            <p:ph type="sldImg"/>
+          </p:nvPr>
+        </p:nvSpPr>
+        <p:spPr/>
+      </p:sp>
+      <p:sp>
+        <p:nvSpPr>
+          <p:cNvPr id="3" name="Tijdelijke aanduiding voor notities 2"/>
+          <p:cNvSpPr>
+            <a:spLocks noGrp="1"/>
+          </p:cNvSpPr>
+          <p:nvPr>
+            <p:ph type="body" idx="1"/>
+          </p:nvPr>
+        </p:nvSpPr>
+        <p:spPr/>
+        <p:txBody>
+          <a:bodyPr/>
+          <a:lstStyle/>
+          <a:p>
+            <a:endParaRPr lang="en-US"/>
+          </a:p>
+        </p:txBody>
+      </p:sp>
+      <p:sp>
+        <p:nvSpPr>
+          <p:cNvPr id="4" name="Tijdelijke aanduiding voor dianummer 3"/>
+          <p:cNvSpPr>
+            <a:spLocks noGrp="1"/>
+          </p:cNvSpPr>
+          <p:nvPr>
+            <p:ph type="sldNum" sz="quarter" idx="10"/>
+          </p:nvPr>
+        </p:nvSpPr>
+        <p:spPr/>
+        <p:txBody>
+          <a:bodyPr/>
+          <a:lstStyle/>
+          <a:p>
+            <a:fld id="{89ED9555-764A-4B78-873A-3D7406AAEA2B}" type="slidenum">
+              <a:rPr lang="nl-BE" smtClean="0"/>
+              <a:pPr/>
+              <a:t>13</a:t>
+            </a:fld>
+            <a:endParaRPr lang="nl-BE"/>
+          </a:p>
+        </p:txBody>
+      </p:sp>
+    </p:spTree>
+    <p:extLst>
+      <p:ext uri="{BB962C8B-B14F-4D97-AF65-F5344CB8AC3E}">
+        <p14:creationId xmlns:p14="http://schemas.microsoft.com/office/powerpoint/2010/main" val="2819922403"/>
+      </p:ext>
+    </p:extLst>
+  </p:cSld>
+  <p:clrMapOvr>
+    <a:masterClrMapping/>
+  </p:clrMapOvr>
+</p:notes>
+</file>
+
+<file path=ppt/notesSlides/notesSlide14.xml><?xml version="1.0" encoding="utf-8"?>
+<p:notes xmlns:a="http://schemas.openxmlformats.org/drawingml/2006/main" xmlns:r="http://schemas.openxmlformats.org/officeDocument/2006/relationships" xmlns:p="http://schemas.openxmlformats.org/presentationml/2006/main">
+  <p:cSld>
+    <p:spTree>
+      <p:nvGrpSpPr>
+        <p:cNvPr id="1" name=""/>
+        <p:cNvGrpSpPr/>
+        <p:nvPr/>
+      </p:nvGrpSpPr>
+      <p:grpSpPr>
+        <a:xfrm>
+          <a:off x="0" y="0"/>
+          <a:ext cx="0" cy="0"/>
+          <a:chOff x="0" y="0"/>
+          <a:chExt cx="0" cy="0"/>
+        </a:xfrm>
+      </p:grpSpPr>
+      <p:sp>
+        <p:nvSpPr>
+          <p:cNvPr id="2" name="Tijdelijke aanduiding voor dia-afbeelding 1"/>
+          <p:cNvSpPr>
+            <a:spLocks noGrp="1" noRot="1" noChangeAspect="1"/>
+          </p:cNvSpPr>
+          <p:nvPr>
+            <p:ph type="sldImg"/>
+          </p:nvPr>
+        </p:nvSpPr>
+        <p:spPr/>
+      </p:sp>
+      <p:sp>
+        <p:nvSpPr>
+          <p:cNvPr id="3" name="Tijdelijke aanduiding voor notities 2"/>
+          <p:cNvSpPr>
+            <a:spLocks noGrp="1"/>
+          </p:cNvSpPr>
+          <p:nvPr>
+            <p:ph type="body" idx="1"/>
+          </p:nvPr>
+        </p:nvSpPr>
+        <p:spPr/>
+        <p:txBody>
+          <a:bodyPr/>
+          <a:lstStyle/>
+          <a:p>
+            <a:endParaRPr lang="en-US"/>
+          </a:p>
+        </p:txBody>
+      </p:sp>
+      <p:sp>
+        <p:nvSpPr>
+          <p:cNvPr id="4" name="Tijdelijke aanduiding voor dianummer 3"/>
+          <p:cNvSpPr>
+            <a:spLocks noGrp="1"/>
+          </p:cNvSpPr>
+          <p:nvPr>
+            <p:ph type="sldNum" sz="quarter" idx="10"/>
+          </p:nvPr>
+        </p:nvSpPr>
+        <p:spPr/>
+        <p:txBody>
+          <a:bodyPr/>
+          <a:lstStyle/>
+          <a:p>
+            <a:fld id="{89ED9555-764A-4B78-873A-3D7406AAEA2B}" type="slidenum">
+              <a:rPr lang="nl-BE" smtClean="0"/>
+              <a:pPr/>
+              <a:t>14</a:t>
+            </a:fld>
+            <a:endParaRPr lang="nl-BE"/>
+          </a:p>
+        </p:txBody>
+      </p:sp>
+    </p:spTree>
+    <p:extLst>
+      <p:ext uri="{BB962C8B-B14F-4D97-AF65-F5344CB8AC3E}">
+        <p14:creationId xmlns:p14="http://schemas.microsoft.com/office/powerpoint/2010/main" val="3949611464"/>
+      </p:ext>
+    </p:extLst>
+  </p:cSld>
+  <p:clrMapOvr>
+    <a:masterClrMapping/>
+  </p:clrMapOvr>
+</p:notes>
+</file>
+
+<file path=ppt/notesSlides/notesSlide15.xml><?xml version="1.0" encoding="utf-8"?>
+<p:notes xmlns:a="http://schemas.openxmlformats.org/drawingml/2006/main" xmlns:r="http://schemas.openxmlformats.org/officeDocument/2006/relationships" xmlns:p="http://schemas.openxmlformats.org/presentationml/2006/main">
+  <p:cSld>
+    <p:spTree>
+      <p:nvGrpSpPr>
+        <p:cNvPr id="1" name=""/>
+        <p:cNvGrpSpPr/>
+        <p:nvPr/>
+      </p:nvGrpSpPr>
+      <p:grpSpPr>
+        <a:xfrm>
+          <a:off x="0" y="0"/>
+          <a:ext cx="0" cy="0"/>
+          <a:chOff x="0" y="0"/>
+          <a:chExt cx="0" cy="0"/>
+        </a:xfrm>
+      </p:grpSpPr>
+      <p:sp>
+        <p:nvSpPr>
+          <p:cNvPr id="2" name="Tijdelijke aanduiding voor dia-afbeelding 1"/>
+          <p:cNvSpPr>
+            <a:spLocks noGrp="1" noRot="1" noChangeAspect="1"/>
+          </p:cNvSpPr>
+          <p:nvPr>
+            <p:ph type="sldImg"/>
+          </p:nvPr>
+        </p:nvSpPr>
+        <p:spPr/>
+      </p:sp>
+      <p:sp>
+        <p:nvSpPr>
+          <p:cNvPr id="3" name="Tijdelijke aanduiding voor notities 2"/>
+          <p:cNvSpPr>
+            <a:spLocks noGrp="1"/>
+          </p:cNvSpPr>
+          <p:nvPr>
+            <p:ph type="body" idx="1"/>
+          </p:nvPr>
+        </p:nvSpPr>
+        <p:spPr/>
+        <p:txBody>
+          <a:bodyPr/>
+          <a:lstStyle/>
+          <a:p>
+            <a:endParaRPr lang="en-US"/>
+          </a:p>
+        </p:txBody>
+      </p:sp>
+      <p:sp>
+        <p:nvSpPr>
+          <p:cNvPr id="4" name="Tijdelijke aanduiding voor dianummer 3"/>
+          <p:cNvSpPr>
+            <a:spLocks noGrp="1"/>
+          </p:cNvSpPr>
+          <p:nvPr>
+            <p:ph type="sldNum" sz="quarter" idx="10"/>
+          </p:nvPr>
+        </p:nvSpPr>
+        <p:spPr/>
+        <p:txBody>
+          <a:bodyPr/>
+          <a:lstStyle/>
+          <a:p>
+            <a:fld id="{89ED9555-764A-4B78-873A-3D7406AAEA2B}" type="slidenum">
+              <a:rPr lang="nl-BE" smtClean="0"/>
+              <a:pPr/>
+              <a:t>15</a:t>
+            </a:fld>
+            <a:endParaRPr lang="nl-BE"/>
+          </a:p>
+        </p:txBody>
+      </p:sp>
+    </p:spTree>
+    <p:extLst>
+      <p:ext uri="{BB962C8B-B14F-4D97-AF65-F5344CB8AC3E}">
+        <p14:creationId xmlns:p14="http://schemas.microsoft.com/office/powerpoint/2010/main" val="786474287"/>
+      </p:ext>
+    </p:extLst>
+  </p:cSld>
+  <p:clrMapOvr>
+    <a:masterClrMapping/>
+  </p:clrMapOvr>
+</p:notes>
+</file>
+
+<file path=ppt/notesSlides/notesSlide16.xml><?xml version="1.0" encoding="utf-8"?>
+<p:notes xmlns:a="http://schemas.openxmlformats.org/drawingml/2006/main" xmlns:r="http://schemas.openxmlformats.org/officeDocument/2006/relationships" xmlns:p="http://schemas.openxmlformats.org/presentationml/2006/main">
+  <p:cSld>
+    <p:spTree>
+      <p:nvGrpSpPr>
+        <p:cNvPr id="1" name=""/>
+        <p:cNvGrpSpPr/>
+        <p:nvPr/>
+      </p:nvGrpSpPr>
+      <p:grpSpPr>
+        <a:xfrm>
+          <a:off x="0" y="0"/>
+          <a:ext cx="0" cy="0"/>
+          <a:chOff x="0" y="0"/>
+          <a:chExt cx="0" cy="0"/>
+        </a:xfrm>
+      </p:grpSpPr>
+      <p:sp>
+        <p:nvSpPr>
+          <p:cNvPr id="2" name="Tijdelijke aanduiding voor dia-afbeelding 1"/>
+          <p:cNvSpPr>
+            <a:spLocks noGrp="1" noRot="1" noChangeAspect="1"/>
+          </p:cNvSpPr>
+          <p:nvPr>
+            <p:ph type="sldImg"/>
+          </p:nvPr>
+        </p:nvSpPr>
+        <p:spPr/>
+      </p:sp>
+      <p:sp>
+        <p:nvSpPr>
+          <p:cNvPr id="3" name="Tijdelijke aanduiding voor notities 2"/>
+          <p:cNvSpPr>
+            <a:spLocks noGrp="1"/>
+          </p:cNvSpPr>
+          <p:nvPr>
+            <p:ph type="body" idx="1"/>
+          </p:nvPr>
+        </p:nvSpPr>
+        <p:spPr/>
+        <p:txBody>
+          <a:bodyPr/>
+          <a:lstStyle/>
+          <a:p>
+            <a:endParaRPr lang="en-US"/>
+          </a:p>
+        </p:txBody>
+      </p:sp>
+      <p:sp>
+        <p:nvSpPr>
+          <p:cNvPr id="4" name="Tijdelijke aanduiding voor dianummer 3"/>
+          <p:cNvSpPr>
+            <a:spLocks noGrp="1"/>
+          </p:cNvSpPr>
+          <p:nvPr>
+            <p:ph type="sldNum" sz="quarter" idx="10"/>
+          </p:nvPr>
+        </p:nvSpPr>
+        <p:spPr/>
+        <p:txBody>
+          <a:bodyPr/>
+          <a:lstStyle/>
+          <a:p>
+            <a:fld id="{89ED9555-764A-4B78-873A-3D7406AAEA2B}" type="slidenum">
+              <a:rPr lang="nl-BE" smtClean="0"/>
+              <a:pPr/>
+              <a:t>16</a:t>
+            </a:fld>
+            <a:endParaRPr lang="nl-BE"/>
+          </a:p>
+        </p:txBody>
+      </p:sp>
+    </p:spTree>
+    <p:extLst>
+      <p:ext uri="{BB962C8B-B14F-4D97-AF65-F5344CB8AC3E}">
+        <p14:creationId xmlns:p14="http://schemas.microsoft.com/office/powerpoint/2010/main" val="139180381"/>
+      </p:ext>
+    </p:extLst>
+  </p:cSld>
+  <p:clrMapOvr>
+    <a:masterClrMapping/>
+  </p:clrMapOvr>
+</p:notes>
+</file>
+
+<file path=ppt/notesSlides/notesSlide17.xml><?xml version="1.0" encoding="utf-8"?>
+<p:notes xmlns:a="http://schemas.openxmlformats.org/drawingml/2006/main" xmlns:r="http://schemas.openxmlformats.org/officeDocument/2006/relationships" xmlns:p="http://schemas.openxmlformats.org/presentationml/2006/main">
+  <p:cSld>
+    <p:spTree>
+      <p:nvGrpSpPr>
+        <p:cNvPr id="1" name=""/>
+        <p:cNvGrpSpPr/>
+        <p:nvPr/>
+      </p:nvGrpSpPr>
+      <p:grpSpPr>
+        <a:xfrm>
+          <a:off x="0" y="0"/>
+          <a:ext cx="0" cy="0"/>
+          <a:chOff x="0" y="0"/>
+          <a:chExt cx="0" cy="0"/>
+        </a:xfrm>
+      </p:grpSpPr>
+      <p:sp>
+        <p:nvSpPr>
+          <p:cNvPr id="2" name="Tijdelijke aanduiding voor dia-afbeelding 1"/>
+          <p:cNvSpPr>
+            <a:spLocks noGrp="1" noRot="1" noChangeAspect="1"/>
+          </p:cNvSpPr>
+          <p:nvPr>
+            <p:ph type="sldImg"/>
+          </p:nvPr>
+        </p:nvSpPr>
+        <p:spPr/>
+      </p:sp>
+      <p:sp>
+        <p:nvSpPr>
+          <p:cNvPr id="3" name="Tijdelijke aanduiding voor notities 2"/>
+          <p:cNvSpPr>
+            <a:spLocks noGrp="1"/>
+          </p:cNvSpPr>
+          <p:nvPr>
+            <p:ph type="body" idx="1"/>
+          </p:nvPr>
+        </p:nvSpPr>
+        <p:spPr/>
+        <p:txBody>
+          <a:bodyPr/>
+          <a:lstStyle/>
+          <a:p>
+            <a:endParaRPr lang="en-US"/>
+          </a:p>
+        </p:txBody>
+      </p:sp>
+      <p:sp>
+        <p:nvSpPr>
+          <p:cNvPr id="4" name="Tijdelijke aanduiding voor dianummer 3"/>
+          <p:cNvSpPr>
+            <a:spLocks noGrp="1"/>
+          </p:cNvSpPr>
+          <p:nvPr>
+            <p:ph type="sldNum" sz="quarter" idx="10"/>
+          </p:nvPr>
+        </p:nvSpPr>
+        <p:spPr/>
+        <p:txBody>
+          <a:bodyPr/>
+          <a:lstStyle/>
+          <a:p>
+            <a:fld id="{89ED9555-764A-4B78-873A-3D7406AAEA2B}" type="slidenum">
+              <a:rPr lang="nl-BE" smtClean="0"/>
+              <a:pPr/>
+              <a:t>17</a:t>
+            </a:fld>
+            <a:endParaRPr lang="nl-BE"/>
+          </a:p>
+        </p:txBody>
+      </p:sp>
+    </p:spTree>
+    <p:extLst>
+      <p:ext uri="{BB962C8B-B14F-4D97-AF65-F5344CB8AC3E}">
+        <p14:creationId xmlns:p14="http://schemas.microsoft.com/office/powerpoint/2010/main" val="3285008905"/>
+      </p:ext>
+    </p:extLst>
+  </p:cSld>
+  <p:clrMapOvr>
+    <a:masterClrMapping/>
+  </p:clrMapOvr>
+</p:notes>
+</file>
+
+<file path=ppt/notesSlides/notesSlide18.xml><?xml version="1.0" encoding="utf-8"?>
+<p:notes xmlns:a="http://schemas.openxmlformats.org/drawingml/2006/main" xmlns:r="http://schemas.openxmlformats.org/officeDocument/2006/relationships" xmlns:p="http://schemas.openxmlformats.org/presentationml/2006/main">
+  <p:cSld>
+    <p:spTree>
+      <p:nvGrpSpPr>
+        <p:cNvPr id="1" name=""/>
+        <p:cNvGrpSpPr/>
+        <p:nvPr/>
+      </p:nvGrpSpPr>
+      <p:grpSpPr>
+        <a:xfrm>
+          <a:off x="0" y="0"/>
+          <a:ext cx="0" cy="0"/>
+          <a:chOff x="0" y="0"/>
+          <a:chExt cx="0" cy="0"/>
+        </a:xfrm>
+      </p:grpSpPr>
+      <p:sp>
+        <p:nvSpPr>
+          <p:cNvPr id="2" name="Tijdelijke aanduiding voor dia-afbeelding 1"/>
+          <p:cNvSpPr>
+            <a:spLocks noGrp="1" noRot="1" noChangeAspect="1"/>
+          </p:cNvSpPr>
+          <p:nvPr>
+            <p:ph type="sldImg"/>
+          </p:nvPr>
+        </p:nvSpPr>
+        <p:spPr/>
+      </p:sp>
+      <p:sp>
+        <p:nvSpPr>
+          <p:cNvPr id="3" name="Tijdelijke aanduiding voor notities 2"/>
+          <p:cNvSpPr>
+            <a:spLocks noGrp="1"/>
+          </p:cNvSpPr>
+          <p:nvPr>
+            <p:ph type="body" idx="1"/>
+          </p:nvPr>
+        </p:nvSpPr>
+        <p:spPr/>
+        <p:txBody>
+          <a:bodyPr/>
+          <a:lstStyle/>
+          <a:p>
+            <a:endParaRPr lang="en-US"/>
+          </a:p>
+        </p:txBody>
+      </p:sp>
+      <p:sp>
+        <p:nvSpPr>
+          <p:cNvPr id="4" name="Tijdelijke aanduiding voor dianummer 3"/>
+          <p:cNvSpPr>
+            <a:spLocks noGrp="1"/>
+          </p:cNvSpPr>
+          <p:nvPr>
+            <p:ph type="sldNum" sz="quarter" idx="10"/>
+          </p:nvPr>
+        </p:nvSpPr>
+        <p:spPr/>
+        <p:txBody>
+          <a:bodyPr/>
+          <a:lstStyle/>
+          <a:p>
+            <a:fld id="{89ED9555-764A-4B78-873A-3D7406AAEA2B}" type="slidenum">
+              <a:rPr lang="nl-BE" smtClean="0"/>
+              <a:pPr/>
+              <a:t>18</a:t>
+            </a:fld>
+            <a:endParaRPr lang="nl-BE"/>
+          </a:p>
+        </p:txBody>
+      </p:sp>
+    </p:spTree>
+    <p:extLst>
+      <p:ext uri="{BB962C8B-B14F-4D97-AF65-F5344CB8AC3E}">
+        <p14:creationId xmlns:p14="http://schemas.microsoft.com/office/powerpoint/2010/main" val="3818072073"/>
+      </p:ext>
+    </p:extLst>
+  </p:cSld>
+  <p:clrMapOvr>
+    <a:masterClrMapping/>
+  </p:clrMapOvr>
+</p:notes>
+</file>
+
+<file path=ppt/notesSlides/notesSlide19.xml><?xml version="1.0" encoding="utf-8"?>
+<p:notes xmlns:a="http://schemas.openxmlformats.org/drawingml/2006/main" xmlns:r="http://schemas.openxmlformats.org/officeDocument/2006/relationships" xmlns:p="http://schemas.openxmlformats.org/presentationml/2006/main">
+  <p:cSld>
+    <p:spTree>
+      <p:nvGrpSpPr>
+        <p:cNvPr id="1" name=""/>
+        <p:cNvGrpSpPr/>
+        <p:nvPr/>
+      </p:nvGrpSpPr>
+      <p:grpSpPr>
+        <a:xfrm>
+          <a:off x="0" y="0"/>
+          <a:ext cx="0" cy="0"/>
+          <a:chOff x="0" y="0"/>
+          <a:chExt cx="0" cy="0"/>
+        </a:xfrm>
+      </p:grpSpPr>
+      <p:sp>
+        <p:nvSpPr>
+          <p:cNvPr id="2" name="Tijdelijke aanduiding voor dia-afbeelding 1"/>
+          <p:cNvSpPr>
+            <a:spLocks noGrp="1" noRot="1" noChangeAspect="1"/>
+          </p:cNvSpPr>
+          <p:nvPr>
+            <p:ph type="sldImg"/>
+          </p:nvPr>
+        </p:nvSpPr>
+        <p:spPr/>
+      </p:sp>
+      <p:sp>
+        <p:nvSpPr>
+          <p:cNvPr id="3" name="Tijdelijke aanduiding voor notities 2"/>
+          <p:cNvSpPr>
+            <a:spLocks noGrp="1"/>
+          </p:cNvSpPr>
+          <p:nvPr>
+            <p:ph type="body" idx="1"/>
+          </p:nvPr>
+        </p:nvSpPr>
+        <p:spPr/>
+        <p:txBody>
+          <a:bodyPr/>
+          <a:lstStyle/>
+          <a:p>
+            <a:endParaRPr lang="en-US"/>
+          </a:p>
+        </p:txBody>
+      </p:sp>
+      <p:sp>
+        <p:nvSpPr>
+          <p:cNvPr id="4" name="Tijdelijke aanduiding voor dianummer 3"/>
+          <p:cNvSpPr>
+            <a:spLocks noGrp="1"/>
+          </p:cNvSpPr>
+          <p:nvPr>
+            <p:ph type="sldNum" sz="quarter" idx="10"/>
+          </p:nvPr>
+        </p:nvSpPr>
+        <p:spPr/>
+        <p:txBody>
+          <a:bodyPr/>
+          <a:lstStyle/>
+          <a:p>
+            <a:fld id="{89ED9555-764A-4B78-873A-3D7406AAEA2B}" type="slidenum">
+              <a:rPr lang="nl-BE" smtClean="0"/>
+              <a:pPr/>
+              <a:t>19</a:t>
+            </a:fld>
+            <a:endParaRPr lang="nl-BE"/>
+          </a:p>
+        </p:txBody>
+      </p:sp>
+    </p:spTree>
+    <p:extLst>
+      <p:ext uri="{BB962C8B-B14F-4D97-AF65-F5344CB8AC3E}">
+        <p14:creationId xmlns:p14="http://schemas.microsoft.com/office/powerpoint/2010/main" val="2166034390"/>
+      </p:ext>
+    </p:extLst>
+  </p:cSld>
+  <p:clrMapOvr>
+    <a:masterClrMapping/>
+  </p:clrMapOvr>
+</p:notes>
+</file>
+
+<file path=ppt/notesSlides/notesSlide2.xml><?xml version="1.0" encoding="utf-8"?>
+<p:notes xmlns:a="http://schemas.openxmlformats.org/drawingml/2006/main" xmlns:r="http://schemas.openxmlformats.org/officeDocument/2006/relationships" xmlns:p="http://schemas.openxmlformats.org/presentationml/2006/main">
+  <p:cSld>
+    <p:spTree>
+      <p:nvGrpSpPr>
+        <p:cNvPr id="1" name=""/>
+        <p:cNvGrpSpPr/>
+        <p:nvPr/>
+      </p:nvGrpSpPr>
+      <p:grpSpPr>
+        <a:xfrm>
+          <a:off x="0" y="0"/>
+          <a:ext cx="0" cy="0"/>
+          <a:chOff x="0" y="0"/>
+          <a:chExt cx="0" cy="0"/>
+        </a:xfrm>
+      </p:grpSpPr>
+      <p:sp>
+        <p:nvSpPr>
+          <p:cNvPr id="2" name="Tijdelijke aanduiding voor dia-afbeelding 1"/>
+          <p:cNvSpPr>
+            <a:spLocks noGrp="1" noRot="1" noChangeAspect="1"/>
+          </p:cNvSpPr>
+          <p:nvPr>
+            <p:ph type="sldImg"/>
+          </p:nvPr>
+        </p:nvSpPr>
+        <p:spPr/>
+      </p:sp>
+      <p:sp>
+        <p:nvSpPr>
+          <p:cNvPr id="3" name="Tijdelijke aanduiding voor notities 2"/>
+          <p:cNvSpPr>
+            <a:spLocks noGrp="1"/>
+          </p:cNvSpPr>
+          <p:nvPr>
+            <p:ph type="body" idx="1"/>
+          </p:nvPr>
+        </p:nvSpPr>
+        <p:spPr/>
+        <p:txBody>
+          <a:bodyPr/>
+          <a:lstStyle/>
+          <a:p>
+            <a:endParaRPr lang="en-US"/>
+          </a:p>
+        </p:txBody>
+      </p:sp>
+      <p:sp>
+        <p:nvSpPr>
+          <p:cNvPr id="4" name="Tijdelijke aanduiding voor dianummer 3"/>
+          <p:cNvSpPr>
+            <a:spLocks noGrp="1"/>
+          </p:cNvSpPr>
+          <p:nvPr>
+            <p:ph type="sldNum" sz="quarter" idx="10"/>
+          </p:nvPr>
+        </p:nvSpPr>
+        <p:spPr/>
+        <p:txBody>
+          <a:bodyPr/>
+          <a:lstStyle/>
+          <a:p>
+            <a:fld id="{89ED9555-764A-4B78-873A-3D7406AAEA2B}" type="slidenum">
+              <a:rPr lang="nl-BE" smtClean="0"/>
+              <a:pPr/>
+              <a:t>2</a:t>
+            </a:fld>
+            <a:endParaRPr lang="nl-BE"/>
+          </a:p>
+        </p:txBody>
+      </p:sp>
+    </p:spTree>
+    <p:extLst>
+      <p:ext uri="{BB962C8B-B14F-4D97-AF65-F5344CB8AC3E}">
+        <p14:creationId xmlns:p14="http://schemas.microsoft.com/office/powerpoint/2010/main" val="2535853090"/>
+      </p:ext>
+    </p:extLst>
+  </p:cSld>
+  <p:clrMapOvr>
+    <a:masterClrMapping/>
+  </p:clrMapOvr>
+</p:notes>
+</file>
+
+<file path=ppt/notesSlides/notesSlide20.xml><?xml version="1.0" encoding="utf-8"?>
+<p:notes xmlns:a="http://schemas.openxmlformats.org/drawingml/2006/main" xmlns:r="http://schemas.openxmlformats.org/officeDocument/2006/relationships" xmlns:p="http://schemas.openxmlformats.org/presentationml/2006/main">
+  <p:cSld>
+    <p:spTree>
+      <p:nvGrpSpPr>
+        <p:cNvPr id="1" name=""/>
+        <p:cNvGrpSpPr/>
+        <p:nvPr/>
+      </p:nvGrpSpPr>
+      <p:grpSpPr>
+        <a:xfrm>
+          <a:off x="0" y="0"/>
+          <a:ext cx="0" cy="0"/>
+          <a:chOff x="0" y="0"/>
+          <a:chExt cx="0" cy="0"/>
+        </a:xfrm>
+      </p:grpSpPr>
+      <p:sp>
+        <p:nvSpPr>
+          <p:cNvPr id="2" name="Tijdelijke aanduiding voor dia-afbeelding 1"/>
+          <p:cNvSpPr>
+            <a:spLocks noGrp="1" noRot="1" noChangeAspect="1"/>
+          </p:cNvSpPr>
+          <p:nvPr>
+            <p:ph type="sldImg"/>
+          </p:nvPr>
+        </p:nvSpPr>
+        <p:spPr/>
+      </p:sp>
+      <p:sp>
+        <p:nvSpPr>
+          <p:cNvPr id="3" name="Tijdelijke aanduiding voor notities 2"/>
+          <p:cNvSpPr>
+            <a:spLocks noGrp="1"/>
+          </p:cNvSpPr>
+          <p:nvPr>
+            <p:ph type="body" idx="1"/>
+          </p:nvPr>
+        </p:nvSpPr>
+        <p:spPr/>
+        <p:txBody>
+          <a:bodyPr/>
+          <a:lstStyle/>
+          <a:p>
+            <a:endParaRPr lang="en-US"/>
+          </a:p>
+        </p:txBody>
+      </p:sp>
+      <p:sp>
+        <p:nvSpPr>
+          <p:cNvPr id="4" name="Tijdelijke aanduiding voor dianummer 3"/>
+          <p:cNvSpPr>
+            <a:spLocks noGrp="1"/>
+          </p:cNvSpPr>
+          <p:nvPr>
+            <p:ph type="sldNum" sz="quarter" idx="10"/>
+          </p:nvPr>
+        </p:nvSpPr>
+        <p:spPr/>
+        <p:txBody>
+          <a:bodyPr/>
+          <a:lstStyle/>
+          <a:p>
+            <a:fld id="{89ED9555-764A-4B78-873A-3D7406AAEA2B}" type="slidenum">
+              <a:rPr lang="nl-BE" smtClean="0"/>
+              <a:pPr/>
+              <a:t>25</a:t>
+            </a:fld>
+            <a:endParaRPr lang="nl-BE"/>
+          </a:p>
+        </p:txBody>
+      </p:sp>
+    </p:spTree>
+    <p:extLst>
+      <p:ext uri="{BB962C8B-B14F-4D97-AF65-F5344CB8AC3E}">
+        <p14:creationId xmlns:p14="http://schemas.microsoft.com/office/powerpoint/2010/main" val="2200604331"/>
+      </p:ext>
+    </p:extLst>
+  </p:cSld>
+  <p:clrMapOvr>
+    <a:masterClrMapping/>
+  </p:clrMapOvr>
+</p:notes>
+</file>
+
+<file path=ppt/notesSlides/notesSlide21.xml><?xml version="1.0" encoding="utf-8"?>
+<p:notes xmlns:a="http://schemas.openxmlformats.org/drawingml/2006/main" xmlns:r="http://schemas.openxmlformats.org/officeDocument/2006/relationships" xmlns:p="http://schemas.openxmlformats.org/presentationml/2006/main">
+  <p:cSld>
+    <p:spTree>
+      <p:nvGrpSpPr>
+        <p:cNvPr id="1" name=""/>
+        <p:cNvGrpSpPr/>
+        <p:nvPr/>
+      </p:nvGrpSpPr>
+      <p:grpSpPr>
+        <a:xfrm>
+          <a:off x="0" y="0"/>
+          <a:ext cx="0" cy="0"/>
+          <a:chOff x="0" y="0"/>
+          <a:chExt cx="0" cy="0"/>
+        </a:xfrm>
+      </p:grpSpPr>
+      <p:sp>
+        <p:nvSpPr>
+          <p:cNvPr id="2" name="Tijdelijke aanduiding voor dia-afbeelding 1"/>
+          <p:cNvSpPr>
+            <a:spLocks noGrp="1" noRot="1" noChangeAspect="1"/>
+          </p:cNvSpPr>
+          <p:nvPr>
+            <p:ph type="sldImg"/>
+          </p:nvPr>
+        </p:nvSpPr>
+        <p:spPr/>
+      </p:sp>
+      <p:sp>
+        <p:nvSpPr>
+          <p:cNvPr id="3" name="Tijdelijke aanduiding voor notities 2"/>
+          <p:cNvSpPr>
+            <a:spLocks noGrp="1"/>
+          </p:cNvSpPr>
+          <p:nvPr>
+            <p:ph type="body" idx="1"/>
+          </p:nvPr>
+        </p:nvSpPr>
+        <p:spPr/>
+        <p:txBody>
+          <a:bodyPr/>
+          <a:lstStyle/>
+          <a:p>
+            <a:endParaRPr lang="en-US"/>
+          </a:p>
+        </p:txBody>
+      </p:sp>
+      <p:sp>
+        <p:nvSpPr>
+          <p:cNvPr id="4" name="Tijdelijke aanduiding voor dianummer 3"/>
+          <p:cNvSpPr>
+            <a:spLocks noGrp="1"/>
+          </p:cNvSpPr>
+          <p:nvPr>
+            <p:ph type="sldNum" sz="quarter" idx="10"/>
+          </p:nvPr>
+        </p:nvSpPr>
+        <p:spPr/>
+        <p:txBody>
+          <a:bodyPr/>
+          <a:lstStyle/>
+          <a:p>
+            <a:fld id="{89ED9555-764A-4B78-873A-3D7406AAEA2B}" type="slidenum">
+              <a:rPr lang="nl-BE" smtClean="0"/>
+              <a:pPr/>
+              <a:t>26</a:t>
+            </a:fld>
+            <a:endParaRPr lang="nl-BE"/>
+          </a:p>
+        </p:txBody>
+      </p:sp>
+    </p:spTree>
+    <p:extLst>
+      <p:ext uri="{BB962C8B-B14F-4D97-AF65-F5344CB8AC3E}">
+        <p14:creationId xmlns:p14="http://schemas.microsoft.com/office/powerpoint/2010/main" val="123684634"/>
+      </p:ext>
+    </p:extLst>
+  </p:cSld>
+  <p:clrMapOvr>
+    <a:masterClrMapping/>
+  </p:clrMapOvr>
+</p:notes>
+</file>
+
+<file path=ppt/notesSlides/notesSlide22.xml><?xml version="1.0" encoding="utf-8"?>
+<p:notes xmlns:a="http://schemas.openxmlformats.org/drawingml/2006/main" xmlns:r="http://schemas.openxmlformats.org/officeDocument/2006/relationships" xmlns:p="http://schemas.openxmlformats.org/presentationml/2006/main">
+  <p:cSld>
+    <p:spTree>
+      <p:nvGrpSpPr>
+        <p:cNvPr id="1" name=""/>
+        <p:cNvGrpSpPr/>
+        <p:nvPr/>
+      </p:nvGrpSpPr>
+      <p:grpSpPr>
+        <a:xfrm>
+          <a:off x="0" y="0"/>
+          <a:ext cx="0" cy="0"/>
+          <a:chOff x="0" y="0"/>
+          <a:chExt cx="0" cy="0"/>
+        </a:xfrm>
+      </p:grpSpPr>
+      <p:sp>
+        <p:nvSpPr>
+          <p:cNvPr id="2" name="Tijdelijke aanduiding voor dia-afbeelding 1"/>
+          <p:cNvSpPr>
+            <a:spLocks noGrp="1" noRot="1" noChangeAspect="1"/>
+          </p:cNvSpPr>
+          <p:nvPr>
+            <p:ph type="sldImg"/>
+          </p:nvPr>
+        </p:nvSpPr>
+        <p:spPr/>
+      </p:sp>
+      <p:sp>
+        <p:nvSpPr>
+          <p:cNvPr id="3" name="Tijdelijke aanduiding voor notities 2"/>
+          <p:cNvSpPr>
+            <a:spLocks noGrp="1"/>
+          </p:cNvSpPr>
+          <p:nvPr>
+            <p:ph type="body" idx="1"/>
+          </p:nvPr>
+        </p:nvSpPr>
+        <p:spPr/>
+        <p:txBody>
+          <a:bodyPr/>
+          <a:lstStyle/>
+          <a:p>
+            <a:endParaRPr lang="en-US"/>
+          </a:p>
+        </p:txBody>
+      </p:sp>
+      <p:sp>
+        <p:nvSpPr>
+          <p:cNvPr id="4" name="Tijdelijke aanduiding voor dianummer 3"/>
+          <p:cNvSpPr>
+            <a:spLocks noGrp="1"/>
+          </p:cNvSpPr>
+          <p:nvPr>
+            <p:ph type="sldNum" sz="quarter" idx="10"/>
+          </p:nvPr>
+        </p:nvSpPr>
+        <p:spPr/>
+        <p:txBody>
+          <a:bodyPr/>
+          <a:lstStyle/>
+          <a:p>
+            <a:fld id="{89ED9555-764A-4B78-873A-3D7406AAEA2B}" type="slidenum">
+              <a:rPr lang="nl-BE" smtClean="0"/>
+              <a:pPr/>
+              <a:t>27</a:t>
+            </a:fld>
+            <a:endParaRPr lang="nl-BE"/>
+          </a:p>
+        </p:txBody>
+      </p:sp>
+    </p:spTree>
+    <p:extLst>
+      <p:ext uri="{BB962C8B-B14F-4D97-AF65-F5344CB8AC3E}">
+        <p14:creationId xmlns:p14="http://schemas.microsoft.com/office/powerpoint/2010/main" val="3456977565"/>
+      </p:ext>
+    </p:extLst>
+  </p:cSld>
+  <p:clrMapOvr>
+    <a:masterClrMapping/>
+  </p:clrMapOvr>
+</p:notes>
+</file>
+
+<file path=ppt/notesSlides/notesSlide23.xml><?xml version="1.0" encoding="utf-8"?>
+<p:notes xmlns:a="http://schemas.openxmlformats.org/drawingml/2006/main" xmlns:r="http://schemas.openxmlformats.org/officeDocument/2006/relationships" xmlns:p="http://schemas.openxmlformats.org/presentationml/2006/main">
+  <p:cSld>
+    <p:spTree>
+      <p:nvGrpSpPr>
+        <p:cNvPr id="1" name=""/>
+        <p:cNvGrpSpPr/>
+        <p:nvPr/>
+      </p:nvGrpSpPr>
+      <p:grpSpPr>
+        <a:xfrm>
+          <a:off x="0" y="0"/>
+          <a:ext cx="0" cy="0"/>
+          <a:chOff x="0" y="0"/>
+          <a:chExt cx="0" cy="0"/>
+        </a:xfrm>
+      </p:grpSpPr>
+      <p:sp>
+        <p:nvSpPr>
+          <p:cNvPr id="2" name="Tijdelijke aanduiding voor dia-afbeelding 1"/>
+          <p:cNvSpPr>
+            <a:spLocks noGrp="1" noRot="1" noChangeAspect="1"/>
+          </p:cNvSpPr>
+          <p:nvPr>
+            <p:ph type="sldImg"/>
+          </p:nvPr>
+        </p:nvSpPr>
+        <p:spPr/>
+      </p:sp>
+      <p:sp>
+        <p:nvSpPr>
+          <p:cNvPr id="3" name="Tijdelijke aanduiding voor notities 2"/>
+          <p:cNvSpPr>
+            <a:spLocks noGrp="1"/>
+          </p:cNvSpPr>
+          <p:nvPr>
+            <p:ph type="body" idx="1"/>
+          </p:nvPr>
+        </p:nvSpPr>
+        <p:spPr/>
+        <p:txBody>
+          <a:bodyPr/>
+          <a:lstStyle/>
+          <a:p>
+            <a:endParaRPr lang="en-US"/>
+          </a:p>
+        </p:txBody>
+      </p:sp>
+      <p:sp>
+        <p:nvSpPr>
+          <p:cNvPr id="4" name="Tijdelijke aanduiding voor dianummer 3"/>
+          <p:cNvSpPr>
+            <a:spLocks noGrp="1"/>
+          </p:cNvSpPr>
+          <p:nvPr>
+            <p:ph type="sldNum" sz="quarter" idx="10"/>
+          </p:nvPr>
+        </p:nvSpPr>
+        <p:spPr/>
+        <p:txBody>
+          <a:bodyPr/>
+          <a:lstStyle/>
+          <a:p>
+            <a:fld id="{89ED9555-764A-4B78-873A-3D7406AAEA2B}" type="slidenum">
+              <a:rPr lang="nl-BE" smtClean="0"/>
+              <a:pPr/>
+              <a:t>28</a:t>
+            </a:fld>
+            <a:endParaRPr lang="nl-BE"/>
+          </a:p>
+        </p:txBody>
+      </p:sp>
+    </p:spTree>
+    <p:extLst>
+      <p:ext uri="{BB962C8B-B14F-4D97-AF65-F5344CB8AC3E}">
+        <p14:creationId xmlns:p14="http://schemas.microsoft.com/office/powerpoint/2010/main" val="1625190192"/>
+      </p:ext>
+    </p:extLst>
+  </p:cSld>
+  <p:clrMapOvr>
+    <a:masterClrMapping/>
+  </p:clrMapOvr>
+</p:notes>
+</file>
+
+<file path=ppt/notesSlides/notesSlide24.xml><?xml version="1.0" encoding="utf-8"?>
+<p:notes xmlns:a="http://schemas.openxmlformats.org/drawingml/2006/main" xmlns:r="http://schemas.openxmlformats.org/officeDocument/2006/relationships" xmlns:p="http://schemas.openxmlformats.org/presentationml/2006/main">
+  <p:cSld>
+    <p:spTree>
+      <p:nvGrpSpPr>
+        <p:cNvPr id="1" name=""/>
+        <p:cNvGrpSpPr/>
+        <p:nvPr/>
+      </p:nvGrpSpPr>
+      <p:grpSpPr>
+        <a:xfrm>
+          <a:off x="0" y="0"/>
+          <a:ext cx="0" cy="0"/>
+          <a:chOff x="0" y="0"/>
+          <a:chExt cx="0" cy="0"/>
+        </a:xfrm>
+      </p:grpSpPr>
+      <p:sp>
+        <p:nvSpPr>
+          <p:cNvPr id="2" name="Tijdelijke aanduiding voor dia-afbeelding 1"/>
+          <p:cNvSpPr>
+            <a:spLocks noGrp="1" noRot="1" noChangeAspect="1"/>
+          </p:cNvSpPr>
+          <p:nvPr>
+            <p:ph type="sldImg"/>
+          </p:nvPr>
+        </p:nvSpPr>
+        <p:spPr/>
+      </p:sp>
+      <p:sp>
+        <p:nvSpPr>
+          <p:cNvPr id="3" name="Tijdelijke aanduiding voor notities 2"/>
+          <p:cNvSpPr>
+            <a:spLocks noGrp="1"/>
+          </p:cNvSpPr>
+          <p:nvPr>
+            <p:ph type="body" idx="1"/>
+          </p:nvPr>
+        </p:nvSpPr>
+        <p:spPr/>
+        <p:txBody>
+          <a:bodyPr/>
+          <a:lstStyle/>
+          <a:p>
+            <a:endParaRPr lang="en-US"/>
+          </a:p>
+        </p:txBody>
+      </p:sp>
+      <p:sp>
+        <p:nvSpPr>
+          <p:cNvPr id="4" name="Tijdelijke aanduiding voor dianummer 3"/>
+          <p:cNvSpPr>
+            <a:spLocks noGrp="1"/>
+          </p:cNvSpPr>
+          <p:nvPr>
+            <p:ph type="sldNum" sz="quarter" idx="10"/>
+          </p:nvPr>
+        </p:nvSpPr>
+        <p:spPr/>
+        <p:txBody>
+          <a:bodyPr/>
+          <a:lstStyle/>
+          <a:p>
+            <a:fld id="{89ED9555-764A-4B78-873A-3D7406AAEA2B}" type="slidenum">
+              <a:rPr lang="nl-BE" smtClean="0"/>
+              <a:pPr/>
+              <a:t>29</a:t>
+            </a:fld>
+            <a:endParaRPr lang="nl-BE"/>
+          </a:p>
+        </p:txBody>
+      </p:sp>
+    </p:spTree>
+    <p:extLst>
+      <p:ext uri="{BB962C8B-B14F-4D97-AF65-F5344CB8AC3E}">
+        <p14:creationId xmlns:p14="http://schemas.microsoft.com/office/powerpoint/2010/main" val="1004129301"/>
+      </p:ext>
+    </p:extLst>
+  </p:cSld>
+  <p:clrMapOvr>
+    <a:masterClrMapping/>
+  </p:clrMapOvr>
+</p:notes>
+</file>
+
+<file path=ppt/notesSlides/notesSlide25.xml><?xml version="1.0" encoding="utf-8"?>
+<p:notes xmlns:a="http://schemas.openxmlformats.org/drawingml/2006/main" xmlns:r="http://schemas.openxmlformats.org/officeDocument/2006/relationships" xmlns:p="http://schemas.openxmlformats.org/presentationml/2006/main">
+  <p:cSld>
+    <p:spTree>
+      <p:nvGrpSpPr>
+        <p:cNvPr id="1" name=""/>
+        <p:cNvGrpSpPr/>
+        <p:nvPr/>
+      </p:nvGrpSpPr>
+      <p:grpSpPr>
+        <a:xfrm>
+          <a:off x="0" y="0"/>
+          <a:ext cx="0" cy="0"/>
+          <a:chOff x="0" y="0"/>
+          <a:chExt cx="0" cy="0"/>
+        </a:xfrm>
+      </p:grpSpPr>
+      <p:sp>
+        <p:nvSpPr>
+          <p:cNvPr id="2" name="Tijdelijke aanduiding voor dia-afbeelding 1"/>
+          <p:cNvSpPr>
+            <a:spLocks noGrp="1" noRot="1" noChangeAspect="1"/>
+          </p:cNvSpPr>
+          <p:nvPr>
+            <p:ph type="sldImg"/>
+          </p:nvPr>
+        </p:nvSpPr>
+        <p:spPr/>
+      </p:sp>
+      <p:sp>
+        <p:nvSpPr>
+          <p:cNvPr id="3" name="Tijdelijke aanduiding voor notities 2"/>
+          <p:cNvSpPr>
+            <a:spLocks noGrp="1"/>
+          </p:cNvSpPr>
+          <p:nvPr>
+            <p:ph type="body" idx="1"/>
+          </p:nvPr>
+        </p:nvSpPr>
+        <p:spPr/>
+        <p:txBody>
+          <a:bodyPr/>
+          <a:lstStyle/>
+          <a:p>
+            <a:endParaRPr lang="en-US"/>
+          </a:p>
+        </p:txBody>
+      </p:sp>
+      <p:sp>
+        <p:nvSpPr>
+          <p:cNvPr id="4" name="Tijdelijke aanduiding voor dianummer 3"/>
+          <p:cNvSpPr>
+            <a:spLocks noGrp="1"/>
+          </p:cNvSpPr>
+          <p:nvPr>
+            <p:ph type="sldNum" sz="quarter" idx="10"/>
+          </p:nvPr>
+        </p:nvSpPr>
+        <p:spPr/>
+        <p:txBody>
+          <a:bodyPr/>
+          <a:lstStyle/>
+          <a:p>
+            <a:fld id="{89ED9555-764A-4B78-873A-3D7406AAEA2B}" type="slidenum">
+              <a:rPr lang="nl-BE" smtClean="0"/>
+              <a:pPr/>
+              <a:t>30</a:t>
+            </a:fld>
+            <a:endParaRPr lang="nl-BE"/>
+          </a:p>
+        </p:txBody>
+      </p:sp>
+    </p:spTree>
+    <p:extLst>
+      <p:ext uri="{BB962C8B-B14F-4D97-AF65-F5344CB8AC3E}">
+        <p14:creationId xmlns:p14="http://schemas.microsoft.com/office/powerpoint/2010/main" val="222532546"/>
+      </p:ext>
+    </p:extLst>
+  </p:cSld>
+  <p:clrMapOvr>
+    <a:masterClrMapping/>
+  </p:clrMapOvr>
+</p:notes>
+</file>
+
+<file path=ppt/notesSlides/notesSlide3.xml><?xml version="1.0" encoding="utf-8"?>
+<p:notes xmlns:a="http://schemas.openxmlformats.org/drawingml/2006/main" xmlns:r="http://schemas.openxmlformats.org/officeDocument/2006/relationships" xmlns:p="http://schemas.openxmlformats.org/presentationml/2006/main">
+  <p:cSld>
+    <p:spTree>
+      <p:nvGrpSpPr>
+        <p:cNvPr id="1" name=""/>
+        <p:cNvGrpSpPr/>
+        <p:nvPr/>
+      </p:nvGrpSpPr>
+      <p:grpSpPr>
+        <a:xfrm>
+          <a:off x="0" y="0"/>
+          <a:ext cx="0" cy="0"/>
+          <a:chOff x="0" y="0"/>
+          <a:chExt cx="0" cy="0"/>
+        </a:xfrm>
+      </p:grpSpPr>
+      <p:sp>
+        <p:nvSpPr>
+          <p:cNvPr id="2" name="Tijdelijke aanduiding voor dia-afbeelding 1"/>
+          <p:cNvSpPr>
+            <a:spLocks noGrp="1" noRot="1" noChangeAspect="1"/>
+          </p:cNvSpPr>
+          <p:nvPr>
+            <p:ph type="sldImg"/>
+          </p:nvPr>
+        </p:nvSpPr>
+        <p:spPr/>
+      </p:sp>
+      <p:sp>
+        <p:nvSpPr>
+          <p:cNvPr id="3" name="Tijdelijke aanduiding voor notities 2"/>
+          <p:cNvSpPr>
+            <a:spLocks noGrp="1"/>
+          </p:cNvSpPr>
+          <p:nvPr>
+            <p:ph type="body" idx="1"/>
+          </p:nvPr>
+        </p:nvSpPr>
+        <p:spPr/>
+        <p:txBody>
+          <a:bodyPr/>
+          <a:lstStyle/>
+          <a:p>
+            <a:endParaRPr lang="en-US"/>
+          </a:p>
+        </p:txBody>
+      </p:sp>
+      <p:sp>
+        <p:nvSpPr>
+          <p:cNvPr id="4" name="Tijdelijke aanduiding voor dianummer 3"/>
+          <p:cNvSpPr>
+            <a:spLocks noGrp="1"/>
+          </p:cNvSpPr>
+          <p:nvPr>
+            <p:ph type="sldNum" sz="quarter" idx="10"/>
+          </p:nvPr>
+        </p:nvSpPr>
+        <p:spPr/>
+        <p:txBody>
+          <a:bodyPr/>
+          <a:lstStyle/>
+          <a:p>
+            <a:fld id="{89ED9555-764A-4B78-873A-3D7406AAEA2B}" type="slidenum">
+              <a:rPr lang="nl-BE" smtClean="0"/>
+              <a:pPr/>
+              <a:t>3</a:t>
+            </a:fld>
+            <a:endParaRPr lang="nl-BE"/>
+          </a:p>
+        </p:txBody>
+      </p:sp>
+    </p:spTree>
+    <p:extLst>
+      <p:ext uri="{BB962C8B-B14F-4D97-AF65-F5344CB8AC3E}">
+        <p14:creationId xmlns:p14="http://schemas.microsoft.com/office/powerpoint/2010/main" val="1817414261"/>
+      </p:ext>
+    </p:extLst>
+  </p:cSld>
+  <p:clrMapOvr>
+    <a:masterClrMapping/>
+  </p:clrMapOvr>
+</p:notes>
+</file>
+
+<file path=ppt/notesSlides/notesSlide4.xml><?xml version="1.0" encoding="utf-8"?>
+<p:notes xmlns:a="http://schemas.openxmlformats.org/drawingml/2006/main" xmlns:r="http://schemas.openxmlformats.org/officeDocument/2006/relationships" xmlns:p="http://schemas.openxmlformats.org/presentationml/2006/main">
+  <p:cSld>
+    <p:spTree>
+      <p:nvGrpSpPr>
+        <p:cNvPr id="1" name=""/>
+        <p:cNvGrpSpPr/>
+        <p:nvPr/>
+      </p:nvGrpSpPr>
+      <p:grpSpPr>
+        <a:xfrm>
+          <a:off x="0" y="0"/>
+          <a:ext cx="0" cy="0"/>
+          <a:chOff x="0" y="0"/>
+          <a:chExt cx="0" cy="0"/>
+        </a:xfrm>
+      </p:grpSpPr>
+      <p:sp>
+        <p:nvSpPr>
+          <p:cNvPr id="2" name="Tijdelijke aanduiding voor dia-afbeelding 1"/>
+          <p:cNvSpPr>
+            <a:spLocks noGrp="1" noRot="1" noChangeAspect="1"/>
+          </p:cNvSpPr>
+          <p:nvPr>
+            <p:ph type="sldImg"/>
+          </p:nvPr>
+        </p:nvSpPr>
+        <p:spPr/>
+      </p:sp>
+      <p:sp>
+        <p:nvSpPr>
+          <p:cNvPr id="3" name="Tijdelijke aanduiding voor notities 2"/>
+          <p:cNvSpPr>
+            <a:spLocks noGrp="1"/>
+          </p:cNvSpPr>
+          <p:nvPr>
+            <p:ph type="body" idx="1"/>
+          </p:nvPr>
+        </p:nvSpPr>
+        <p:spPr/>
+        <p:txBody>
+          <a:bodyPr/>
+          <a:lstStyle/>
+          <a:p>
+            <a:endParaRPr lang="en-US"/>
+          </a:p>
+        </p:txBody>
+      </p:sp>
+      <p:sp>
+        <p:nvSpPr>
+          <p:cNvPr id="4" name="Tijdelijke aanduiding voor dianummer 3"/>
+          <p:cNvSpPr>
+            <a:spLocks noGrp="1"/>
+          </p:cNvSpPr>
+          <p:nvPr>
+            <p:ph type="sldNum" sz="quarter" idx="10"/>
+          </p:nvPr>
+        </p:nvSpPr>
+        <p:spPr/>
+        <p:txBody>
+          <a:bodyPr/>
+          <a:lstStyle/>
+          <a:p>
+            <a:fld id="{89ED9555-764A-4B78-873A-3D7406AAEA2B}" type="slidenum">
+              <a:rPr lang="nl-BE" smtClean="0"/>
+              <a:pPr/>
+              <a:t>4</a:t>
+            </a:fld>
+            <a:endParaRPr lang="nl-BE"/>
+          </a:p>
+        </p:txBody>
+      </p:sp>
+    </p:spTree>
+    <p:extLst>
+      <p:ext uri="{BB962C8B-B14F-4D97-AF65-F5344CB8AC3E}">
+        <p14:creationId xmlns:p14="http://schemas.microsoft.com/office/powerpoint/2010/main" val="3920373466"/>
+      </p:ext>
+    </p:extLst>
+  </p:cSld>
+  <p:clrMapOvr>
+    <a:masterClrMapping/>
+  </p:clrMapOvr>
+</p:notes>
+</file>
+
+<file path=ppt/notesSlides/notesSlide5.xml><?xml version="1.0" encoding="utf-8"?>
+<p:notes xmlns:a="http://schemas.openxmlformats.org/drawingml/2006/main" xmlns:r="http://schemas.openxmlformats.org/officeDocument/2006/relationships" xmlns:p="http://schemas.openxmlformats.org/presentationml/2006/main">
+  <p:cSld>
+    <p:spTree>
+      <p:nvGrpSpPr>
+        <p:cNvPr id="1" name=""/>
+        <p:cNvGrpSpPr/>
+        <p:nvPr/>
+      </p:nvGrpSpPr>
+      <p:grpSpPr>
+        <a:xfrm>
+          <a:off x="0" y="0"/>
+          <a:ext cx="0" cy="0"/>
+          <a:chOff x="0" y="0"/>
+          <a:chExt cx="0" cy="0"/>
+        </a:xfrm>
+      </p:grpSpPr>
+      <p:sp>
+        <p:nvSpPr>
+          <p:cNvPr id="2" name="Tijdelijke aanduiding voor dia-afbeelding 1"/>
+          <p:cNvSpPr>
+            <a:spLocks noGrp="1" noRot="1" noChangeAspect="1"/>
+          </p:cNvSpPr>
+          <p:nvPr>
+            <p:ph type="sldImg"/>
+          </p:nvPr>
+        </p:nvSpPr>
+        <p:spPr/>
+      </p:sp>
+      <p:sp>
+        <p:nvSpPr>
+          <p:cNvPr id="3" name="Tijdelijke aanduiding voor notities 2"/>
+          <p:cNvSpPr>
+            <a:spLocks noGrp="1"/>
+          </p:cNvSpPr>
+          <p:nvPr>
+            <p:ph type="body" idx="1"/>
+          </p:nvPr>
+        </p:nvSpPr>
+        <p:spPr/>
+        <p:txBody>
+          <a:bodyPr/>
+          <a:lstStyle/>
+          <a:p>
+            <a:endParaRPr lang="en-US"/>
+          </a:p>
+        </p:txBody>
+      </p:sp>
+      <p:sp>
+        <p:nvSpPr>
+          <p:cNvPr id="4" name="Tijdelijke aanduiding voor dianummer 3"/>
+          <p:cNvSpPr>
+            <a:spLocks noGrp="1"/>
+          </p:cNvSpPr>
+          <p:nvPr>
+            <p:ph type="sldNum" sz="quarter" idx="10"/>
+          </p:nvPr>
+        </p:nvSpPr>
+        <p:spPr/>
+        <p:txBody>
+          <a:bodyPr/>
+          <a:lstStyle/>
+          <a:p>
+            <a:fld id="{89ED9555-764A-4B78-873A-3D7406AAEA2B}" type="slidenum">
+              <a:rPr lang="nl-BE" smtClean="0"/>
+              <a:pPr/>
+              <a:t>5</a:t>
+            </a:fld>
+            <a:endParaRPr lang="nl-BE"/>
+          </a:p>
+        </p:txBody>
+      </p:sp>
+    </p:spTree>
+    <p:extLst>
+      <p:ext uri="{BB962C8B-B14F-4D97-AF65-F5344CB8AC3E}">
+        <p14:creationId xmlns:p14="http://schemas.microsoft.com/office/powerpoint/2010/main" val="1573726454"/>
+      </p:ext>
+    </p:extLst>
+  </p:cSld>
+  <p:clrMapOvr>
+    <a:masterClrMapping/>
+  </p:clrMapOvr>
+</p:notes>
+</file>
+
+<file path=ppt/notesSlides/notesSlide6.xml><?xml version="1.0" encoding="utf-8"?>
+<p:notes xmlns:a="http://schemas.openxmlformats.org/drawingml/2006/main" xmlns:r="http://schemas.openxmlformats.org/officeDocument/2006/relationships" xmlns:p="http://schemas.openxmlformats.org/presentationml/2006/main">
+  <p:cSld>
+    <p:spTree>
+      <p:nvGrpSpPr>
+        <p:cNvPr id="1" name=""/>
+        <p:cNvGrpSpPr/>
+        <p:nvPr/>
+      </p:nvGrpSpPr>
+      <p:grpSpPr>
+        <a:xfrm>
+          <a:off x="0" y="0"/>
+          <a:ext cx="0" cy="0"/>
+          <a:chOff x="0" y="0"/>
+          <a:chExt cx="0" cy="0"/>
+        </a:xfrm>
+      </p:grpSpPr>
+      <p:sp>
+        <p:nvSpPr>
+          <p:cNvPr id="2" name="Tijdelijke aanduiding voor dia-afbeelding 1"/>
+          <p:cNvSpPr>
+            <a:spLocks noGrp="1" noRot="1" noChangeAspect="1"/>
+          </p:cNvSpPr>
+          <p:nvPr>
+            <p:ph type="sldImg"/>
+          </p:nvPr>
+        </p:nvSpPr>
+        <p:spPr/>
+      </p:sp>
+      <p:sp>
+        <p:nvSpPr>
+          <p:cNvPr id="3" name="Tijdelijke aanduiding voor notities 2"/>
+          <p:cNvSpPr>
+            <a:spLocks noGrp="1"/>
+          </p:cNvSpPr>
+          <p:nvPr>
+            <p:ph type="body" idx="1"/>
+          </p:nvPr>
+        </p:nvSpPr>
+        <p:spPr/>
+        <p:txBody>
+          <a:bodyPr/>
+          <a:lstStyle/>
+          <a:p>
+            <a:endParaRPr lang="en-US"/>
+          </a:p>
+        </p:txBody>
+      </p:sp>
+      <p:sp>
+        <p:nvSpPr>
+          <p:cNvPr id="4" name="Tijdelijke aanduiding voor dianummer 3"/>
+          <p:cNvSpPr>
+            <a:spLocks noGrp="1"/>
+          </p:cNvSpPr>
+          <p:nvPr>
+            <p:ph type="sldNum" sz="quarter" idx="10"/>
+          </p:nvPr>
+        </p:nvSpPr>
+        <p:spPr/>
+        <p:txBody>
+          <a:bodyPr/>
+          <a:lstStyle/>
+          <a:p>
+            <a:fld id="{89ED9555-764A-4B78-873A-3D7406AAEA2B}" type="slidenum">
+              <a:rPr lang="nl-BE" smtClean="0"/>
+              <a:pPr/>
+              <a:t>6</a:t>
+            </a:fld>
+            <a:endParaRPr lang="nl-BE"/>
+          </a:p>
+        </p:txBody>
+      </p:sp>
+    </p:spTree>
+    <p:extLst>
+      <p:ext uri="{BB962C8B-B14F-4D97-AF65-F5344CB8AC3E}">
+        <p14:creationId xmlns:p14="http://schemas.microsoft.com/office/powerpoint/2010/main" val="2943397297"/>
+      </p:ext>
+    </p:extLst>
+  </p:cSld>
+  <p:clrMapOvr>
+    <a:masterClrMapping/>
+  </p:clrMapOvr>
+</p:notes>
+</file>
+
+<file path=ppt/notesSlides/notesSlide7.xml><?xml version="1.0" encoding="utf-8"?>
+<p:notes xmlns:a="http://schemas.openxmlformats.org/drawingml/2006/main" xmlns:r="http://schemas.openxmlformats.org/officeDocument/2006/relationships" xmlns:p="http://schemas.openxmlformats.org/presentationml/2006/main">
+  <p:cSld>
+    <p:spTree>
+      <p:nvGrpSpPr>
+        <p:cNvPr id="1" name=""/>
+        <p:cNvGrpSpPr/>
+        <p:nvPr/>
+      </p:nvGrpSpPr>
+      <p:grpSpPr>
+        <a:xfrm>
+          <a:off x="0" y="0"/>
+          <a:ext cx="0" cy="0"/>
+          <a:chOff x="0" y="0"/>
+          <a:chExt cx="0" cy="0"/>
+        </a:xfrm>
+      </p:grpSpPr>
+      <p:sp>
+        <p:nvSpPr>
+          <p:cNvPr id="2" name="Tijdelijke aanduiding voor dia-afbeelding 1"/>
+          <p:cNvSpPr>
+            <a:spLocks noGrp="1" noRot="1" noChangeAspect="1"/>
+          </p:cNvSpPr>
+          <p:nvPr>
+            <p:ph type="sldImg"/>
+          </p:nvPr>
+        </p:nvSpPr>
+        <p:spPr/>
+      </p:sp>
+      <p:sp>
+        <p:nvSpPr>
+          <p:cNvPr id="3" name="Tijdelijke aanduiding voor notities 2"/>
+          <p:cNvSpPr>
+            <a:spLocks noGrp="1"/>
+          </p:cNvSpPr>
+          <p:nvPr>
+            <p:ph type="body" idx="1"/>
+          </p:nvPr>
+        </p:nvSpPr>
+        <p:spPr/>
+        <p:txBody>
+          <a:bodyPr/>
+          <a:lstStyle/>
+          <a:p>
+            <a:endParaRPr lang="en-US"/>
+          </a:p>
+        </p:txBody>
+      </p:sp>
+      <p:sp>
+        <p:nvSpPr>
+          <p:cNvPr id="4" name="Tijdelijke aanduiding voor dianummer 3"/>
+          <p:cNvSpPr>
+            <a:spLocks noGrp="1"/>
+          </p:cNvSpPr>
+          <p:nvPr>
+            <p:ph type="sldNum" sz="quarter" idx="10"/>
+          </p:nvPr>
+        </p:nvSpPr>
+        <p:spPr/>
+        <p:txBody>
+          <a:bodyPr/>
+          <a:lstStyle/>
+          <a:p>
+            <a:fld id="{89ED9555-764A-4B78-873A-3D7406AAEA2B}" type="slidenum">
+              <a:rPr lang="nl-BE" smtClean="0"/>
+              <a:pPr/>
+              <a:t>7</a:t>
+            </a:fld>
+            <a:endParaRPr lang="nl-BE"/>
+          </a:p>
+        </p:txBody>
+      </p:sp>
+    </p:spTree>
+    <p:extLst>
+      <p:ext uri="{BB962C8B-B14F-4D97-AF65-F5344CB8AC3E}">
+        <p14:creationId xmlns:p14="http://schemas.microsoft.com/office/powerpoint/2010/main" val="4222587747"/>
+      </p:ext>
+    </p:extLst>
+  </p:cSld>
+  <p:clrMapOvr>
+    <a:masterClrMapping/>
+  </p:clrMapOvr>
+</p:notes>
+</file>
+
+<file path=ppt/notesSlides/notesSlide8.xml><?xml version="1.0" encoding="utf-8"?>
+<p:notes xmlns:a="http://schemas.openxmlformats.org/drawingml/2006/main" xmlns:r="http://schemas.openxmlformats.org/officeDocument/2006/relationships" xmlns:p="http://schemas.openxmlformats.org/presentationml/2006/main">
+  <p:cSld>
+    <p:spTree>
+      <p:nvGrpSpPr>
+        <p:cNvPr id="1" name=""/>
+        <p:cNvGrpSpPr/>
+        <p:nvPr/>
+      </p:nvGrpSpPr>
+      <p:grpSpPr>
+        <a:xfrm>
+          <a:off x="0" y="0"/>
+          <a:ext cx="0" cy="0"/>
+          <a:chOff x="0" y="0"/>
+          <a:chExt cx="0" cy="0"/>
+        </a:xfrm>
+      </p:grpSpPr>
+      <p:sp>
+        <p:nvSpPr>
+          <p:cNvPr id="2" name="Tijdelijke aanduiding voor dia-afbeelding 1"/>
+          <p:cNvSpPr>
+            <a:spLocks noGrp="1" noRot="1" noChangeAspect="1"/>
+          </p:cNvSpPr>
+          <p:nvPr>
+            <p:ph type="sldImg"/>
+          </p:nvPr>
+        </p:nvSpPr>
+        <p:spPr/>
+      </p:sp>
+      <p:sp>
+        <p:nvSpPr>
+          <p:cNvPr id="3" name="Tijdelijke aanduiding voor notities 2"/>
+          <p:cNvSpPr>
+            <a:spLocks noGrp="1"/>
+          </p:cNvSpPr>
+          <p:nvPr>
+            <p:ph type="body" idx="1"/>
+          </p:nvPr>
+        </p:nvSpPr>
+        <p:spPr/>
+        <p:txBody>
+          <a:bodyPr/>
+          <a:lstStyle/>
+          <a:p>
+            <a:endParaRPr lang="en-US"/>
+          </a:p>
+        </p:txBody>
+      </p:sp>
+      <p:sp>
+        <p:nvSpPr>
+          <p:cNvPr id="4" name="Tijdelijke aanduiding voor dianummer 3"/>
+          <p:cNvSpPr>
+            <a:spLocks noGrp="1"/>
+          </p:cNvSpPr>
+          <p:nvPr>
+            <p:ph type="sldNum" sz="quarter" idx="10"/>
+          </p:nvPr>
+        </p:nvSpPr>
+        <p:spPr/>
+        <p:txBody>
+          <a:bodyPr/>
+          <a:lstStyle/>
+          <a:p>
+            <a:fld id="{89ED9555-764A-4B78-873A-3D7406AAEA2B}" type="slidenum">
+              <a:rPr lang="nl-BE" smtClean="0"/>
+              <a:pPr/>
+              <a:t>8</a:t>
+            </a:fld>
+            <a:endParaRPr lang="nl-BE"/>
+          </a:p>
+        </p:txBody>
+      </p:sp>
+    </p:spTree>
+    <p:extLst>
+      <p:ext uri="{BB962C8B-B14F-4D97-AF65-F5344CB8AC3E}">
+        <p14:creationId xmlns:p14="http://schemas.microsoft.com/office/powerpoint/2010/main" val="2330404871"/>
+      </p:ext>
+    </p:extLst>
+  </p:cSld>
+  <p:clrMapOvr>
+    <a:masterClrMapping/>
+  </p:clrMapOvr>
+</p:notes>
+</file>
+
+<file path=ppt/notesSlides/notesSlide9.xml><?xml version="1.0" encoding="utf-8"?>
+<p:notes xmlns:a="http://schemas.openxmlformats.org/drawingml/2006/main" xmlns:r="http://schemas.openxmlformats.org/officeDocument/2006/relationships" xmlns:p="http://schemas.openxmlformats.org/presentationml/2006/main">
+  <p:cSld>
+    <p:spTree>
+      <p:nvGrpSpPr>
+        <p:cNvPr id="1" name=""/>
+        <p:cNvGrpSpPr/>
+        <p:nvPr/>
+      </p:nvGrpSpPr>
+      <p:grpSpPr>
+        <a:xfrm>
+          <a:off x="0" y="0"/>
+          <a:ext cx="0" cy="0"/>
+          <a:chOff x="0" y="0"/>
+          <a:chExt cx="0" cy="0"/>
+        </a:xfrm>
+      </p:grpSpPr>
+      <p:sp>
+        <p:nvSpPr>
+          <p:cNvPr id="2" name="Tijdelijke aanduiding voor dia-afbeelding 1"/>
+          <p:cNvSpPr>
+            <a:spLocks noGrp="1" noRot="1" noChangeAspect="1"/>
+          </p:cNvSpPr>
+          <p:nvPr>
+            <p:ph type="sldImg"/>
+          </p:nvPr>
+        </p:nvSpPr>
+        <p:spPr/>
+      </p:sp>
+      <p:sp>
+        <p:nvSpPr>
+          <p:cNvPr id="3" name="Tijdelijke aanduiding voor notities 2"/>
+          <p:cNvSpPr>
+            <a:spLocks noGrp="1"/>
+          </p:cNvSpPr>
+          <p:nvPr>
+            <p:ph type="body" idx="1"/>
+          </p:nvPr>
+        </p:nvSpPr>
+        <p:spPr/>
+        <p:txBody>
+          <a:bodyPr/>
+          <a:lstStyle/>
+          <a:p>
+            <a:endParaRPr lang="en-US"/>
+          </a:p>
+        </p:txBody>
+      </p:sp>
+      <p:sp>
+        <p:nvSpPr>
+          <p:cNvPr id="4" name="Tijdelijke aanduiding voor dianummer 3"/>
+          <p:cNvSpPr>
+            <a:spLocks noGrp="1"/>
+          </p:cNvSpPr>
+          <p:nvPr>
+            <p:ph type="sldNum" sz="quarter" idx="10"/>
+          </p:nvPr>
+        </p:nvSpPr>
+        <p:spPr/>
+        <p:txBody>
+          <a:bodyPr/>
+          <a:lstStyle/>
+          <a:p>
+            <a:fld id="{89ED9555-764A-4B78-873A-3D7406AAEA2B}" type="slidenum">
+              <a:rPr lang="nl-BE" smtClean="0"/>
+              <a:pPr/>
+              <a:t>9</a:t>
+            </a:fld>
+            <a:endParaRPr lang="nl-BE"/>
+          </a:p>
+        </p:txBody>
+      </p:sp>
+    </p:spTree>
+    <p:extLst>
+      <p:ext uri="{BB962C8B-B14F-4D97-AF65-F5344CB8AC3E}">
+        <p14:creationId xmlns:p14="http://schemas.microsoft.com/office/powerpoint/2010/main" val="1198413096"/>
+      </p:ext>
+    </p:extLst>
+  </p:cSld>
+  <p:clrMapOvr>
+    <a:masterClrMapping/>
+  </p:clrMapOvr>
+</p:notes>
 </file>
 
 <file path=ppt/slideLayouts/slideLayout1.xml><?xml version="1.0" encoding="utf-8"?>
@@ -3462,12 +5592,21 @@
           <a:p>
             <a:r>
               <a:rPr lang="en-US" dirty="0"/>
-              <a:t>Marvin the </a:t>
+              <a:t>Marvin the hackbut</a:t>
+            </a:r>
+          </a:p>
+          <a:p>
+            <a:r>
+              <a:rPr lang="en-US" dirty="0"/>
+              <a:t>By Ben De </a:t>
             </a:r>
             <a:r>
               <a:rPr lang="en-US" dirty="0" err="1"/>
-              <a:t>hackbot</a:t>
-            </a:r>
+              <a:t>Lathouwer</a:t>
+            </a:r>
+            <a:endParaRPr lang="en-US" dirty="0"/>
+          </a:p>
+          <a:p>
             <a:endParaRPr lang="en-US" dirty="0"/>
           </a:p>
           <a:p>
@@ -3608,7 +5747,11 @@
           <a:bodyPr/>
           <a:lstStyle/>
           <a:p>
-            <a:endParaRPr lang="en-US"/>
+            <a:r>
+              <a:rPr lang="en-US" dirty="0"/>
+              <a:t>Encoders</a:t>
+            </a:r>
+            <a:endParaRPr lang="en-US" dirty="0"/>
           </a:p>
         </p:txBody>
       </p:sp>
@@ -3666,7 +5809,7 @@
           </p:nvPr>
         </p:nvPicPr>
         <p:blipFill>
-          <a:blip r:embed="rId2">
+          <a:blip r:embed="rId3">
             <a:extLst>
               <a:ext uri="{28A0092B-C50C-407E-A947-70E740481C1C}">
                 <a14:useLocalDpi xmlns:a14="http://schemas.microsoft.com/office/drawing/2010/main" val="0"/>
@@ -3679,8 +5822,8 @@
         </p:blipFill>
         <p:spPr>
           <a:xfrm>
-            <a:off x="152400" y="41030"/>
-            <a:ext cx="8991600" cy="5539033"/>
+            <a:off x="152400" y="1142984"/>
+            <a:ext cx="8991600" cy="4437079"/>
           </a:xfrm>
         </p:spPr>
       </p:pic>
@@ -3739,7 +5882,7 @@
             </a:r>
             <a:r>
               <a:rPr lang="en-US" dirty="0"/>
-              <a:t> module </a:t>
+              <a:t> module (6 euro’s)</a:t>
             </a:r>
           </a:p>
           <a:p>
@@ -3799,7 +5942,6 @@
               <a:rPr lang="en-US" dirty="0"/>
               <a:t>ESP8266</a:t>
             </a:r>
-            <a:endParaRPr lang="en-US" dirty="0"/>
           </a:p>
         </p:txBody>
       </p:sp>
@@ -3887,7 +6029,7 @@
           </p:nvPr>
         </p:nvPicPr>
         <p:blipFill>
-          <a:blip r:embed="rId2">
+          <a:blip r:embed="rId3">
             <a:extLst>
               <a:ext uri="{28A0092B-C50C-407E-A947-70E740481C1C}">
                 <a14:useLocalDpi xmlns:a14="http://schemas.microsoft.com/office/drawing/2010/main" val="0"/>
@@ -3900,8 +6042,8 @@
         </p:blipFill>
         <p:spPr>
           <a:xfrm>
-            <a:off x="0" y="0"/>
-            <a:ext cx="9144000" cy="5562600"/>
+            <a:off x="0" y="1142984"/>
+            <a:ext cx="9144000" cy="4419616"/>
           </a:xfrm>
         </p:spPr>
       </p:pic>
@@ -3920,7 +6062,11 @@
           <a:bodyPr/>
           <a:lstStyle/>
           <a:p>
-            <a:endParaRPr lang="en-US"/>
+            <a:r>
+              <a:rPr lang="en-US" dirty="0"/>
+              <a:t>ESP8266</a:t>
+            </a:r>
+            <a:endParaRPr lang="en-US" dirty="0"/>
           </a:p>
         </p:txBody>
       </p:sp>
@@ -4177,7 +6323,7 @@
           </p:nvPr>
         </p:nvPicPr>
         <p:blipFill>
-          <a:blip r:embed="rId2">
+          <a:blip r:embed="rId3">
             <a:extLst>
               <a:ext uri="{28A0092B-C50C-407E-A947-70E740481C1C}">
                 <a14:useLocalDpi xmlns:a14="http://schemas.microsoft.com/office/drawing/2010/main" val="0"/>
@@ -4210,7 +6356,11 @@
           <a:bodyPr/>
           <a:lstStyle/>
           <a:p>
-            <a:endParaRPr lang="en-US"/>
+            <a:r>
+              <a:rPr lang="en-US" dirty="0"/>
+              <a:t>Level shifter </a:t>
+            </a:r>
+            <a:endParaRPr lang="en-US" dirty="0"/>
           </a:p>
         </p:txBody>
       </p:sp>
@@ -4304,6 +6454,18 @@
           <a:p>
             <a:r>
               <a:rPr lang="en-US" dirty="0"/>
+              <a:t>Using h-bridge</a:t>
+            </a:r>
+          </a:p>
+          <a:p>
+            <a:endParaRPr lang="en-US" dirty="0"/>
+          </a:p>
+          <a:p>
+            <a:endParaRPr lang="en-US" dirty="0"/>
+          </a:p>
+          <a:p>
+            <a:r>
+              <a:rPr lang="en-US" dirty="0"/>
               <a:t>TB6612FNG</a:t>
             </a:r>
           </a:p>
@@ -4415,6 +6577,36 @@
           </a:p>
         </p:txBody>
       </p:sp>
+      <p:pic>
+        <p:nvPicPr>
+          <p:cNvPr id="6" name="Afbeelding 5"/>
+          <p:cNvPicPr>
+            <a:picLocks noChangeAspect="1"/>
+          </p:cNvPicPr>
+          <p:nvPr/>
+        </p:nvPicPr>
+        <p:blipFill>
+          <a:blip r:embed="rId3">
+            <a:extLst>
+              <a:ext uri="{28A0092B-C50C-407E-A947-70E740481C1C}">
+                <a14:useLocalDpi xmlns:a14="http://schemas.microsoft.com/office/drawing/2010/main" val="0"/>
+              </a:ext>
+            </a:extLst>
+          </a:blip>
+          <a:stretch>
+            <a:fillRect/>
+          </a:stretch>
+        </p:blipFill>
+        <p:spPr>
+          <a:xfrm>
+            <a:off x="3429000" y="1152000"/>
+            <a:ext cx="5715000" cy="2353200"/>
+          </a:xfrm>
+          <a:prstGeom prst="rect">
+            <a:avLst/>
+          </a:prstGeom>
+        </p:spPr>
+      </p:pic>
     </p:spTree>
     <p:extLst>
       <p:ext uri="{BB962C8B-B14F-4D97-AF65-F5344CB8AC3E}">
@@ -4456,7 +6648,7 @@
           </p:nvPr>
         </p:nvPicPr>
         <p:blipFill>
-          <a:blip r:embed="rId2">
+          <a:blip r:embed="rId3">
             <a:extLst>
               <a:ext uri="{28A0092B-C50C-407E-A947-70E740481C1C}">
                 <a14:useLocalDpi xmlns:a14="http://schemas.microsoft.com/office/drawing/2010/main" val="0"/>
@@ -4469,8 +6661,8 @@
         </p:blipFill>
         <p:spPr>
           <a:xfrm>
-            <a:off x="0" y="0"/>
-            <a:ext cx="9144000" cy="5562600"/>
+            <a:off x="0" y="1219200"/>
+            <a:ext cx="9144000" cy="4343400"/>
           </a:xfrm>
         </p:spPr>
       </p:pic>
@@ -4489,7 +6681,11 @@
           <a:bodyPr/>
           <a:lstStyle/>
           <a:p>
-            <a:endParaRPr lang="en-US"/>
+            <a:r>
+              <a:rPr lang="en-US" dirty="0"/>
+              <a:t>Motor driver </a:t>
+            </a:r>
+            <a:endParaRPr lang="en-US" dirty="0"/>
           </a:p>
         </p:txBody>
       </p:sp>
@@ -4581,7 +6777,71 @@
           <a:bodyPr/>
           <a:lstStyle/>
           <a:p>
-            <a:endParaRPr lang="en-US"/>
+            <a:r>
+              <a:rPr lang="en-US" dirty="0" err="1"/>
+              <a:t>Standart</a:t>
+            </a:r>
+            <a:r>
+              <a:rPr lang="en-US" dirty="0"/>
+              <a:t> modelling </a:t>
+            </a:r>
+            <a:r>
+              <a:rPr lang="en-US" dirty="0" err="1"/>
+              <a:t>rc</a:t>
+            </a:r>
+            <a:r>
+              <a:rPr lang="en-US" dirty="0"/>
+              <a:t> receiver</a:t>
+            </a:r>
+          </a:p>
+          <a:p>
+            <a:r>
+              <a:rPr lang="en-US" dirty="0"/>
+              <a:t>Servo output </a:t>
+            </a:r>
+          </a:p>
+          <a:p>
+            <a:r>
+              <a:rPr lang="en-US" dirty="0" err="1"/>
+              <a:t>Wirles</a:t>
+            </a:r>
+            <a:r>
+              <a:rPr lang="en-US" dirty="0"/>
+              <a:t> communication  </a:t>
+            </a:r>
+          </a:p>
+          <a:p>
+            <a:r>
+              <a:rPr lang="en-US" dirty="0"/>
+              <a:t>Gets </a:t>
+            </a:r>
+            <a:r>
+              <a:rPr lang="en-US" dirty="0" err="1"/>
+              <a:t>transformd</a:t>
+            </a:r>
+            <a:r>
+              <a:rPr lang="en-US" dirty="0"/>
+              <a:t> into </a:t>
+            </a:r>
+          </a:p>
+          <a:p>
+            <a:pPr marL="0" indent="0">
+              <a:buNone/>
+            </a:pPr>
+            <a:r>
+              <a:rPr lang="en-US" dirty="0" err="1"/>
+              <a:t>Pwm</a:t>
+            </a:r>
+            <a:r>
+              <a:rPr lang="en-US" dirty="0"/>
+              <a:t> signal </a:t>
+            </a:r>
+          </a:p>
+          <a:p>
+            <a:pPr marL="0" indent="0">
+              <a:buNone/>
+            </a:pPr>
+            <a:endParaRPr lang="en-US" dirty="0"/>
           </a:p>
         </p:txBody>
       </p:sp>
@@ -4659,6 +6919,36 @@
           </a:p>
         </p:txBody>
       </p:sp>
+      <p:pic>
+        <p:nvPicPr>
+          <p:cNvPr id="6" name="Afbeelding 5"/>
+          <p:cNvPicPr>
+            <a:picLocks noChangeAspect="1"/>
+          </p:cNvPicPr>
+          <p:nvPr/>
+        </p:nvPicPr>
+        <p:blipFill>
+          <a:blip r:embed="rId3">
+            <a:extLst>
+              <a:ext uri="{28A0092B-C50C-407E-A947-70E740481C1C}">
+                <a14:useLocalDpi xmlns:a14="http://schemas.microsoft.com/office/drawing/2010/main" val="0"/>
+              </a:ext>
+            </a:extLst>
+          </a:blip>
+          <a:stretch>
+            <a:fillRect/>
+          </a:stretch>
+        </p:blipFill>
+        <p:spPr>
+          <a:xfrm>
+            <a:off x="4585677" y="2590800"/>
+            <a:ext cx="3947420" cy="2895600"/>
+          </a:xfrm>
+          <a:prstGeom prst="rect">
+            <a:avLst/>
+          </a:prstGeom>
+        </p:spPr>
+      </p:pic>
     </p:spTree>
     <p:extLst>
       <p:ext uri="{BB962C8B-B14F-4D97-AF65-F5344CB8AC3E}">
@@ -4700,7 +6990,7 @@
           </p:nvPr>
         </p:nvPicPr>
         <p:blipFill>
-          <a:blip r:embed="rId2">
+          <a:blip r:embed="rId3">
             <a:extLst>
               <a:ext uri="{28A0092B-C50C-407E-A947-70E740481C1C}">
                 <a14:useLocalDpi xmlns:a14="http://schemas.microsoft.com/office/drawing/2010/main" val="0"/>
@@ -4713,8 +7003,8 @@
         </p:blipFill>
         <p:spPr>
           <a:xfrm>
-            <a:off x="18142" y="0"/>
-            <a:ext cx="9125858" cy="5520204"/>
+            <a:off x="18142" y="1142984"/>
+            <a:ext cx="9125858" cy="4377220"/>
           </a:xfrm>
         </p:spPr>
       </p:pic>
@@ -4733,7 +7023,19 @@
           <a:bodyPr/>
           <a:lstStyle/>
           <a:p>
-            <a:endParaRPr lang="en-US"/>
+            <a:r>
+              <a:rPr lang="en-US" dirty="0" err="1"/>
+              <a:t>Rc</a:t>
+            </a:r>
+            <a:r>
+              <a:rPr lang="en-US" dirty="0"/>
+              <a:t> </a:t>
+            </a:r>
+            <a:r>
+              <a:rPr lang="en-US" dirty="0" err="1"/>
+              <a:t>reciever</a:t>
+            </a:r>
+            <a:endParaRPr lang="en-US" dirty="0"/>
           </a:p>
         </p:txBody>
       </p:sp>
@@ -4812,25 +7114,6 @@
       </p:grpSpPr>
       <p:sp>
         <p:nvSpPr>
-          <p:cNvPr id="2" name="Tijdelijke aanduiding voor inhoud 1"/>
-          <p:cNvSpPr>
-            <a:spLocks noGrp="1"/>
-          </p:cNvSpPr>
-          <p:nvPr>
-            <p:ph idx="1"/>
-          </p:nvPr>
-        </p:nvSpPr>
-        <p:spPr/>
-        <p:txBody>
-          <a:bodyPr/>
-          <a:lstStyle/>
-          <a:p>
-            <a:endParaRPr lang="en-US"/>
-          </a:p>
-        </p:txBody>
-      </p:sp>
-      <p:sp>
-        <p:nvSpPr>
           <p:cNvPr id="3" name="Titel 2"/>
           <p:cNvSpPr>
             <a:spLocks noGrp="1"/>
@@ -4891,6 +7174,130 @@
           <a:lstStyle/>
           <a:p>
             <a:endParaRPr lang="nl-BE" dirty="0"/>
+          </a:p>
+        </p:txBody>
+      </p:sp>
+      <p:sp>
+        <p:nvSpPr>
+          <p:cNvPr id="7" name="Tijdelijke aanduiding voor inhoud 6"/>
+          <p:cNvSpPr>
+            <a:spLocks noGrp="1"/>
+          </p:cNvSpPr>
+          <p:nvPr>
+            <p:ph idx="1"/>
+          </p:nvPr>
+        </p:nvSpPr>
+        <p:spPr/>
+        <p:txBody>
+          <a:bodyPr/>
+          <a:lstStyle/>
+          <a:p>
+            <a:r>
+              <a:rPr lang="en-US" dirty="0"/>
+              <a:t>Measurement using sound  </a:t>
+            </a:r>
+          </a:p>
+          <a:p>
+            <a:r>
+              <a:rPr lang="en-US" dirty="0"/>
+              <a:t>4 pins</a:t>
+            </a:r>
+          </a:p>
+          <a:p>
+            <a:pPr lvl="1"/>
+            <a:r>
+              <a:rPr lang="en-US" dirty="0" err="1"/>
+              <a:t>Gnd</a:t>
+            </a:r>
+            <a:r>
+              <a:rPr lang="en-US" dirty="0"/>
+              <a:t>, </a:t>
+            </a:r>
+            <a:r>
+              <a:rPr lang="en-US" dirty="0" err="1"/>
+              <a:t>vcc</a:t>
+            </a:r>
+            <a:r>
+              <a:rPr lang="en-US" dirty="0"/>
+              <a:t> </a:t>
+            </a:r>
+            <a:r>
+              <a:rPr lang="en-US" dirty="0" err="1"/>
+              <a:t>triger</a:t>
+            </a:r>
+            <a:r>
+              <a:rPr lang="en-US" dirty="0"/>
+              <a:t> input and echo output </a:t>
+            </a:r>
+          </a:p>
+          <a:p>
+            <a:r>
+              <a:rPr lang="en-US" dirty="0"/>
+              <a:t>Echo </a:t>
+            </a:r>
+            <a:r>
+              <a:rPr lang="en-US" dirty="0" err="1"/>
+              <a:t>puls</a:t>
+            </a:r>
+            <a:r>
+              <a:rPr lang="en-US" dirty="0"/>
+              <a:t> with proportional to distance </a:t>
+            </a:r>
+          </a:p>
+          <a:p>
+            <a:pPr lvl="1"/>
+            <a:r>
+              <a:rPr lang="en-US" dirty="0"/>
+              <a:t>distance = high level time * velocity (340M/S) / 2</a:t>
+            </a:r>
+          </a:p>
+          <a:p>
+            <a:pPr lvl="2"/>
+            <a:r>
+              <a:rPr lang="en-US" dirty="0"/>
+              <a:t>High level= duration of </a:t>
+            </a:r>
+            <a:r>
+              <a:rPr lang="en-US" dirty="0" err="1"/>
+              <a:t>puls</a:t>
+            </a:r>
+            <a:r>
+              <a:rPr lang="en-US" dirty="0"/>
+              <a:t> with(</a:t>
+            </a:r>
+            <a:r>
+              <a:rPr lang="en-US" dirty="0" err="1"/>
+              <a:t>milli</a:t>
+            </a:r>
+            <a:r>
+              <a:rPr lang="en-US" dirty="0"/>
+              <a:t> or micro seconds)</a:t>
+            </a:r>
+          </a:p>
+          <a:p>
+            <a:pPr lvl="2"/>
+            <a:r>
+              <a:rPr lang="en-US" dirty="0"/>
+              <a:t>velocity  = 340M/S</a:t>
+            </a:r>
+          </a:p>
+          <a:p>
+            <a:pPr marL="723900" lvl="2" indent="0">
+              <a:buNone/>
+            </a:pPr>
+            <a:endParaRPr lang="en-US" dirty="0"/>
+          </a:p>
+          <a:p>
+            <a:endParaRPr lang="en-US" dirty="0"/>
+          </a:p>
+          <a:p>
+            <a:endParaRPr lang="en-US" dirty="0"/>
+          </a:p>
+          <a:p>
+            <a:pPr marL="0" indent="0">
+              <a:buNone/>
+            </a:pPr>
+            <a:endParaRPr lang="en-US" dirty="0"/>
           </a:p>
         </p:txBody>
       </p:sp>
@@ -5012,7 +7419,6 @@
               <a:rPr lang="en-US" dirty="0"/>
               <a:t>Secondary micro controller </a:t>
             </a:r>
-            <a:endParaRPr lang="en-US" dirty="0"/>
           </a:p>
         </p:txBody>
       </p:sp>
@@ -5100,35 +7506,34 @@
           <a:chExt cx="0" cy="0"/>
         </a:xfrm>
       </p:grpSpPr>
-      <p:pic>
-        <p:nvPicPr>
-          <p:cNvPr id="6" name="Tijdelijke aanduiding voor inhoud 5"/>
-          <p:cNvPicPr>
-            <a:picLocks noGrp="1" noChangeAspect="1"/>
-          </p:cNvPicPr>
+      <p:sp>
+        <p:nvSpPr>
+          <p:cNvPr id="2" name="Tijdelijke aanduiding voor inhoud 1"/>
+          <p:cNvSpPr>
+            <a:spLocks noGrp="1"/>
+          </p:cNvSpPr>
           <p:nvPr>
             <p:ph idx="1"/>
           </p:nvPr>
-        </p:nvPicPr>
-        <p:blipFill>
-          <a:blip r:embed="rId2">
-            <a:extLst>
-              <a:ext uri="{28A0092B-C50C-407E-A947-70E740481C1C}">
-                <a14:useLocalDpi xmlns:a14="http://schemas.microsoft.com/office/drawing/2010/main" val="0"/>
-              </a:ext>
-            </a:extLst>
-          </a:blip>
-          <a:stretch>
-            <a:fillRect/>
-          </a:stretch>
-        </p:blipFill>
-        <p:spPr>
-          <a:xfrm>
-            <a:off x="29028" y="0"/>
-            <a:ext cx="8962572" cy="5391294"/>
-          </a:xfrm>
-        </p:spPr>
-      </p:pic>
+        </p:nvSpPr>
+        <p:spPr/>
+        <p:txBody>
+          <a:bodyPr/>
+          <a:lstStyle/>
+          <a:p>
+            <a:r>
+              <a:rPr lang="en-US" dirty="0"/>
+              <a:t>Ranging distance =cm to meters</a:t>
+            </a:r>
+          </a:p>
+          <a:p>
+            <a:r>
+              <a:rPr lang="en-US" dirty="0"/>
+              <a:t>Detection angle is 15 degrees </a:t>
+            </a:r>
+          </a:p>
+        </p:txBody>
+      </p:sp>
       <p:sp>
         <p:nvSpPr>
           <p:cNvPr id="3" name="Titel 2"/>
@@ -5144,7 +7549,11 @@
           <a:bodyPr/>
           <a:lstStyle/>
           <a:p>
-            <a:endParaRPr lang="en-US"/>
+            <a:r>
+              <a:rPr lang="en-US" dirty="0"/>
+              <a:t>Ultrasonic distance sensor </a:t>
+            </a:r>
+            <a:endParaRPr lang="en-US" dirty="0"/>
           </a:p>
         </p:txBody>
       </p:sp>
@@ -5194,7 +7603,7 @@
     </p:spTree>
     <p:extLst>
       <p:ext uri="{BB962C8B-B14F-4D97-AF65-F5344CB8AC3E}">
-        <p14:creationId xmlns:p14="http://schemas.microsoft.com/office/powerpoint/2010/main" val="2836571528"/>
+        <p14:creationId xmlns:p14="http://schemas.microsoft.com/office/powerpoint/2010/main" val="4270224175"/>
       </p:ext>
     </p:extLst>
   </p:cSld>
@@ -5221,52 +7630,35 @@
           <a:chExt cx="0" cy="0"/>
         </a:xfrm>
       </p:grpSpPr>
-      <p:sp>
-        <p:nvSpPr>
-          <p:cNvPr id="2" name="Tijdelijke aanduiding voor inhoud 1"/>
-          <p:cNvSpPr>
-            <a:spLocks noGrp="1"/>
-          </p:cNvSpPr>
+      <p:pic>
+        <p:nvPicPr>
+          <p:cNvPr id="6" name="Tijdelijke aanduiding voor inhoud 5"/>
+          <p:cNvPicPr>
+            <a:picLocks noGrp="1" noChangeAspect="1"/>
+          </p:cNvPicPr>
           <p:nvPr>
             <p:ph idx="1"/>
           </p:nvPr>
-        </p:nvSpPr>
-        <p:spPr/>
-        <p:txBody>
-          <a:bodyPr/>
-          <a:lstStyle/>
-          <a:p>
-            <a:r>
-              <a:rPr lang="en-US" dirty="0"/>
-              <a:t>Uses </a:t>
-            </a:r>
-            <a:r>
-              <a:rPr lang="en-US" dirty="0" err="1"/>
-              <a:t>ldo’s</a:t>
-            </a:r>
-            <a:endParaRPr lang="en-US" dirty="0"/>
-          </a:p>
-          <a:p>
-            <a:pPr lvl="1"/>
-            <a:r>
-              <a:rPr lang="en-US" dirty="0"/>
-              <a:t>Low dropout voltage </a:t>
-            </a:r>
-          </a:p>
-          <a:p>
-            <a:r>
-              <a:rPr lang="en-US" dirty="0"/>
-              <a:t>Used to generate 5V and 3.3V for control electronics</a:t>
-            </a:r>
-          </a:p>
-          <a:p>
-            <a:pPr marL="614363" lvl="2" indent="0">
-              <a:buNone/>
-            </a:pPr>
-            <a:endParaRPr lang="en-US" dirty="0"/>
-          </a:p>
-        </p:txBody>
-      </p:sp>
+        </p:nvPicPr>
+        <p:blipFill>
+          <a:blip r:embed="rId2">
+            <a:extLst>
+              <a:ext uri="{28A0092B-C50C-407E-A947-70E740481C1C}">
+                <a14:useLocalDpi xmlns:a14="http://schemas.microsoft.com/office/drawing/2010/main" val="0"/>
+              </a:ext>
+            </a:extLst>
+          </a:blip>
+          <a:stretch>
+            <a:fillRect/>
+          </a:stretch>
+        </p:blipFill>
+        <p:spPr>
+          <a:xfrm>
+            <a:off x="261998" y="1219200"/>
+            <a:ext cx="8617411" cy="4114800"/>
+          </a:xfrm>
+        </p:spPr>
+      </p:pic>
       <p:sp>
         <p:nvSpPr>
           <p:cNvPr id="3" name="Titel 2"/>
@@ -5284,7 +7676,7 @@
           <a:p>
             <a:r>
               <a:rPr lang="en-US" dirty="0"/>
-              <a:t>Power supply</a:t>
+              <a:t>Theoretical signals </a:t>
             </a:r>
           </a:p>
         </p:txBody>
@@ -5335,7 +7727,7 @@
     </p:spTree>
     <p:extLst>
       <p:ext uri="{BB962C8B-B14F-4D97-AF65-F5344CB8AC3E}">
-        <p14:creationId xmlns:p14="http://schemas.microsoft.com/office/powerpoint/2010/main" val="3103335307"/>
+        <p14:creationId xmlns:p14="http://schemas.microsoft.com/office/powerpoint/2010/main" val="3059939729"/>
       </p:ext>
     </p:extLst>
   </p:cSld>
@@ -5362,9 +7754,82 @@
           <a:chExt cx="0" cy="0"/>
         </a:xfrm>
       </p:grpSpPr>
+      <p:sp>
+        <p:nvSpPr>
+          <p:cNvPr id="3" name="Titel 2"/>
+          <p:cNvSpPr>
+            <a:spLocks noGrp="1"/>
+          </p:cNvSpPr>
+          <p:nvPr>
+            <p:ph type="title"/>
+          </p:nvPr>
+        </p:nvSpPr>
+        <p:spPr/>
+        <p:txBody>
+          <a:bodyPr/>
+          <a:lstStyle/>
+          <a:p>
+            <a:r>
+              <a:rPr lang="en-US" dirty="0"/>
+              <a:t>Trigger </a:t>
+            </a:r>
+            <a:r>
+              <a:rPr lang="en-US" dirty="0" err="1"/>
+              <a:t>puls</a:t>
+            </a:r>
+            <a:r>
+              <a:rPr lang="en-US" dirty="0"/>
+              <a:t> </a:t>
+            </a:r>
+          </a:p>
+        </p:txBody>
+      </p:sp>
+      <p:sp>
+        <p:nvSpPr>
+          <p:cNvPr id="4" name="Tijdelijke aanduiding voor dianummer 3"/>
+          <p:cNvSpPr>
+            <a:spLocks noGrp="1"/>
+          </p:cNvSpPr>
+          <p:nvPr>
+            <p:ph type="sldNum" sz="quarter" idx="11"/>
+          </p:nvPr>
+        </p:nvSpPr>
+        <p:spPr/>
+        <p:txBody>
+          <a:bodyPr/>
+          <a:lstStyle/>
+          <a:p>
+            <a:fld id="{3B80295F-48CD-49FC-897A-CCEC919B8070}" type="slidenum">
+              <a:rPr lang="nl-BE" smtClean="0"/>
+              <a:pPr/>
+              <a:t>22</a:t>
+            </a:fld>
+            <a:endParaRPr lang="nl-BE" dirty="0"/>
+          </a:p>
+        </p:txBody>
+      </p:sp>
+      <p:sp>
+        <p:nvSpPr>
+          <p:cNvPr id="5" name="Tijdelijke aanduiding voor voettekst 4"/>
+          <p:cNvSpPr>
+            <a:spLocks noGrp="1"/>
+          </p:cNvSpPr>
+          <p:nvPr>
+            <p:ph type="ftr" sz="quarter" idx="12"/>
+          </p:nvPr>
+        </p:nvSpPr>
+        <p:spPr/>
+        <p:txBody>
+          <a:bodyPr/>
+          <a:lstStyle/>
+          <a:p>
+            <a:endParaRPr lang="nl-BE" dirty="0"/>
+          </a:p>
+        </p:txBody>
+      </p:sp>
       <p:pic>
         <p:nvPicPr>
-          <p:cNvPr id="6" name="Tijdelijke aanduiding voor inhoud 5"/>
+          <p:cNvPr id="8" name="Tijdelijke aanduiding voor inhoud 7"/>
           <p:cNvPicPr>
             <a:picLocks noGrp="1" noChangeAspect="1"/>
           </p:cNvPicPr>
@@ -5386,77 +7851,15 @@
         </p:blipFill>
         <p:spPr>
           <a:xfrm>
-            <a:off x="152400" y="-1"/>
-            <a:ext cx="8991600" cy="5414211"/>
+            <a:off x="0" y="1148765"/>
+            <a:ext cx="9144000" cy="4427538"/>
           </a:xfrm>
         </p:spPr>
       </p:pic>
-      <p:sp>
-        <p:nvSpPr>
-          <p:cNvPr id="3" name="Titel 2"/>
-          <p:cNvSpPr>
-            <a:spLocks noGrp="1"/>
-          </p:cNvSpPr>
-          <p:nvPr>
-            <p:ph type="title"/>
-          </p:nvPr>
-        </p:nvSpPr>
-        <p:spPr/>
-        <p:txBody>
-          <a:bodyPr/>
-          <a:lstStyle/>
-          <a:p>
-            <a:endParaRPr lang="en-US"/>
-          </a:p>
-        </p:txBody>
-      </p:sp>
-      <p:sp>
-        <p:nvSpPr>
-          <p:cNvPr id="4" name="Tijdelijke aanduiding voor dianummer 3"/>
-          <p:cNvSpPr>
-            <a:spLocks noGrp="1"/>
-          </p:cNvSpPr>
-          <p:nvPr>
-            <p:ph type="sldNum" sz="quarter" idx="11"/>
-          </p:nvPr>
-        </p:nvSpPr>
-        <p:spPr/>
-        <p:txBody>
-          <a:bodyPr/>
-          <a:lstStyle/>
-          <a:p>
-            <a:fld id="{3B80295F-48CD-49FC-897A-CCEC919B8070}" type="slidenum">
-              <a:rPr lang="nl-BE" smtClean="0"/>
-              <a:pPr/>
-              <a:t>22</a:t>
-            </a:fld>
-            <a:endParaRPr lang="nl-BE" dirty="0"/>
-          </a:p>
-        </p:txBody>
-      </p:sp>
-      <p:sp>
-        <p:nvSpPr>
-          <p:cNvPr id="5" name="Tijdelijke aanduiding voor voettekst 4"/>
-          <p:cNvSpPr>
-            <a:spLocks noGrp="1"/>
-          </p:cNvSpPr>
-          <p:nvPr>
-            <p:ph type="ftr" sz="quarter" idx="12"/>
-          </p:nvPr>
-        </p:nvSpPr>
-        <p:spPr/>
-        <p:txBody>
-          <a:bodyPr/>
-          <a:lstStyle/>
-          <a:p>
-            <a:endParaRPr lang="nl-BE" dirty="0"/>
-          </a:p>
-        </p:txBody>
-      </p:sp>
     </p:spTree>
     <p:extLst>
       <p:ext uri="{BB962C8B-B14F-4D97-AF65-F5344CB8AC3E}">
-        <p14:creationId xmlns:p14="http://schemas.microsoft.com/office/powerpoint/2010/main" val="2902284817"/>
+        <p14:creationId xmlns:p14="http://schemas.microsoft.com/office/powerpoint/2010/main" val="2375548943"/>
       </p:ext>
     </p:extLst>
   </p:cSld>
@@ -5494,7 +7897,7 @@
           </p:nvPr>
         </p:nvPicPr>
         <p:blipFill>
-          <a:blip r:embed="rId2" cstate="print">
+          <a:blip r:embed="rId2">
             <a:extLst>
               <a:ext uri="{28A0092B-C50C-407E-A947-70E740481C1C}">
                 <a14:useLocalDpi xmlns:a14="http://schemas.microsoft.com/office/drawing/2010/main" val="0"/>
@@ -5507,8 +7910,8 @@
         </p:blipFill>
         <p:spPr>
           <a:xfrm>
-            <a:off x="0" y="0"/>
-            <a:ext cx="9144000" cy="5486400"/>
+            <a:off x="0" y="1146137"/>
+            <a:ext cx="9144000" cy="4427538"/>
           </a:xfrm>
         </p:spPr>
       </p:pic>
@@ -5527,7 +7930,18 @@
           <a:bodyPr/>
           <a:lstStyle/>
           <a:p>
-            <a:endParaRPr lang="en-US"/>
+            <a:r>
+              <a:rPr lang="en-US" dirty="0"/>
+              <a:t>Echo </a:t>
+            </a:r>
+            <a:r>
+              <a:rPr lang="en-US" dirty="0" err="1"/>
+              <a:t>puls</a:t>
+            </a:r>
+            <a:r>
+              <a:rPr lang="en-US" dirty="0"/>
+              <a:t> minimum distance </a:t>
+            </a:r>
           </a:p>
         </p:txBody>
       </p:sp>
@@ -5577,7 +7991,7 @@
     </p:spTree>
     <p:extLst>
       <p:ext uri="{BB962C8B-B14F-4D97-AF65-F5344CB8AC3E}">
-        <p14:creationId xmlns:p14="http://schemas.microsoft.com/office/powerpoint/2010/main" val="4017614077"/>
+        <p14:creationId xmlns:p14="http://schemas.microsoft.com/office/powerpoint/2010/main" val="24738932"/>
       </p:ext>
     </p:extLst>
   </p:cSld>
@@ -5604,25 +8018,35 @@
           <a:chExt cx="0" cy="0"/>
         </a:xfrm>
       </p:grpSpPr>
-      <p:sp>
-        <p:nvSpPr>
-          <p:cNvPr id="2" name="Tijdelijke aanduiding voor inhoud 1"/>
-          <p:cNvSpPr>
-            <a:spLocks noGrp="1"/>
-          </p:cNvSpPr>
+      <p:pic>
+        <p:nvPicPr>
+          <p:cNvPr id="6" name="Tijdelijke aanduiding voor inhoud 5"/>
+          <p:cNvPicPr>
+            <a:picLocks noGrp="1" noChangeAspect="1"/>
+          </p:cNvPicPr>
           <p:nvPr>
             <p:ph idx="1"/>
           </p:nvPr>
-        </p:nvSpPr>
-        <p:spPr/>
-        <p:txBody>
-          <a:bodyPr/>
-          <a:lstStyle/>
-          <a:p>
-            <a:endParaRPr lang="en-US"/>
-          </a:p>
-        </p:txBody>
-      </p:sp>
+        </p:nvPicPr>
+        <p:blipFill>
+          <a:blip r:embed="rId2">
+            <a:extLst>
+              <a:ext uri="{28A0092B-C50C-407E-A947-70E740481C1C}">
+                <a14:useLocalDpi xmlns:a14="http://schemas.microsoft.com/office/drawing/2010/main" val="0"/>
+              </a:ext>
+            </a:extLst>
+          </a:blip>
+          <a:stretch>
+            <a:fillRect/>
+          </a:stretch>
+        </p:blipFill>
+        <p:spPr>
+          <a:xfrm>
+            <a:off x="0" y="1142984"/>
+            <a:ext cx="9220200" cy="4427538"/>
+          </a:xfrm>
+        </p:spPr>
+      </p:pic>
       <p:sp>
         <p:nvSpPr>
           <p:cNvPr id="3" name="Titel 2"/>
@@ -5638,7 +8062,18 @@
           <a:bodyPr/>
           <a:lstStyle/>
           <a:p>
-            <a:endParaRPr lang="en-US"/>
+            <a:r>
+              <a:rPr lang="en-US" dirty="0"/>
+              <a:t>Echo </a:t>
+            </a:r>
+            <a:r>
+              <a:rPr lang="en-US" dirty="0" err="1"/>
+              <a:t>puls</a:t>
+            </a:r>
+            <a:r>
+              <a:rPr lang="en-US" dirty="0"/>
+              <a:t> max distance </a:t>
+            </a:r>
           </a:p>
         </p:txBody>
       </p:sp>
@@ -5688,7 +8123,7 @@
     </p:spTree>
     <p:extLst>
       <p:ext uri="{BB962C8B-B14F-4D97-AF65-F5344CB8AC3E}">
-        <p14:creationId xmlns:p14="http://schemas.microsoft.com/office/powerpoint/2010/main" val="1900265860"/>
+        <p14:creationId xmlns:p14="http://schemas.microsoft.com/office/powerpoint/2010/main" val="2129425811"/>
       </p:ext>
     </p:extLst>
   </p:cSld>
@@ -5726,7 +8161,7 @@
           </p:nvPr>
         </p:nvPicPr>
         <p:blipFill>
-          <a:blip r:embed="rId2" cstate="print">
+          <a:blip r:embed="rId3">
             <a:extLst>
               <a:ext uri="{28A0092B-C50C-407E-A947-70E740481C1C}">
                 <a14:useLocalDpi xmlns:a14="http://schemas.microsoft.com/office/drawing/2010/main" val="0"/>
@@ -5739,8 +8174,8 @@
         </p:blipFill>
         <p:spPr>
           <a:xfrm>
-            <a:off x="74596" y="-3629"/>
-            <a:ext cx="4713404" cy="3452030"/>
+            <a:off x="90714" y="1066800"/>
+            <a:ext cx="8962572" cy="4536320"/>
           </a:xfrm>
         </p:spPr>
       </p:pic>
@@ -5759,6 +8194,10 @@
           <a:bodyPr/>
           <a:lstStyle/>
           <a:p>
+            <a:r>
+              <a:rPr lang="en-US" dirty="0"/>
+              <a:t>Ultrasonic distance sensor </a:t>
+            </a:r>
             <a:endParaRPr lang="en-US" dirty="0"/>
           </a:p>
         </p:txBody>
@@ -5806,16 +8245,189 @@
           </a:p>
         </p:txBody>
       </p:sp>
+    </p:spTree>
+    <p:extLst>
+      <p:ext uri="{BB962C8B-B14F-4D97-AF65-F5344CB8AC3E}">
+        <p14:creationId xmlns:p14="http://schemas.microsoft.com/office/powerpoint/2010/main" val="2836571528"/>
+      </p:ext>
+    </p:extLst>
+  </p:cSld>
+  <p:clrMapOvr>
+    <a:masterClrMapping/>
+  </p:clrMapOvr>
+</p:sld>
+</file>
+
+<file path=ppt/slides/slide26.xml><?xml version="1.0" encoding="utf-8"?>
+<p:sld xmlns:a="http://schemas.openxmlformats.org/drawingml/2006/main" xmlns:r="http://schemas.openxmlformats.org/officeDocument/2006/relationships" xmlns:p="http://schemas.openxmlformats.org/presentationml/2006/main">
+  <p:cSld>
+    <p:spTree>
+      <p:nvGrpSpPr>
+        <p:cNvPr id="1" name=""/>
+        <p:cNvGrpSpPr/>
+        <p:nvPr/>
+      </p:nvGrpSpPr>
+      <p:grpSpPr>
+        <a:xfrm>
+          <a:off x="0" y="0"/>
+          <a:ext cx="0" cy="0"/>
+          <a:chOff x="0" y="0"/>
+          <a:chExt cx="0" cy="0"/>
+        </a:xfrm>
+      </p:grpSpPr>
+      <p:sp>
+        <p:nvSpPr>
+          <p:cNvPr id="2" name="Tijdelijke aanduiding voor inhoud 1"/>
+          <p:cNvSpPr>
+            <a:spLocks noGrp="1"/>
+          </p:cNvSpPr>
+          <p:nvPr>
+            <p:ph idx="1"/>
+          </p:nvPr>
+        </p:nvSpPr>
+        <p:spPr/>
+        <p:txBody>
+          <a:bodyPr/>
+          <a:lstStyle/>
+          <a:p>
+            <a:r>
+              <a:rPr lang="en-US" dirty="0"/>
+              <a:t>Uses </a:t>
+            </a:r>
+            <a:r>
+              <a:rPr lang="en-US" dirty="0" err="1"/>
+              <a:t>ldo’s</a:t>
+            </a:r>
+            <a:endParaRPr lang="en-US" dirty="0"/>
+          </a:p>
+          <a:p>
+            <a:pPr lvl="1"/>
+            <a:r>
+              <a:rPr lang="en-US" dirty="0"/>
+              <a:t>Low dropout voltage </a:t>
+            </a:r>
+          </a:p>
+          <a:p>
+            <a:r>
+              <a:rPr lang="en-US" dirty="0"/>
+              <a:t>Used to generate 5V and 3.3V for control electronics</a:t>
+            </a:r>
+          </a:p>
+          <a:p>
+            <a:pPr marL="0" indent="0">
+              <a:buNone/>
+            </a:pPr>
+            <a:endParaRPr lang="en-US" dirty="0"/>
+          </a:p>
+        </p:txBody>
+      </p:sp>
+      <p:sp>
+        <p:nvSpPr>
+          <p:cNvPr id="3" name="Titel 2"/>
+          <p:cNvSpPr>
+            <a:spLocks noGrp="1"/>
+          </p:cNvSpPr>
+          <p:nvPr>
+            <p:ph type="title"/>
+          </p:nvPr>
+        </p:nvSpPr>
+        <p:spPr/>
+        <p:txBody>
+          <a:bodyPr/>
+          <a:lstStyle/>
+          <a:p>
+            <a:r>
+              <a:rPr lang="en-US" dirty="0"/>
+              <a:t>Power supply</a:t>
+            </a:r>
+          </a:p>
+        </p:txBody>
+      </p:sp>
+      <p:sp>
+        <p:nvSpPr>
+          <p:cNvPr id="4" name="Tijdelijke aanduiding voor dianummer 3"/>
+          <p:cNvSpPr>
+            <a:spLocks noGrp="1"/>
+          </p:cNvSpPr>
+          <p:nvPr>
+            <p:ph type="sldNum" sz="quarter" idx="11"/>
+          </p:nvPr>
+        </p:nvSpPr>
+        <p:spPr/>
+        <p:txBody>
+          <a:bodyPr/>
+          <a:lstStyle/>
+          <a:p>
+            <a:fld id="{3B80295F-48CD-49FC-897A-CCEC919B8070}" type="slidenum">
+              <a:rPr lang="nl-BE" smtClean="0"/>
+              <a:pPr/>
+              <a:t>26</a:t>
+            </a:fld>
+            <a:endParaRPr lang="nl-BE" dirty="0"/>
+          </a:p>
+        </p:txBody>
+      </p:sp>
+      <p:sp>
+        <p:nvSpPr>
+          <p:cNvPr id="5" name="Tijdelijke aanduiding voor voettekst 4"/>
+          <p:cNvSpPr>
+            <a:spLocks noGrp="1"/>
+          </p:cNvSpPr>
+          <p:nvPr>
+            <p:ph type="ftr" sz="quarter" idx="12"/>
+          </p:nvPr>
+        </p:nvSpPr>
+        <p:spPr/>
+        <p:txBody>
+          <a:bodyPr/>
+          <a:lstStyle/>
+          <a:p>
+            <a:endParaRPr lang="nl-BE" dirty="0"/>
+          </a:p>
+        </p:txBody>
+      </p:sp>
+    </p:spTree>
+    <p:extLst>
+      <p:ext uri="{BB962C8B-B14F-4D97-AF65-F5344CB8AC3E}">
+        <p14:creationId xmlns:p14="http://schemas.microsoft.com/office/powerpoint/2010/main" val="3103335307"/>
+      </p:ext>
+    </p:extLst>
+  </p:cSld>
+  <p:clrMapOvr>
+    <a:masterClrMapping/>
+  </p:clrMapOvr>
+</p:sld>
+</file>
+
+<file path=ppt/slides/slide27.xml><?xml version="1.0" encoding="utf-8"?>
+<p:sld xmlns:a="http://schemas.openxmlformats.org/drawingml/2006/main" xmlns:r="http://schemas.openxmlformats.org/officeDocument/2006/relationships" xmlns:p="http://schemas.openxmlformats.org/presentationml/2006/main">
+  <p:cSld>
+    <p:spTree>
+      <p:nvGrpSpPr>
+        <p:cNvPr id="1" name=""/>
+        <p:cNvGrpSpPr/>
+        <p:nvPr/>
+      </p:nvGrpSpPr>
+      <p:grpSpPr>
+        <a:xfrm>
+          <a:off x="0" y="0"/>
+          <a:ext cx="0" cy="0"/>
+          <a:chOff x="0" y="0"/>
+          <a:chExt cx="0" cy="0"/>
+        </a:xfrm>
+      </p:grpSpPr>
       <p:pic>
         <p:nvPicPr>
-          <p:cNvPr id="7" name="Afbeelding 6"/>
+          <p:cNvPr id="6" name="Tijdelijke aanduiding voor inhoud 5"/>
           <p:cNvPicPr>
-            <a:picLocks noChangeAspect="1"/>
+            <a:picLocks noGrp="1" noChangeAspect="1"/>
           </p:cNvPicPr>
-          <p:nvPr/>
+          <p:nvPr>
+            <p:ph idx="1"/>
+          </p:nvPr>
         </p:nvPicPr>
         <p:blipFill>
-          <a:blip r:embed="rId3" cstate="print">
+          <a:blip r:embed="rId3">
             <a:extLst>
               <a:ext uri="{28A0092B-C50C-407E-A947-70E740481C1C}">
                 <a14:useLocalDpi xmlns:a14="http://schemas.microsoft.com/office/drawing/2010/main" val="0"/>
@@ -5828,18 +8440,366 @@
         </p:blipFill>
         <p:spPr>
           <a:xfrm>
-            <a:off x="4788000" y="95600"/>
-            <a:ext cx="4246880" cy="3104800"/>
+            <a:off x="152400" y="1219200"/>
+            <a:ext cx="8991600" cy="4423611"/>
           </a:xfrm>
-          <a:prstGeom prst="rect">
-            <a:avLst/>
-          </a:prstGeom>
+        </p:spPr>
+      </p:pic>
+      <p:sp>
+        <p:nvSpPr>
+          <p:cNvPr id="3" name="Titel 2"/>
+          <p:cNvSpPr>
+            <a:spLocks noGrp="1"/>
+          </p:cNvSpPr>
+          <p:nvPr>
+            <p:ph type="title"/>
+          </p:nvPr>
+        </p:nvSpPr>
+        <p:spPr/>
+        <p:txBody>
+          <a:bodyPr/>
+          <a:lstStyle/>
+          <a:p>
+            <a:r>
+              <a:rPr lang="en-US" dirty="0"/>
+              <a:t>Power supply</a:t>
+            </a:r>
+            <a:endParaRPr lang="en-US" dirty="0"/>
+          </a:p>
+        </p:txBody>
+      </p:sp>
+      <p:sp>
+        <p:nvSpPr>
+          <p:cNvPr id="4" name="Tijdelijke aanduiding voor dianummer 3"/>
+          <p:cNvSpPr>
+            <a:spLocks noGrp="1"/>
+          </p:cNvSpPr>
+          <p:nvPr>
+            <p:ph type="sldNum" sz="quarter" idx="11"/>
+          </p:nvPr>
+        </p:nvSpPr>
+        <p:spPr/>
+        <p:txBody>
+          <a:bodyPr/>
+          <a:lstStyle/>
+          <a:p>
+            <a:fld id="{3B80295F-48CD-49FC-897A-CCEC919B8070}" type="slidenum">
+              <a:rPr lang="nl-BE" smtClean="0"/>
+              <a:pPr/>
+              <a:t>27</a:t>
+            </a:fld>
+            <a:endParaRPr lang="nl-BE" dirty="0"/>
+          </a:p>
+        </p:txBody>
+      </p:sp>
+      <p:sp>
+        <p:nvSpPr>
+          <p:cNvPr id="5" name="Tijdelijke aanduiding voor voettekst 4"/>
+          <p:cNvSpPr>
+            <a:spLocks noGrp="1"/>
+          </p:cNvSpPr>
+          <p:nvPr>
+            <p:ph type="ftr" sz="quarter" idx="12"/>
+          </p:nvPr>
+        </p:nvSpPr>
+        <p:spPr/>
+        <p:txBody>
+          <a:bodyPr/>
+          <a:lstStyle/>
+          <a:p>
+            <a:endParaRPr lang="nl-BE" dirty="0"/>
+          </a:p>
+        </p:txBody>
+      </p:sp>
+    </p:spTree>
+    <p:extLst>
+      <p:ext uri="{BB962C8B-B14F-4D97-AF65-F5344CB8AC3E}">
+        <p14:creationId xmlns:p14="http://schemas.microsoft.com/office/powerpoint/2010/main" val="2902284817"/>
+      </p:ext>
+    </p:extLst>
+  </p:cSld>
+  <p:clrMapOvr>
+    <a:masterClrMapping/>
+  </p:clrMapOvr>
+</p:sld>
+</file>
+
+<file path=ppt/slides/slide28.xml><?xml version="1.0" encoding="utf-8"?>
+<p:sld xmlns:a="http://schemas.openxmlformats.org/drawingml/2006/main" xmlns:r="http://schemas.openxmlformats.org/officeDocument/2006/relationships" xmlns:p="http://schemas.openxmlformats.org/presentationml/2006/main">
+  <p:cSld>
+    <p:spTree>
+      <p:nvGrpSpPr>
+        <p:cNvPr id="1" name=""/>
+        <p:cNvGrpSpPr/>
+        <p:nvPr/>
+      </p:nvGrpSpPr>
+      <p:grpSpPr>
+        <a:xfrm>
+          <a:off x="0" y="0"/>
+          <a:ext cx="0" cy="0"/>
+          <a:chOff x="0" y="0"/>
+          <a:chExt cx="0" cy="0"/>
+        </a:xfrm>
+      </p:grpSpPr>
+      <p:sp>
+        <p:nvSpPr>
+          <p:cNvPr id="3" name="Titel 2"/>
+          <p:cNvSpPr>
+            <a:spLocks noGrp="1"/>
+          </p:cNvSpPr>
+          <p:nvPr>
+            <p:ph type="title"/>
+          </p:nvPr>
+        </p:nvSpPr>
+        <p:spPr/>
+        <p:txBody>
+          <a:bodyPr/>
+          <a:lstStyle/>
+          <a:p>
+            <a:r>
+              <a:rPr lang="en-US" dirty="0"/>
+              <a:t>Power supply</a:t>
+            </a:r>
+            <a:endParaRPr lang="en-US" dirty="0"/>
+          </a:p>
+        </p:txBody>
+      </p:sp>
+      <p:sp>
+        <p:nvSpPr>
+          <p:cNvPr id="4" name="Tijdelijke aanduiding voor dianummer 3"/>
+          <p:cNvSpPr>
+            <a:spLocks noGrp="1"/>
+          </p:cNvSpPr>
+          <p:nvPr>
+            <p:ph type="sldNum" sz="quarter" idx="11"/>
+          </p:nvPr>
+        </p:nvSpPr>
+        <p:spPr/>
+        <p:txBody>
+          <a:bodyPr/>
+          <a:lstStyle/>
+          <a:p>
+            <a:fld id="{3B80295F-48CD-49FC-897A-CCEC919B8070}" type="slidenum">
+              <a:rPr lang="nl-BE" smtClean="0"/>
+              <a:pPr/>
+              <a:t>28</a:t>
+            </a:fld>
+            <a:endParaRPr lang="nl-BE" dirty="0"/>
+          </a:p>
+        </p:txBody>
+      </p:sp>
+      <p:sp>
+        <p:nvSpPr>
+          <p:cNvPr id="5" name="Tijdelijke aanduiding voor voettekst 4"/>
+          <p:cNvSpPr>
+            <a:spLocks noGrp="1"/>
+          </p:cNvSpPr>
+          <p:nvPr>
+            <p:ph type="ftr" sz="quarter" idx="12"/>
+          </p:nvPr>
+        </p:nvSpPr>
+        <p:spPr/>
+        <p:txBody>
+          <a:bodyPr/>
+          <a:lstStyle/>
+          <a:p>
+            <a:endParaRPr lang="nl-BE" dirty="0"/>
+          </a:p>
+        </p:txBody>
+      </p:sp>
+      <p:pic>
+        <p:nvPicPr>
+          <p:cNvPr id="6" name="Tijdelijke aanduiding voor inhoud 5"/>
+          <p:cNvPicPr>
+            <a:picLocks noGrp="1" noChangeAspect="1"/>
+          </p:cNvPicPr>
+          <p:nvPr>
+            <p:ph idx="1"/>
+          </p:nvPr>
+        </p:nvPicPr>
+        <p:blipFill>
+          <a:blip r:embed="rId3">
+            <a:extLst>
+              <a:ext uri="{28A0092B-C50C-407E-A947-70E740481C1C}">
+                <a14:useLocalDpi xmlns:a14="http://schemas.microsoft.com/office/drawing/2010/main" val="0"/>
+              </a:ext>
+            </a:extLst>
+          </a:blip>
+          <a:stretch>
+            <a:fillRect/>
+          </a:stretch>
+        </p:blipFill>
+        <p:spPr>
+          <a:xfrm>
+            <a:off x="76200" y="1155596"/>
+            <a:ext cx="8991600" cy="4427538"/>
+          </a:xfrm>
         </p:spPr>
       </p:pic>
     </p:spTree>
     <p:extLst>
       <p:ext uri="{BB962C8B-B14F-4D97-AF65-F5344CB8AC3E}">
-        <p14:creationId xmlns:p14="http://schemas.microsoft.com/office/powerpoint/2010/main" val="3382582955"/>
+        <p14:creationId xmlns:p14="http://schemas.microsoft.com/office/powerpoint/2010/main" val="4017614077"/>
+      </p:ext>
+    </p:extLst>
+  </p:cSld>
+  <p:clrMapOvr>
+    <a:masterClrMapping/>
+  </p:clrMapOvr>
+</p:sld>
+</file>
+
+<file path=ppt/slides/slide29.xml><?xml version="1.0" encoding="utf-8"?>
+<p:sld xmlns:a="http://schemas.openxmlformats.org/drawingml/2006/main" xmlns:r="http://schemas.openxmlformats.org/officeDocument/2006/relationships" xmlns:p="http://schemas.openxmlformats.org/presentationml/2006/main">
+  <p:cSld>
+    <p:spTree>
+      <p:nvGrpSpPr>
+        <p:cNvPr id="1" name=""/>
+        <p:cNvGrpSpPr/>
+        <p:nvPr/>
+      </p:nvGrpSpPr>
+      <p:grpSpPr>
+        <a:xfrm>
+          <a:off x="0" y="0"/>
+          <a:ext cx="0" cy="0"/>
+          <a:chOff x="0" y="0"/>
+          <a:chExt cx="0" cy="0"/>
+        </a:xfrm>
+      </p:grpSpPr>
+      <p:sp>
+        <p:nvSpPr>
+          <p:cNvPr id="2" name="Tijdelijke aanduiding voor inhoud 1"/>
+          <p:cNvSpPr>
+            <a:spLocks noGrp="1"/>
+          </p:cNvSpPr>
+          <p:nvPr>
+            <p:ph idx="1"/>
+          </p:nvPr>
+        </p:nvSpPr>
+        <p:spPr/>
+        <p:txBody>
+          <a:bodyPr/>
+          <a:lstStyle/>
+          <a:p>
+            <a:r>
+              <a:rPr lang="en-US" dirty="0"/>
+              <a:t>Circuit design </a:t>
+            </a:r>
+          </a:p>
+          <a:p>
+            <a:r>
+              <a:rPr lang="en-US" dirty="0"/>
+              <a:t>To think first then design </a:t>
+            </a:r>
+          </a:p>
+          <a:p>
+            <a:pPr lvl="1"/>
+            <a:r>
+              <a:rPr lang="en-US" dirty="0"/>
+              <a:t>First reading the datasheet </a:t>
+            </a:r>
+          </a:p>
+          <a:p>
+            <a:pPr lvl="1"/>
+            <a:r>
+              <a:rPr lang="en-US" dirty="0"/>
+              <a:t>Then draw footprints etc.</a:t>
+            </a:r>
+          </a:p>
+          <a:p>
+            <a:r>
+              <a:rPr lang="en-US" dirty="0"/>
+              <a:t>High current design</a:t>
+            </a:r>
+          </a:p>
+          <a:p>
+            <a:r>
+              <a:rPr lang="en-US" dirty="0"/>
+              <a:t>Using </a:t>
+            </a:r>
+            <a:r>
+              <a:rPr lang="en-US" dirty="0" err="1"/>
+              <a:t>Altium</a:t>
+            </a:r>
+            <a:r>
+              <a:rPr lang="en-US" dirty="0"/>
+              <a:t> </a:t>
+            </a:r>
+          </a:p>
+          <a:p>
+            <a:endParaRPr lang="en-US" dirty="0"/>
+          </a:p>
+        </p:txBody>
+      </p:sp>
+      <p:sp>
+        <p:nvSpPr>
+          <p:cNvPr id="3" name="Titel 2"/>
+          <p:cNvSpPr>
+            <a:spLocks noGrp="1"/>
+          </p:cNvSpPr>
+          <p:nvPr>
+            <p:ph type="title"/>
+          </p:nvPr>
+        </p:nvSpPr>
+        <p:spPr/>
+        <p:txBody>
+          <a:bodyPr/>
+          <a:lstStyle/>
+          <a:p>
+            <a:r>
+              <a:rPr lang="en-US" dirty="0"/>
+              <a:t>What did I learn ?</a:t>
+            </a:r>
+          </a:p>
+        </p:txBody>
+      </p:sp>
+      <p:sp>
+        <p:nvSpPr>
+          <p:cNvPr id="4" name="Tijdelijke aanduiding voor dianummer 3"/>
+          <p:cNvSpPr>
+            <a:spLocks noGrp="1"/>
+          </p:cNvSpPr>
+          <p:nvPr>
+            <p:ph type="sldNum" sz="quarter" idx="11"/>
+          </p:nvPr>
+        </p:nvSpPr>
+        <p:spPr/>
+        <p:txBody>
+          <a:bodyPr/>
+          <a:lstStyle/>
+          <a:p>
+            <a:fld id="{3B80295F-48CD-49FC-897A-CCEC919B8070}" type="slidenum">
+              <a:rPr lang="nl-BE" smtClean="0"/>
+              <a:pPr/>
+              <a:t>29</a:t>
+            </a:fld>
+            <a:endParaRPr lang="nl-BE" dirty="0"/>
+          </a:p>
+        </p:txBody>
+      </p:sp>
+      <p:sp>
+        <p:nvSpPr>
+          <p:cNvPr id="5" name="Tijdelijke aanduiding voor voettekst 4"/>
+          <p:cNvSpPr>
+            <a:spLocks noGrp="1"/>
+          </p:cNvSpPr>
+          <p:nvPr>
+            <p:ph type="ftr" sz="quarter" idx="12"/>
+          </p:nvPr>
+        </p:nvSpPr>
+        <p:spPr/>
+        <p:txBody>
+          <a:bodyPr/>
+          <a:lstStyle/>
+          <a:p>
+            <a:endParaRPr lang="nl-BE" dirty="0"/>
+          </a:p>
+        </p:txBody>
+      </p:sp>
+    </p:spTree>
+    <p:extLst>
+      <p:ext uri="{BB962C8B-B14F-4D97-AF65-F5344CB8AC3E}">
+        <p14:creationId xmlns:p14="http://schemas.microsoft.com/office/powerpoint/2010/main" val="1900265860"/>
       </p:ext>
     </p:extLst>
   </p:cSld>
@@ -5900,7 +8860,11 @@
           <a:bodyPr/>
           <a:lstStyle/>
           <a:p>
-            <a:endParaRPr lang="en-US"/>
+            <a:r>
+              <a:rPr lang="en-US" dirty="0"/>
+              <a:t>Secondary micro controller </a:t>
+            </a:r>
+            <a:endParaRPr lang="en-US" dirty="0"/>
           </a:p>
         </p:txBody>
       </p:sp>
@@ -5956,7 +8920,7 @@
           <p:nvPr/>
         </p:nvPicPr>
         <p:blipFill>
-          <a:blip r:embed="rId2">
+          <a:blip r:embed="rId3">
             <a:extLst>
               <a:ext uri="{28A0092B-C50C-407E-A947-70E740481C1C}">
                 <a14:useLocalDpi xmlns:a14="http://schemas.microsoft.com/office/drawing/2010/main" val="0"/>
@@ -5969,8 +8933,8 @@
         </p:blipFill>
         <p:spPr>
           <a:xfrm>
-            <a:off x="0" y="1"/>
-            <a:ext cx="9144000" cy="5579999"/>
+            <a:off x="0" y="1152001"/>
+            <a:ext cx="9144000" cy="4437016"/>
           </a:xfrm>
           <a:prstGeom prst="rect">
             <a:avLst/>
@@ -5981,6 +8945,190 @@
     <p:extLst>
       <p:ext uri="{BB962C8B-B14F-4D97-AF65-F5344CB8AC3E}">
         <p14:creationId xmlns:p14="http://schemas.microsoft.com/office/powerpoint/2010/main" val="1151912563"/>
+      </p:ext>
+    </p:extLst>
+  </p:cSld>
+  <p:clrMapOvr>
+    <a:masterClrMapping/>
+  </p:clrMapOvr>
+</p:sld>
+</file>
+
+<file path=ppt/slides/slide30.xml><?xml version="1.0" encoding="utf-8"?>
+<p:sld xmlns:a="http://schemas.openxmlformats.org/drawingml/2006/main" xmlns:r="http://schemas.openxmlformats.org/officeDocument/2006/relationships" xmlns:p="http://schemas.openxmlformats.org/presentationml/2006/main">
+  <p:cSld>
+    <p:spTree>
+      <p:nvGrpSpPr>
+        <p:cNvPr id="1" name=""/>
+        <p:cNvGrpSpPr/>
+        <p:nvPr/>
+      </p:nvGrpSpPr>
+      <p:grpSpPr>
+        <a:xfrm>
+          <a:off x="0" y="0"/>
+          <a:ext cx="0" cy="0"/>
+          <a:chOff x="0" y="0"/>
+          <a:chExt cx="0" cy="0"/>
+        </a:xfrm>
+      </p:grpSpPr>
+      <p:sp>
+        <p:nvSpPr>
+          <p:cNvPr id="3" name="Titel 2"/>
+          <p:cNvSpPr>
+            <a:spLocks noGrp="1"/>
+          </p:cNvSpPr>
+          <p:nvPr>
+            <p:ph type="title"/>
+          </p:nvPr>
+        </p:nvSpPr>
+        <p:spPr/>
+        <p:txBody>
+          <a:bodyPr/>
+          <a:lstStyle/>
+          <a:p>
+            <a:r>
+              <a:rPr lang="en-US" dirty="0"/>
+              <a:t>Questions?</a:t>
+            </a:r>
+          </a:p>
+        </p:txBody>
+      </p:sp>
+      <p:sp>
+        <p:nvSpPr>
+          <p:cNvPr id="4" name="Tijdelijke aanduiding voor dianummer 3"/>
+          <p:cNvSpPr>
+            <a:spLocks noGrp="1"/>
+          </p:cNvSpPr>
+          <p:nvPr>
+            <p:ph type="sldNum" sz="quarter" idx="11"/>
+          </p:nvPr>
+        </p:nvSpPr>
+        <p:spPr/>
+        <p:txBody>
+          <a:bodyPr/>
+          <a:lstStyle/>
+          <a:p>
+            <a:fld id="{3B80295F-48CD-49FC-897A-CCEC919B8070}" type="slidenum">
+              <a:rPr lang="nl-BE" smtClean="0"/>
+              <a:pPr/>
+              <a:t>30</a:t>
+            </a:fld>
+            <a:endParaRPr lang="nl-BE" dirty="0"/>
+          </a:p>
+        </p:txBody>
+      </p:sp>
+      <p:sp>
+        <p:nvSpPr>
+          <p:cNvPr id="5" name="Tijdelijke aanduiding voor voettekst 4"/>
+          <p:cNvSpPr>
+            <a:spLocks noGrp="1"/>
+          </p:cNvSpPr>
+          <p:nvPr>
+            <p:ph type="ftr" sz="quarter" idx="12"/>
+          </p:nvPr>
+        </p:nvSpPr>
+        <p:spPr/>
+        <p:txBody>
+          <a:bodyPr/>
+          <a:lstStyle/>
+          <a:p>
+            <a:endParaRPr lang="nl-BE" dirty="0"/>
+          </a:p>
+        </p:txBody>
+      </p:sp>
+      <p:pic>
+        <p:nvPicPr>
+          <p:cNvPr id="7" name="Afbeelding 6"/>
+          <p:cNvPicPr>
+            <a:picLocks noChangeAspect="1"/>
+          </p:cNvPicPr>
+          <p:nvPr/>
+        </p:nvPicPr>
+        <p:blipFill>
+          <a:blip r:embed="rId3" cstate="print">
+            <a:extLst>
+              <a:ext uri="{28A0092B-C50C-407E-A947-70E740481C1C}">
+                <a14:useLocalDpi xmlns:a14="http://schemas.microsoft.com/office/drawing/2010/main" val="0"/>
+              </a:ext>
+            </a:extLst>
+          </a:blip>
+          <a:stretch>
+            <a:fillRect/>
+          </a:stretch>
+        </p:blipFill>
+        <p:spPr>
+          <a:xfrm>
+            <a:off x="5029200" y="2061092"/>
+            <a:ext cx="4246880" cy="3104800"/>
+          </a:xfrm>
+          <a:prstGeom prst="rect">
+            <a:avLst/>
+          </a:prstGeom>
+        </p:spPr>
+      </p:pic>
+      <p:pic>
+        <p:nvPicPr>
+          <p:cNvPr id="8" name="Tijdelijke aanduiding voor inhoud 7"/>
+          <p:cNvPicPr>
+            <a:picLocks noGrp="1" noChangeAspect="1"/>
+          </p:cNvPicPr>
+          <p:nvPr>
+            <p:ph idx="1"/>
+          </p:nvPr>
+        </p:nvPicPr>
+        <p:blipFill>
+          <a:blip r:embed="rId4" cstate="print">
+            <a:extLst>
+              <a:ext uri="{28A0092B-C50C-407E-A947-70E740481C1C}">
+                <a14:useLocalDpi xmlns:a14="http://schemas.microsoft.com/office/drawing/2010/main" val="0"/>
+              </a:ext>
+            </a:extLst>
+          </a:blip>
+          <a:stretch>
+            <a:fillRect/>
+          </a:stretch>
+        </p:blipFill>
+        <p:spPr>
+          <a:xfrm>
+            <a:off x="228600" y="1219200"/>
+            <a:ext cx="3457728" cy="2133600"/>
+          </a:xfrm>
+        </p:spPr>
+      </p:pic>
+      <p:pic>
+        <p:nvPicPr>
+          <p:cNvPr id="9" name="Afbeelding 8"/>
+          <p:cNvPicPr>
+            <a:picLocks noChangeAspect="1"/>
+          </p:cNvPicPr>
+          <p:nvPr/>
+        </p:nvPicPr>
+        <p:blipFill>
+          <a:blip r:embed="rId5" cstate="print">
+            <a:extLst>
+              <a:ext uri="{28A0092B-C50C-407E-A947-70E740481C1C}">
+                <a14:useLocalDpi xmlns:a14="http://schemas.microsoft.com/office/drawing/2010/main" val="0"/>
+              </a:ext>
+            </a:extLst>
+          </a:blip>
+          <a:stretch>
+            <a:fillRect/>
+          </a:stretch>
+        </p:blipFill>
+        <p:spPr>
+          <a:xfrm>
+            <a:off x="372612" y="3405658"/>
+            <a:ext cx="2980188" cy="2302873"/>
+          </a:xfrm>
+          <a:prstGeom prst="rect">
+            <a:avLst/>
+          </a:prstGeom>
+        </p:spPr>
+      </p:pic>
+    </p:spTree>
+    <p:extLst>
+      <p:ext uri="{BB962C8B-B14F-4D97-AF65-F5344CB8AC3E}">
+        <p14:creationId xmlns:p14="http://schemas.microsoft.com/office/powerpoint/2010/main" val="3382582955"/>
       </p:ext>
     </p:extLst>
   </p:cSld>
@@ -6022,7 +9170,11 @@
           <a:bodyPr/>
           <a:lstStyle/>
           <a:p>
-            <a:endParaRPr lang="en-US"/>
+            <a:r>
+              <a:rPr lang="en-US" dirty="0"/>
+              <a:t>Secondary micro controller </a:t>
+            </a:r>
+            <a:endParaRPr lang="en-US" dirty="0"/>
           </a:p>
         </p:txBody>
       </p:sp>
@@ -6080,7 +9232,7 @@
           </p:nvPr>
         </p:nvPicPr>
         <p:blipFill>
-          <a:blip r:embed="rId2" cstate="print">
+          <a:blip r:embed="rId3">
             <a:extLst>
               <a:ext uri="{28A0092B-C50C-407E-A947-70E740481C1C}">
                 <a14:useLocalDpi xmlns:a14="http://schemas.microsoft.com/office/drawing/2010/main" val="0"/>
@@ -6093,8 +9245,8 @@
         </p:blipFill>
         <p:spPr>
           <a:xfrm>
-            <a:off x="32656" y="0"/>
-            <a:ext cx="9111343" cy="5486400"/>
+            <a:off x="0" y="1152525"/>
+            <a:ext cx="9067800" cy="4427538"/>
           </a:xfrm>
         </p:spPr>
       </p:pic>
@@ -6205,7 +9357,6 @@
               <a:rPr lang="en-US" dirty="0"/>
               <a:t>Main  micro controller </a:t>
             </a:r>
-            <a:endParaRPr lang="en-US" dirty="0"/>
           </a:p>
         </p:txBody>
       </p:sp>
@@ -6316,7 +9467,11 @@
           <a:bodyPr/>
           <a:lstStyle/>
           <a:p>
-            <a:endParaRPr lang="en-US"/>
+            <a:r>
+              <a:rPr lang="en-US" dirty="0"/>
+              <a:t>Main  micro controller </a:t>
+            </a:r>
+            <a:endParaRPr lang="en-US" dirty="0"/>
           </a:p>
         </p:txBody>
       </p:sp>
@@ -6372,7 +9527,7 @@
           <p:nvPr/>
         </p:nvPicPr>
         <p:blipFill>
-          <a:blip r:embed="rId2">
+          <a:blip r:embed="rId3">
             <a:extLst>
               <a:ext uri="{28A0092B-C50C-407E-A947-70E740481C1C}">
                 <a14:useLocalDpi xmlns:a14="http://schemas.microsoft.com/office/drawing/2010/main" val="0"/>
@@ -6385,8 +9540,8 @@
         </p:blipFill>
         <p:spPr>
           <a:xfrm>
-            <a:off x="-25400" y="0"/>
-            <a:ext cx="9169400" cy="5943600"/>
+            <a:off x="-12700" y="1152000"/>
+            <a:ext cx="9169400" cy="4428000"/>
           </a:xfrm>
           <a:prstGeom prst="rect">
             <a:avLst/>
@@ -6423,97 +9578,18 @@
           <a:chExt cx="0" cy="0"/>
         </a:xfrm>
       </p:grpSpPr>
-      <p:sp>
-        <p:nvSpPr>
-          <p:cNvPr id="2" name="Tijdelijke aanduiding voor inhoud 1"/>
-          <p:cNvSpPr>
-            <a:spLocks noGrp="1"/>
-          </p:cNvSpPr>
-          <p:nvPr>
-            <p:ph idx="1"/>
-          </p:nvPr>
-        </p:nvSpPr>
-        <p:spPr/>
-        <p:txBody>
-          <a:bodyPr/>
-          <a:lstStyle/>
-          <a:p>
-            <a:endParaRPr lang="en-US"/>
-          </a:p>
-        </p:txBody>
-      </p:sp>
-      <p:sp>
-        <p:nvSpPr>
-          <p:cNvPr id="3" name="Titel 2"/>
-          <p:cNvSpPr>
-            <a:spLocks noGrp="1"/>
-          </p:cNvSpPr>
-          <p:nvPr>
-            <p:ph type="title"/>
-          </p:nvPr>
-        </p:nvSpPr>
-        <p:spPr/>
-        <p:txBody>
-          <a:bodyPr/>
-          <a:lstStyle/>
-          <a:p>
-            <a:endParaRPr lang="en-US"/>
-          </a:p>
-        </p:txBody>
-      </p:sp>
-      <p:sp>
-        <p:nvSpPr>
-          <p:cNvPr id="4" name="Tijdelijke aanduiding voor dianummer 3"/>
-          <p:cNvSpPr>
-            <a:spLocks noGrp="1"/>
-          </p:cNvSpPr>
-          <p:nvPr>
-            <p:ph type="sldNum" sz="quarter" idx="11"/>
-          </p:nvPr>
-        </p:nvSpPr>
-        <p:spPr/>
-        <p:txBody>
-          <a:bodyPr/>
-          <a:lstStyle/>
-          <a:p>
-            <a:fld id="{3B80295F-48CD-49FC-897A-CCEC919B8070}" type="slidenum">
-              <a:rPr lang="nl-BE" smtClean="0"/>
-              <a:pPr/>
-              <a:t>7</a:t>
-            </a:fld>
-            <a:endParaRPr lang="nl-BE" dirty="0"/>
-          </a:p>
-        </p:txBody>
-      </p:sp>
-      <p:sp>
-        <p:nvSpPr>
-          <p:cNvPr id="5" name="Tijdelijke aanduiding voor voettekst 4"/>
-          <p:cNvSpPr>
-            <a:spLocks noGrp="1"/>
-          </p:cNvSpPr>
-          <p:nvPr>
-            <p:ph type="ftr" sz="quarter" idx="12"/>
-          </p:nvPr>
-        </p:nvSpPr>
-        <p:spPr/>
-        <p:txBody>
-          <a:bodyPr/>
-          <a:lstStyle/>
-          <a:p>
-            <a:endParaRPr lang="nl-BE" dirty="0"/>
-          </a:p>
-        </p:txBody>
-      </p:sp>
       <p:pic>
         <p:nvPicPr>
-          <p:cNvPr id="6" name="Tijdelijke aanduiding voor inhoud 3"/>
+          <p:cNvPr id="7" name="Tijdelijke aanduiding voor inhoud 6"/>
           <p:cNvPicPr>
-            <a:picLocks noChangeAspect="1"/>
+            <a:picLocks noGrp="1" noChangeAspect="1"/>
           </p:cNvPicPr>
-          <p:nvPr/>
+          <p:nvPr>
+            <p:ph idx="1"/>
+          </p:nvPr>
         </p:nvPicPr>
         <p:blipFill>
-          <a:blip r:embed="rId2" cstate="print">
+          <a:blip r:embed="rId3">
             <a:extLst>
               <a:ext uri="{28A0092B-C50C-407E-A947-70E740481C1C}">
                 <a14:useLocalDpi xmlns:a14="http://schemas.microsoft.com/office/drawing/2010/main" val="0"/>
@@ -6526,14 +9602,77 @@
         </p:blipFill>
         <p:spPr>
           <a:xfrm>
-            <a:off x="0" y="0"/>
-            <a:ext cx="9067800" cy="5553426"/>
+            <a:off x="76200" y="1152525"/>
+            <a:ext cx="9067800" cy="4427538"/>
           </a:xfrm>
-          <a:prstGeom prst="rect">
-            <a:avLst/>
-          </a:prstGeom>
         </p:spPr>
       </p:pic>
+      <p:sp>
+        <p:nvSpPr>
+          <p:cNvPr id="3" name="Titel 2"/>
+          <p:cNvSpPr>
+            <a:spLocks noGrp="1"/>
+          </p:cNvSpPr>
+          <p:nvPr>
+            <p:ph type="title"/>
+          </p:nvPr>
+        </p:nvSpPr>
+        <p:spPr/>
+        <p:txBody>
+          <a:bodyPr/>
+          <a:lstStyle/>
+          <a:p>
+            <a:r>
+              <a:rPr lang="en-US" dirty="0"/>
+              <a:t>Main  micro controller </a:t>
+            </a:r>
+            <a:endParaRPr lang="en-US" dirty="0"/>
+          </a:p>
+        </p:txBody>
+      </p:sp>
+      <p:sp>
+        <p:nvSpPr>
+          <p:cNvPr id="4" name="Tijdelijke aanduiding voor dianummer 3"/>
+          <p:cNvSpPr>
+            <a:spLocks noGrp="1"/>
+          </p:cNvSpPr>
+          <p:nvPr>
+            <p:ph type="sldNum" sz="quarter" idx="11"/>
+          </p:nvPr>
+        </p:nvSpPr>
+        <p:spPr/>
+        <p:txBody>
+          <a:bodyPr/>
+          <a:lstStyle/>
+          <a:p>
+            <a:fld id="{3B80295F-48CD-49FC-897A-CCEC919B8070}" type="slidenum">
+              <a:rPr lang="nl-BE" smtClean="0"/>
+              <a:pPr/>
+              <a:t>7</a:t>
+            </a:fld>
+            <a:endParaRPr lang="nl-BE" dirty="0"/>
+          </a:p>
+        </p:txBody>
+      </p:sp>
+      <p:sp>
+        <p:nvSpPr>
+          <p:cNvPr id="5" name="Tijdelijke aanduiding voor voettekst 4"/>
+          <p:cNvSpPr>
+            <a:spLocks noGrp="1"/>
+          </p:cNvSpPr>
+          <p:nvPr>
+            <p:ph type="ftr" sz="quarter" idx="12"/>
+          </p:nvPr>
+        </p:nvSpPr>
+        <p:spPr/>
+        <p:txBody>
+          <a:bodyPr/>
+          <a:lstStyle/>
+          <a:p>
+            <a:endParaRPr lang="nl-BE" dirty="0"/>
+          </a:p>
+        </p:txBody>
+      </p:sp>
     </p:spTree>
     <p:extLst>
       <p:ext uri="{BB962C8B-B14F-4D97-AF65-F5344CB8AC3E}">
@@ -6776,7 +9915,6 @@
               <a:rPr lang="en-US" dirty="0"/>
               <a:t>Encoders</a:t>
             </a:r>
-            <a:endParaRPr lang="en-US" dirty="0"/>
           </a:p>
         </p:txBody>
       </p:sp>

--- a/Advanced pcb lab.pptx
+++ b/Advanced pcb lab.pptx
@@ -5,42 +5,45 @@
     <p:sldMasterId id="2147483648" r:id="rId1"/>
   </p:sldMasterIdLst>
   <p:notesMasterIdLst>
-    <p:notesMasterId r:id="rId32"/>
+    <p:notesMasterId r:id="rId35"/>
   </p:notesMasterIdLst>
   <p:handoutMasterIdLst>
-    <p:handoutMasterId r:id="rId33"/>
+    <p:handoutMasterId r:id="rId36"/>
   </p:handoutMasterIdLst>
   <p:sldIdLst>
     <p:sldId id="256" r:id="rId2"/>
-    <p:sldId id="257" r:id="rId3"/>
-    <p:sldId id="267" r:id="rId4"/>
-    <p:sldId id="258" r:id="rId5"/>
-    <p:sldId id="259" r:id="rId6"/>
-    <p:sldId id="260" r:id="rId7"/>
-    <p:sldId id="262" r:id="rId8"/>
-    <p:sldId id="261" r:id="rId9"/>
-    <p:sldId id="263" r:id="rId10"/>
-    <p:sldId id="264" r:id="rId11"/>
-    <p:sldId id="266" r:id="rId12"/>
-    <p:sldId id="265" r:id="rId13"/>
-    <p:sldId id="268" r:id="rId14"/>
-    <p:sldId id="269" r:id="rId15"/>
-    <p:sldId id="270" r:id="rId16"/>
-    <p:sldId id="271" r:id="rId17"/>
-    <p:sldId id="273" r:id="rId18"/>
-    <p:sldId id="272" r:id="rId19"/>
-    <p:sldId id="274" r:id="rId20"/>
-    <p:sldId id="285" r:id="rId21"/>
-    <p:sldId id="284" r:id="rId22"/>
-    <p:sldId id="283" r:id="rId23"/>
-    <p:sldId id="281" r:id="rId24"/>
-    <p:sldId id="282" r:id="rId25"/>
-    <p:sldId id="275" r:id="rId26"/>
-    <p:sldId id="276" r:id="rId27"/>
-    <p:sldId id="278" r:id="rId28"/>
-    <p:sldId id="279" r:id="rId29"/>
-    <p:sldId id="280" r:id="rId30"/>
-    <p:sldId id="277" r:id="rId31"/>
+    <p:sldId id="286" r:id="rId3"/>
+    <p:sldId id="287" r:id="rId4"/>
+    <p:sldId id="259" r:id="rId5"/>
+    <p:sldId id="260" r:id="rId6"/>
+    <p:sldId id="262" r:id="rId7"/>
+    <p:sldId id="257" r:id="rId8"/>
+    <p:sldId id="267" r:id="rId9"/>
+    <p:sldId id="258" r:id="rId10"/>
+    <p:sldId id="261" r:id="rId11"/>
+    <p:sldId id="263" r:id="rId12"/>
+    <p:sldId id="264" r:id="rId13"/>
+    <p:sldId id="266" r:id="rId14"/>
+    <p:sldId id="265" r:id="rId15"/>
+    <p:sldId id="268" r:id="rId16"/>
+    <p:sldId id="269" r:id="rId17"/>
+    <p:sldId id="270" r:id="rId18"/>
+    <p:sldId id="271" r:id="rId19"/>
+    <p:sldId id="273" r:id="rId20"/>
+    <p:sldId id="272" r:id="rId21"/>
+    <p:sldId id="274" r:id="rId22"/>
+    <p:sldId id="285" r:id="rId23"/>
+    <p:sldId id="284" r:id="rId24"/>
+    <p:sldId id="283" r:id="rId25"/>
+    <p:sldId id="281" r:id="rId26"/>
+    <p:sldId id="282" r:id="rId27"/>
+    <p:sldId id="275" r:id="rId28"/>
+    <p:sldId id="276" r:id="rId29"/>
+    <p:sldId id="278" r:id="rId30"/>
+    <p:sldId id="279" r:id="rId31"/>
+    <p:sldId id="288" r:id="rId32"/>
+    <p:sldId id="280" r:id="rId33"/>
+    <p:sldId id="277" r:id="rId34"/>
   </p:sldIdLst>
   <p:sldSz cx="9144000" cy="6858000" type="screen4x3"/>
   <p:notesSz cx="7102475" cy="9388475"/>
@@ -255,7 +258,7 @@
             <a:fld id="{7F1A4A96-82D9-489B-915B-218BDB102403}" type="datetimeFigureOut">
               <a:rPr lang="nl-BE" smtClean="0"/>
               <a:pPr/>
-              <a:t>17/12/2016</a:t>
+              <a:t>23/12/2016</a:t>
             </a:fld>
             <a:endParaRPr lang="nl-BE"/>
           </a:p>
@@ -417,7 +420,7 @@
             <a:fld id="{D1925427-6E8A-463A-9752-7D22F5CAF14A}" type="datetimeFigureOut">
               <a:rPr lang="nl-BE" smtClean="0"/>
               <a:pPr/>
-              <a:t>17/12/2016</a:t>
+              <a:t>23/12/2016</a:t>
             </a:fld>
             <a:endParaRPr lang="nl-BE"/>
           </a:p>
@@ -803,7 +806,7 @@
             <a:fld id="{89ED9555-764A-4B78-873A-3D7406AAEA2B}" type="slidenum">
               <a:rPr lang="nl-BE" smtClean="0"/>
               <a:pPr/>
-              <a:t>10</a:t>
+              <a:t>12</a:t>
             </a:fld>
             <a:endParaRPr lang="nl-BE"/>
           </a:p>
@@ -888,7 +891,7 @@
             <a:fld id="{89ED9555-764A-4B78-873A-3D7406AAEA2B}" type="slidenum">
               <a:rPr lang="nl-BE" smtClean="0"/>
               <a:pPr/>
-              <a:t>11</a:t>
+              <a:t>13</a:t>
             </a:fld>
             <a:endParaRPr lang="nl-BE"/>
           </a:p>
@@ -973,7 +976,7 @@
             <a:fld id="{89ED9555-764A-4B78-873A-3D7406AAEA2B}" type="slidenum">
               <a:rPr lang="nl-BE" smtClean="0"/>
               <a:pPr/>
-              <a:t>12</a:t>
+              <a:t>14</a:t>
             </a:fld>
             <a:endParaRPr lang="nl-BE"/>
           </a:p>
@@ -1058,7 +1061,7 @@
             <a:fld id="{89ED9555-764A-4B78-873A-3D7406AAEA2B}" type="slidenum">
               <a:rPr lang="nl-BE" smtClean="0"/>
               <a:pPr/>
-              <a:t>13</a:t>
+              <a:t>15</a:t>
             </a:fld>
             <a:endParaRPr lang="nl-BE"/>
           </a:p>
@@ -1143,7 +1146,7 @@
             <a:fld id="{89ED9555-764A-4B78-873A-3D7406AAEA2B}" type="slidenum">
               <a:rPr lang="nl-BE" smtClean="0"/>
               <a:pPr/>
-              <a:t>14</a:t>
+              <a:t>16</a:t>
             </a:fld>
             <a:endParaRPr lang="nl-BE"/>
           </a:p>
@@ -1228,7 +1231,7 @@
             <a:fld id="{89ED9555-764A-4B78-873A-3D7406AAEA2B}" type="slidenum">
               <a:rPr lang="nl-BE" smtClean="0"/>
               <a:pPr/>
-              <a:t>15</a:t>
+              <a:t>17</a:t>
             </a:fld>
             <a:endParaRPr lang="nl-BE"/>
           </a:p>
@@ -1313,7 +1316,7 @@
             <a:fld id="{89ED9555-764A-4B78-873A-3D7406AAEA2B}" type="slidenum">
               <a:rPr lang="nl-BE" smtClean="0"/>
               <a:pPr/>
-              <a:t>16</a:t>
+              <a:t>18</a:t>
             </a:fld>
             <a:endParaRPr lang="nl-BE"/>
           </a:p>
@@ -1398,7 +1401,7 @@
             <a:fld id="{89ED9555-764A-4B78-873A-3D7406AAEA2B}" type="slidenum">
               <a:rPr lang="nl-BE" smtClean="0"/>
               <a:pPr/>
-              <a:t>17</a:t>
+              <a:t>19</a:t>
             </a:fld>
             <a:endParaRPr lang="nl-BE"/>
           </a:p>
@@ -1483,7 +1486,7 @@
             <a:fld id="{89ED9555-764A-4B78-873A-3D7406AAEA2B}" type="slidenum">
               <a:rPr lang="nl-BE" smtClean="0"/>
               <a:pPr/>
-              <a:t>18</a:t>
+              <a:t>20</a:t>
             </a:fld>
             <a:endParaRPr lang="nl-BE"/>
           </a:p>
@@ -1568,7 +1571,7 @@
             <a:fld id="{89ED9555-764A-4B78-873A-3D7406AAEA2B}" type="slidenum">
               <a:rPr lang="nl-BE" smtClean="0"/>
               <a:pPr/>
-              <a:t>19</a:t>
+              <a:t>21</a:t>
             </a:fld>
             <a:endParaRPr lang="nl-BE"/>
           </a:p>
@@ -1653,7 +1656,7 @@
             <a:fld id="{89ED9555-764A-4B78-873A-3D7406AAEA2B}" type="slidenum">
               <a:rPr lang="nl-BE" smtClean="0"/>
               <a:pPr/>
-              <a:t>2</a:t>
+              <a:t>4</a:t>
             </a:fld>
             <a:endParaRPr lang="nl-BE"/>
           </a:p>
@@ -1662,7 +1665,7 @@
     </p:spTree>
     <p:extLst>
       <p:ext uri="{BB962C8B-B14F-4D97-AF65-F5344CB8AC3E}">
-        <p14:creationId xmlns:p14="http://schemas.microsoft.com/office/powerpoint/2010/main" val="2535853090"/>
+        <p14:creationId xmlns:p14="http://schemas.microsoft.com/office/powerpoint/2010/main" val="1573726454"/>
       </p:ext>
     </p:extLst>
   </p:cSld>
@@ -1738,7 +1741,7 @@
             <a:fld id="{89ED9555-764A-4B78-873A-3D7406AAEA2B}" type="slidenum">
               <a:rPr lang="nl-BE" smtClean="0"/>
               <a:pPr/>
-              <a:t>25</a:t>
+              <a:t>27</a:t>
             </a:fld>
             <a:endParaRPr lang="nl-BE"/>
           </a:p>
@@ -1823,7 +1826,7 @@
             <a:fld id="{89ED9555-764A-4B78-873A-3D7406AAEA2B}" type="slidenum">
               <a:rPr lang="nl-BE" smtClean="0"/>
               <a:pPr/>
-              <a:t>26</a:t>
+              <a:t>28</a:t>
             </a:fld>
             <a:endParaRPr lang="nl-BE"/>
           </a:p>
@@ -1908,7 +1911,7 @@
             <a:fld id="{89ED9555-764A-4B78-873A-3D7406AAEA2B}" type="slidenum">
               <a:rPr lang="nl-BE" smtClean="0"/>
               <a:pPr/>
-              <a:t>27</a:t>
+              <a:t>29</a:t>
             </a:fld>
             <a:endParaRPr lang="nl-BE"/>
           </a:p>
@@ -1993,7 +1996,7 @@
             <a:fld id="{89ED9555-764A-4B78-873A-3D7406AAEA2B}" type="slidenum">
               <a:rPr lang="nl-BE" smtClean="0"/>
               <a:pPr/>
-              <a:t>28</a:t>
+              <a:t>30</a:t>
             </a:fld>
             <a:endParaRPr lang="nl-BE"/>
           </a:p>
@@ -2078,7 +2081,7 @@
             <a:fld id="{89ED9555-764A-4B78-873A-3D7406AAEA2B}" type="slidenum">
               <a:rPr lang="nl-BE" smtClean="0"/>
               <a:pPr/>
-              <a:t>29</a:t>
+              <a:t>32</a:t>
             </a:fld>
             <a:endParaRPr lang="nl-BE"/>
           </a:p>
@@ -2163,7 +2166,7 @@
             <a:fld id="{89ED9555-764A-4B78-873A-3D7406AAEA2B}" type="slidenum">
               <a:rPr lang="nl-BE" smtClean="0"/>
               <a:pPr/>
-              <a:t>30</a:t>
+              <a:t>33</a:t>
             </a:fld>
             <a:endParaRPr lang="nl-BE"/>
           </a:p>
@@ -2248,7 +2251,7 @@
             <a:fld id="{89ED9555-764A-4B78-873A-3D7406AAEA2B}" type="slidenum">
               <a:rPr lang="nl-BE" smtClean="0"/>
               <a:pPr/>
-              <a:t>3</a:t>
+              <a:t>5</a:t>
             </a:fld>
             <a:endParaRPr lang="nl-BE"/>
           </a:p>
@@ -2257,7 +2260,7 @@
     </p:spTree>
     <p:extLst>
       <p:ext uri="{BB962C8B-B14F-4D97-AF65-F5344CB8AC3E}">
-        <p14:creationId xmlns:p14="http://schemas.microsoft.com/office/powerpoint/2010/main" val="1817414261"/>
+        <p14:creationId xmlns:p14="http://schemas.microsoft.com/office/powerpoint/2010/main" val="2943397297"/>
       </p:ext>
     </p:extLst>
   </p:cSld>
@@ -2333,7 +2336,7 @@
             <a:fld id="{89ED9555-764A-4B78-873A-3D7406AAEA2B}" type="slidenum">
               <a:rPr lang="nl-BE" smtClean="0"/>
               <a:pPr/>
-              <a:t>4</a:t>
+              <a:t>6</a:t>
             </a:fld>
             <a:endParaRPr lang="nl-BE"/>
           </a:p>
@@ -2342,7 +2345,7 @@
     </p:spTree>
     <p:extLst>
       <p:ext uri="{BB962C8B-B14F-4D97-AF65-F5344CB8AC3E}">
-        <p14:creationId xmlns:p14="http://schemas.microsoft.com/office/powerpoint/2010/main" val="3920373466"/>
+        <p14:creationId xmlns:p14="http://schemas.microsoft.com/office/powerpoint/2010/main" val="4222587747"/>
       </p:ext>
     </p:extLst>
   </p:cSld>
@@ -2418,7 +2421,7 @@
             <a:fld id="{89ED9555-764A-4B78-873A-3D7406AAEA2B}" type="slidenum">
               <a:rPr lang="nl-BE" smtClean="0"/>
               <a:pPr/>
-              <a:t>5</a:t>
+              <a:t>7</a:t>
             </a:fld>
             <a:endParaRPr lang="nl-BE"/>
           </a:p>
@@ -2427,7 +2430,7 @@
     </p:spTree>
     <p:extLst>
       <p:ext uri="{BB962C8B-B14F-4D97-AF65-F5344CB8AC3E}">
-        <p14:creationId xmlns:p14="http://schemas.microsoft.com/office/powerpoint/2010/main" val="1573726454"/>
+        <p14:creationId xmlns:p14="http://schemas.microsoft.com/office/powerpoint/2010/main" val="2535853090"/>
       </p:ext>
     </p:extLst>
   </p:cSld>
@@ -2503,7 +2506,7 @@
             <a:fld id="{89ED9555-764A-4B78-873A-3D7406AAEA2B}" type="slidenum">
               <a:rPr lang="nl-BE" smtClean="0"/>
               <a:pPr/>
-              <a:t>6</a:t>
+              <a:t>8</a:t>
             </a:fld>
             <a:endParaRPr lang="nl-BE"/>
           </a:p>
@@ -2512,7 +2515,7 @@
     </p:spTree>
     <p:extLst>
       <p:ext uri="{BB962C8B-B14F-4D97-AF65-F5344CB8AC3E}">
-        <p14:creationId xmlns:p14="http://schemas.microsoft.com/office/powerpoint/2010/main" val="2943397297"/>
+        <p14:creationId xmlns:p14="http://schemas.microsoft.com/office/powerpoint/2010/main" val="1817414261"/>
       </p:ext>
     </p:extLst>
   </p:cSld>
@@ -2588,7 +2591,7 @@
             <a:fld id="{89ED9555-764A-4B78-873A-3D7406AAEA2B}" type="slidenum">
               <a:rPr lang="nl-BE" smtClean="0"/>
               <a:pPr/>
-              <a:t>7</a:t>
+              <a:t>9</a:t>
             </a:fld>
             <a:endParaRPr lang="nl-BE"/>
           </a:p>
@@ -2597,7 +2600,7 @@
     </p:spTree>
     <p:extLst>
       <p:ext uri="{BB962C8B-B14F-4D97-AF65-F5344CB8AC3E}">
-        <p14:creationId xmlns:p14="http://schemas.microsoft.com/office/powerpoint/2010/main" val="4222587747"/>
+        <p14:creationId xmlns:p14="http://schemas.microsoft.com/office/powerpoint/2010/main" val="3920373466"/>
       </p:ext>
     </p:extLst>
   </p:cSld>
@@ -2673,7 +2676,7 @@
             <a:fld id="{89ED9555-764A-4B78-873A-3D7406AAEA2B}" type="slidenum">
               <a:rPr lang="nl-BE" smtClean="0"/>
               <a:pPr/>
-              <a:t>8</a:t>
+              <a:t>10</a:t>
             </a:fld>
             <a:endParaRPr lang="nl-BE"/>
           </a:p>
@@ -2758,7 +2761,7 @@
             <a:fld id="{89ED9555-764A-4B78-873A-3D7406AAEA2B}" type="slidenum">
               <a:rPr lang="nl-BE" smtClean="0"/>
               <a:pPr/>
-              <a:t>9</a:t>
+              <a:t>11</a:t>
             </a:fld>
             <a:endParaRPr lang="nl-BE"/>
           </a:p>
@@ -5734,6 +5737,37 @@
       </p:grpSpPr>
       <p:sp>
         <p:nvSpPr>
+          <p:cNvPr id="2" name="Tijdelijke aanduiding voor inhoud 1"/>
+          <p:cNvSpPr>
+            <a:spLocks noGrp="1"/>
+          </p:cNvSpPr>
+          <p:nvPr>
+            <p:ph idx="1"/>
+          </p:nvPr>
+        </p:nvSpPr>
+        <p:spPr/>
+        <p:txBody>
+          <a:bodyPr/>
+          <a:lstStyle/>
+          <a:p>
+            <a:r>
+              <a:rPr lang="en-US" dirty="0"/>
+              <a:t>Taking load of the controller(interrupt wise)</a:t>
+            </a:r>
+          </a:p>
+          <a:p>
+            <a:r>
+              <a:rPr lang="en-US" dirty="0"/>
+              <a:t>Relatively more i/o available </a:t>
+            </a:r>
+          </a:p>
+          <a:p>
+            <a:endParaRPr lang="en-US" dirty="0"/>
+          </a:p>
+        </p:txBody>
+      </p:sp>
+      <p:sp>
+        <p:nvSpPr>
           <p:cNvPr id="3" name="Titel 2"/>
           <p:cNvSpPr>
             <a:spLocks noGrp="1"/>
@@ -5749,8 +5783,11 @@
           <a:p>
             <a:r>
               <a:rPr lang="en-US" dirty="0"/>
-              <a:t>Encoders</a:t>
-            </a:r>
+              <a:t>Why to microcontrollers?</a:t>
+            </a:r>
+            <a:br>
+              <a:rPr lang="en-US" dirty="0"/>
+            </a:br>
             <a:endParaRPr lang="en-US" dirty="0"/>
           </a:p>
         </p:txBody>
@@ -5794,6 +5831,307 @@
           <a:bodyPr/>
           <a:lstStyle/>
           <a:p>
+            <a:r>
+              <a:rPr lang="nl-BE" dirty="0"/>
+              <a:t>Marvin </a:t>
+            </a:r>
+            <a:r>
+              <a:rPr lang="nl-BE" dirty="0" err="1"/>
+              <a:t>the</a:t>
+            </a:r>
+            <a:r>
+              <a:rPr lang="nl-BE" dirty="0"/>
+              <a:t> </a:t>
+            </a:r>
+            <a:r>
+              <a:rPr lang="nl-BE" dirty="0" err="1"/>
+              <a:t>hackbot</a:t>
+            </a:r>
+            <a:endParaRPr lang="nl-BE" dirty="0"/>
+          </a:p>
+        </p:txBody>
+      </p:sp>
+    </p:spTree>
+    <p:extLst>
+      <p:ext uri="{BB962C8B-B14F-4D97-AF65-F5344CB8AC3E}">
+        <p14:creationId xmlns:p14="http://schemas.microsoft.com/office/powerpoint/2010/main" val="625382046"/>
+      </p:ext>
+    </p:extLst>
+  </p:cSld>
+  <p:clrMapOvr>
+    <a:masterClrMapping/>
+  </p:clrMapOvr>
+</p:sld>
+</file>
+
+<file path=ppt/slides/slide11.xml><?xml version="1.0" encoding="utf-8"?>
+<p:sld xmlns:a="http://schemas.openxmlformats.org/drawingml/2006/main" xmlns:r="http://schemas.openxmlformats.org/officeDocument/2006/relationships" xmlns:p="http://schemas.openxmlformats.org/presentationml/2006/main">
+  <p:cSld>
+    <p:spTree>
+      <p:nvGrpSpPr>
+        <p:cNvPr id="1" name=""/>
+        <p:cNvGrpSpPr/>
+        <p:nvPr/>
+      </p:nvGrpSpPr>
+      <p:grpSpPr>
+        <a:xfrm>
+          <a:off x="0" y="0"/>
+          <a:ext cx="0" cy="0"/>
+          <a:chOff x="0" y="0"/>
+          <a:chExt cx="0" cy="0"/>
+        </a:xfrm>
+      </p:grpSpPr>
+      <p:sp>
+        <p:nvSpPr>
+          <p:cNvPr id="2" name="Tijdelijke aanduiding voor inhoud 1"/>
+          <p:cNvSpPr>
+            <a:spLocks noGrp="1"/>
+          </p:cNvSpPr>
+          <p:nvPr>
+            <p:ph idx="1"/>
+          </p:nvPr>
+        </p:nvSpPr>
+        <p:spPr/>
+        <p:txBody>
+          <a:bodyPr/>
+          <a:lstStyle/>
+          <a:p>
+            <a:r>
+              <a:rPr lang="en-US" dirty="0"/>
+              <a:t>Rover chassis=&gt; quadrature encoders </a:t>
+            </a:r>
+          </a:p>
+          <a:p>
+            <a:r>
+              <a:rPr lang="en-US" dirty="0"/>
+              <a:t>Number of sensors can be used </a:t>
+            </a:r>
+          </a:p>
+          <a:p>
+            <a:pPr lvl="1"/>
+            <a:r>
+              <a:rPr lang="en-US" dirty="0"/>
+              <a:t>Optical(IR pair) =&gt; whit black and withe surfaces </a:t>
+            </a:r>
+          </a:p>
+          <a:p>
+            <a:pPr lvl="1"/>
+            <a:r>
+              <a:rPr lang="en-US" dirty="0" err="1"/>
+              <a:t>Magnetical</a:t>
+            </a:r>
+            <a:r>
+              <a:rPr lang="en-US" dirty="0"/>
+              <a:t>(</a:t>
+            </a:r>
+            <a:r>
+              <a:rPr lang="en-US" dirty="0" err="1"/>
+              <a:t>hal</a:t>
+            </a:r>
+            <a:r>
+              <a:rPr lang="en-US" dirty="0"/>
+              <a:t> sensor) =&gt; magnet on a shaft</a:t>
+            </a:r>
+          </a:p>
+          <a:p>
+            <a:r>
+              <a:rPr lang="en-US" dirty="0"/>
+              <a:t>Pulses  90degrees out of phase</a:t>
+            </a:r>
+          </a:p>
+          <a:p>
+            <a:endParaRPr lang="en-US" dirty="0"/>
+          </a:p>
+        </p:txBody>
+      </p:sp>
+      <p:sp>
+        <p:nvSpPr>
+          <p:cNvPr id="3" name="Titel 2"/>
+          <p:cNvSpPr>
+            <a:spLocks noGrp="1"/>
+          </p:cNvSpPr>
+          <p:nvPr>
+            <p:ph type="title"/>
+          </p:nvPr>
+        </p:nvSpPr>
+        <p:spPr/>
+        <p:txBody>
+          <a:bodyPr/>
+          <a:lstStyle/>
+          <a:p>
+            <a:r>
+              <a:rPr lang="en-US" dirty="0"/>
+              <a:t>Encoders</a:t>
+            </a:r>
+          </a:p>
+        </p:txBody>
+      </p:sp>
+      <p:sp>
+        <p:nvSpPr>
+          <p:cNvPr id="4" name="Tijdelijke aanduiding voor dianummer 3"/>
+          <p:cNvSpPr>
+            <a:spLocks noGrp="1"/>
+          </p:cNvSpPr>
+          <p:nvPr>
+            <p:ph type="sldNum" sz="quarter" idx="11"/>
+          </p:nvPr>
+        </p:nvSpPr>
+        <p:spPr/>
+        <p:txBody>
+          <a:bodyPr/>
+          <a:lstStyle/>
+          <a:p>
+            <a:fld id="{3B80295F-48CD-49FC-897A-CCEC919B8070}" type="slidenum">
+              <a:rPr lang="nl-BE" smtClean="0"/>
+              <a:pPr/>
+              <a:t>11</a:t>
+            </a:fld>
+            <a:endParaRPr lang="nl-BE" dirty="0"/>
+          </a:p>
+        </p:txBody>
+      </p:sp>
+      <p:sp>
+        <p:nvSpPr>
+          <p:cNvPr id="5" name="Tijdelijke aanduiding voor voettekst 4"/>
+          <p:cNvSpPr>
+            <a:spLocks noGrp="1"/>
+          </p:cNvSpPr>
+          <p:nvPr>
+            <p:ph type="ftr" sz="quarter" idx="12"/>
+          </p:nvPr>
+        </p:nvSpPr>
+        <p:spPr/>
+        <p:txBody>
+          <a:bodyPr/>
+          <a:lstStyle/>
+          <a:p>
+            <a:r>
+              <a:rPr lang="nl-BE" dirty="0"/>
+              <a:t>Marvin </a:t>
+            </a:r>
+            <a:r>
+              <a:rPr lang="nl-BE" dirty="0" err="1"/>
+              <a:t>the</a:t>
+            </a:r>
+            <a:r>
+              <a:rPr lang="nl-BE" dirty="0"/>
+              <a:t> </a:t>
+            </a:r>
+            <a:r>
+              <a:rPr lang="nl-BE" dirty="0" err="1"/>
+              <a:t>hackbot</a:t>
+            </a:r>
+            <a:endParaRPr lang="nl-BE" dirty="0"/>
+          </a:p>
+        </p:txBody>
+      </p:sp>
+    </p:spTree>
+    <p:extLst>
+      <p:ext uri="{BB962C8B-B14F-4D97-AF65-F5344CB8AC3E}">
+        <p14:creationId xmlns:p14="http://schemas.microsoft.com/office/powerpoint/2010/main" val="3151647140"/>
+      </p:ext>
+    </p:extLst>
+  </p:cSld>
+  <p:clrMapOvr>
+    <a:masterClrMapping/>
+  </p:clrMapOvr>
+</p:sld>
+</file>
+
+<file path=ppt/slides/slide12.xml><?xml version="1.0" encoding="utf-8"?>
+<p:sld xmlns:a="http://schemas.openxmlformats.org/drawingml/2006/main" xmlns:r="http://schemas.openxmlformats.org/officeDocument/2006/relationships" xmlns:p="http://schemas.openxmlformats.org/presentationml/2006/main">
+  <p:cSld>
+    <p:spTree>
+      <p:nvGrpSpPr>
+        <p:cNvPr id="1" name=""/>
+        <p:cNvGrpSpPr/>
+        <p:nvPr/>
+      </p:nvGrpSpPr>
+      <p:grpSpPr>
+        <a:xfrm>
+          <a:off x="0" y="0"/>
+          <a:ext cx="0" cy="0"/>
+          <a:chOff x="0" y="0"/>
+          <a:chExt cx="0" cy="0"/>
+        </a:xfrm>
+      </p:grpSpPr>
+      <p:sp>
+        <p:nvSpPr>
+          <p:cNvPr id="3" name="Titel 2"/>
+          <p:cNvSpPr>
+            <a:spLocks noGrp="1"/>
+          </p:cNvSpPr>
+          <p:nvPr>
+            <p:ph type="title"/>
+          </p:nvPr>
+        </p:nvSpPr>
+        <p:spPr/>
+        <p:txBody>
+          <a:bodyPr/>
+          <a:lstStyle/>
+          <a:p>
+            <a:r>
+              <a:rPr lang="en-US" dirty="0"/>
+              <a:t>Encoders V2 &amp; V3</a:t>
+            </a:r>
+          </a:p>
+        </p:txBody>
+      </p:sp>
+      <p:sp>
+        <p:nvSpPr>
+          <p:cNvPr id="4" name="Tijdelijke aanduiding voor dianummer 3"/>
+          <p:cNvSpPr>
+            <a:spLocks noGrp="1"/>
+          </p:cNvSpPr>
+          <p:nvPr>
+            <p:ph type="sldNum" sz="quarter" idx="11"/>
+          </p:nvPr>
+        </p:nvSpPr>
+        <p:spPr/>
+        <p:txBody>
+          <a:bodyPr/>
+          <a:lstStyle/>
+          <a:p>
+            <a:fld id="{3B80295F-48CD-49FC-897A-CCEC919B8070}" type="slidenum">
+              <a:rPr lang="nl-BE" smtClean="0"/>
+              <a:pPr/>
+              <a:t>12</a:t>
+            </a:fld>
+            <a:endParaRPr lang="nl-BE" dirty="0"/>
+          </a:p>
+        </p:txBody>
+      </p:sp>
+      <p:sp>
+        <p:nvSpPr>
+          <p:cNvPr id="5" name="Tijdelijke aanduiding voor voettekst 4"/>
+          <p:cNvSpPr>
+            <a:spLocks noGrp="1"/>
+          </p:cNvSpPr>
+          <p:nvPr>
+            <p:ph type="ftr" sz="quarter" idx="12"/>
+          </p:nvPr>
+        </p:nvSpPr>
+        <p:spPr/>
+        <p:txBody>
+          <a:bodyPr/>
+          <a:lstStyle/>
+          <a:p>
+            <a:r>
+              <a:rPr lang="nl-BE" dirty="0"/>
+              <a:t>Marvin </a:t>
+            </a:r>
+            <a:r>
+              <a:rPr lang="nl-BE" dirty="0" err="1"/>
+              <a:t>the</a:t>
+            </a:r>
+            <a:r>
+              <a:rPr lang="nl-BE" dirty="0"/>
+              <a:t> </a:t>
+            </a:r>
+            <a:r>
+              <a:rPr lang="nl-BE" dirty="0" err="1"/>
+              <a:t>hackbot</a:t>
+            </a:r>
             <a:endParaRPr lang="nl-BE" dirty="0"/>
           </a:p>
         </p:txBody>
@@ -5840,292 +6178,6 @@
 </p:sld>
 </file>
 
-<file path=ppt/slides/slide11.xml><?xml version="1.0" encoding="utf-8"?>
-<p:sld xmlns:a="http://schemas.openxmlformats.org/drawingml/2006/main" xmlns:r="http://schemas.openxmlformats.org/officeDocument/2006/relationships" xmlns:p="http://schemas.openxmlformats.org/presentationml/2006/main">
-  <p:cSld>
-    <p:spTree>
-      <p:nvGrpSpPr>
-        <p:cNvPr id="1" name=""/>
-        <p:cNvGrpSpPr/>
-        <p:nvPr/>
-      </p:nvGrpSpPr>
-      <p:grpSpPr>
-        <a:xfrm>
-          <a:off x="0" y="0"/>
-          <a:ext cx="0" cy="0"/>
-          <a:chOff x="0" y="0"/>
-          <a:chExt cx="0" cy="0"/>
-        </a:xfrm>
-      </p:grpSpPr>
-      <p:sp>
-        <p:nvSpPr>
-          <p:cNvPr id="2" name="Tijdelijke aanduiding voor inhoud 1"/>
-          <p:cNvSpPr>
-            <a:spLocks noGrp="1"/>
-          </p:cNvSpPr>
-          <p:nvPr>
-            <p:ph idx="1"/>
-          </p:nvPr>
-        </p:nvSpPr>
-        <p:spPr/>
-        <p:txBody>
-          <a:bodyPr/>
-          <a:lstStyle/>
-          <a:p>
-            <a:r>
-              <a:rPr lang="en-US" dirty="0"/>
-              <a:t>Cheap </a:t>
-            </a:r>
-            <a:r>
-              <a:rPr lang="en-US" dirty="0" err="1"/>
-              <a:t>wifi</a:t>
-            </a:r>
-            <a:r>
-              <a:rPr lang="en-US" dirty="0"/>
-              <a:t> module (6 euro’s)</a:t>
-            </a:r>
-          </a:p>
-          <a:p>
-            <a:r>
-              <a:rPr lang="en-US" dirty="0"/>
-              <a:t>with onboard System On chip</a:t>
-            </a:r>
-          </a:p>
-          <a:p>
-            <a:r>
-              <a:rPr lang="en-US" dirty="0"/>
-              <a:t>Communicating protocol=&gt; AT commands via serial port  </a:t>
-            </a:r>
-          </a:p>
-          <a:p>
-            <a:r>
-              <a:rPr lang="en-US" dirty="0"/>
-              <a:t>No components under the antenna!</a:t>
-            </a:r>
-          </a:p>
-          <a:p>
-            <a:r>
-              <a:rPr lang="en-US" dirty="0"/>
-              <a:t>3.3V ONLY!!! No 5V tolerant I/O</a:t>
-            </a:r>
-          </a:p>
-          <a:p>
-            <a:endParaRPr lang="en-US" dirty="0"/>
-          </a:p>
-          <a:p>
-            <a:endParaRPr lang="en-US" dirty="0"/>
-          </a:p>
-          <a:p>
-            <a:endParaRPr lang="en-US" dirty="0"/>
-          </a:p>
-          <a:p>
-            <a:endParaRPr lang="en-US" dirty="0"/>
-          </a:p>
-        </p:txBody>
-      </p:sp>
-      <p:sp>
-        <p:nvSpPr>
-          <p:cNvPr id="3" name="Titel 2"/>
-          <p:cNvSpPr>
-            <a:spLocks noGrp="1"/>
-          </p:cNvSpPr>
-          <p:nvPr>
-            <p:ph type="title"/>
-          </p:nvPr>
-        </p:nvSpPr>
-        <p:spPr/>
-        <p:txBody>
-          <a:bodyPr/>
-          <a:lstStyle/>
-          <a:p>
-            <a:r>
-              <a:rPr lang="en-US" dirty="0"/>
-              <a:t>ESP8266</a:t>
-            </a:r>
-          </a:p>
-        </p:txBody>
-      </p:sp>
-      <p:sp>
-        <p:nvSpPr>
-          <p:cNvPr id="4" name="Tijdelijke aanduiding voor dianummer 3"/>
-          <p:cNvSpPr>
-            <a:spLocks noGrp="1"/>
-          </p:cNvSpPr>
-          <p:nvPr>
-            <p:ph type="sldNum" sz="quarter" idx="11"/>
-          </p:nvPr>
-        </p:nvSpPr>
-        <p:spPr/>
-        <p:txBody>
-          <a:bodyPr/>
-          <a:lstStyle/>
-          <a:p>
-            <a:fld id="{3B80295F-48CD-49FC-897A-CCEC919B8070}" type="slidenum">
-              <a:rPr lang="nl-BE" smtClean="0"/>
-              <a:pPr/>
-              <a:t>11</a:t>
-            </a:fld>
-            <a:endParaRPr lang="nl-BE" dirty="0"/>
-          </a:p>
-        </p:txBody>
-      </p:sp>
-      <p:sp>
-        <p:nvSpPr>
-          <p:cNvPr id="5" name="Tijdelijke aanduiding voor voettekst 4"/>
-          <p:cNvSpPr>
-            <a:spLocks noGrp="1"/>
-          </p:cNvSpPr>
-          <p:nvPr>
-            <p:ph type="ftr" sz="quarter" idx="12"/>
-          </p:nvPr>
-        </p:nvSpPr>
-        <p:spPr/>
-        <p:txBody>
-          <a:bodyPr/>
-          <a:lstStyle/>
-          <a:p>
-            <a:endParaRPr lang="nl-BE" dirty="0"/>
-          </a:p>
-        </p:txBody>
-      </p:sp>
-    </p:spTree>
-    <p:extLst>
-      <p:ext uri="{BB962C8B-B14F-4D97-AF65-F5344CB8AC3E}">
-        <p14:creationId xmlns:p14="http://schemas.microsoft.com/office/powerpoint/2010/main" val="1159016650"/>
-      </p:ext>
-    </p:extLst>
-  </p:cSld>
-  <p:clrMapOvr>
-    <a:masterClrMapping/>
-  </p:clrMapOvr>
-</p:sld>
-</file>
-
-<file path=ppt/slides/slide12.xml><?xml version="1.0" encoding="utf-8"?>
-<p:sld xmlns:a="http://schemas.openxmlformats.org/drawingml/2006/main" xmlns:r="http://schemas.openxmlformats.org/officeDocument/2006/relationships" xmlns:p="http://schemas.openxmlformats.org/presentationml/2006/main">
-  <p:cSld>
-    <p:spTree>
-      <p:nvGrpSpPr>
-        <p:cNvPr id="1" name=""/>
-        <p:cNvGrpSpPr/>
-        <p:nvPr/>
-      </p:nvGrpSpPr>
-      <p:grpSpPr>
-        <a:xfrm>
-          <a:off x="0" y="0"/>
-          <a:ext cx="0" cy="0"/>
-          <a:chOff x="0" y="0"/>
-          <a:chExt cx="0" cy="0"/>
-        </a:xfrm>
-      </p:grpSpPr>
-      <p:pic>
-        <p:nvPicPr>
-          <p:cNvPr id="6" name="Tijdelijke aanduiding voor inhoud 5"/>
-          <p:cNvPicPr>
-            <a:picLocks noGrp="1" noChangeAspect="1"/>
-          </p:cNvPicPr>
-          <p:nvPr>
-            <p:ph idx="1"/>
-          </p:nvPr>
-        </p:nvPicPr>
-        <p:blipFill>
-          <a:blip r:embed="rId3">
-            <a:extLst>
-              <a:ext uri="{28A0092B-C50C-407E-A947-70E740481C1C}">
-                <a14:useLocalDpi xmlns:a14="http://schemas.microsoft.com/office/drawing/2010/main" val="0"/>
-              </a:ext>
-            </a:extLst>
-          </a:blip>
-          <a:stretch>
-            <a:fillRect/>
-          </a:stretch>
-        </p:blipFill>
-        <p:spPr>
-          <a:xfrm>
-            <a:off x="0" y="1142984"/>
-            <a:ext cx="9144000" cy="4419616"/>
-          </a:xfrm>
-        </p:spPr>
-      </p:pic>
-      <p:sp>
-        <p:nvSpPr>
-          <p:cNvPr id="3" name="Titel 2"/>
-          <p:cNvSpPr>
-            <a:spLocks noGrp="1"/>
-          </p:cNvSpPr>
-          <p:nvPr>
-            <p:ph type="title"/>
-          </p:nvPr>
-        </p:nvSpPr>
-        <p:spPr/>
-        <p:txBody>
-          <a:bodyPr/>
-          <a:lstStyle/>
-          <a:p>
-            <a:r>
-              <a:rPr lang="en-US" dirty="0"/>
-              <a:t>ESP8266</a:t>
-            </a:r>
-            <a:endParaRPr lang="en-US" dirty="0"/>
-          </a:p>
-        </p:txBody>
-      </p:sp>
-      <p:sp>
-        <p:nvSpPr>
-          <p:cNvPr id="4" name="Tijdelijke aanduiding voor dianummer 3"/>
-          <p:cNvSpPr>
-            <a:spLocks noGrp="1"/>
-          </p:cNvSpPr>
-          <p:nvPr>
-            <p:ph type="sldNum" sz="quarter" idx="11"/>
-          </p:nvPr>
-        </p:nvSpPr>
-        <p:spPr/>
-        <p:txBody>
-          <a:bodyPr/>
-          <a:lstStyle/>
-          <a:p>
-            <a:fld id="{3B80295F-48CD-49FC-897A-CCEC919B8070}" type="slidenum">
-              <a:rPr lang="nl-BE" smtClean="0"/>
-              <a:pPr/>
-              <a:t>12</a:t>
-            </a:fld>
-            <a:endParaRPr lang="nl-BE" dirty="0"/>
-          </a:p>
-        </p:txBody>
-      </p:sp>
-      <p:sp>
-        <p:nvSpPr>
-          <p:cNvPr id="5" name="Tijdelijke aanduiding voor voettekst 4"/>
-          <p:cNvSpPr>
-            <a:spLocks noGrp="1"/>
-          </p:cNvSpPr>
-          <p:nvPr>
-            <p:ph type="ftr" sz="quarter" idx="12"/>
-          </p:nvPr>
-        </p:nvSpPr>
-        <p:spPr/>
-        <p:txBody>
-          <a:bodyPr/>
-          <a:lstStyle/>
-          <a:p>
-            <a:endParaRPr lang="nl-BE" dirty="0"/>
-          </a:p>
-        </p:txBody>
-      </p:sp>
-    </p:spTree>
-    <p:extLst>
-      <p:ext uri="{BB962C8B-B14F-4D97-AF65-F5344CB8AC3E}">
-        <p14:creationId xmlns:p14="http://schemas.microsoft.com/office/powerpoint/2010/main" val="3832822112"/>
-      </p:ext>
-    </p:extLst>
-  </p:cSld>
-  <p:clrMapOvr>
-    <a:masterClrMapping/>
-  </p:clrMapOvr>
-</p:sld>
-</file>
-
 <file path=ppt/slides/slide13.xml><?xml version="1.0" encoding="utf-8"?>
 <p:sld xmlns:a="http://schemas.openxmlformats.org/drawingml/2006/main" xmlns:r="http://schemas.openxmlformats.org/officeDocument/2006/relationships" xmlns:p="http://schemas.openxmlformats.org/presentationml/2006/main">
   <p:cSld>
@@ -6153,88 +6205,80 @@
             <p:ph idx="1"/>
           </p:nvPr>
         </p:nvSpPr>
-        <p:spPr>
-          <a:xfrm>
-            <a:off x="-7257" y="1142984"/>
-            <a:ext cx="9144000" cy="4428000"/>
-          </a:xfrm>
-        </p:spPr>
+        <p:spPr/>
         <p:txBody>
           <a:bodyPr/>
           <a:lstStyle/>
           <a:p>
             <a:r>
               <a:rPr lang="en-US" dirty="0"/>
-              <a:t>Converts signal other voltage level</a:t>
-            </a:r>
-          </a:p>
-          <a:p>
-            <a:pPr lvl="1"/>
+              <a:t>Cheap </a:t>
+            </a:r>
+            <a:r>
+              <a:rPr lang="en-US" dirty="0" err="1"/>
+              <a:t>wifi</a:t>
+            </a:r>
             <a:r>
               <a:rPr lang="en-US" dirty="0"/>
-              <a:t>For example 3.3V to 5V</a:t>
+              <a:t> module (6 euro’s)</a:t>
             </a:r>
           </a:p>
           <a:p>
             <a:r>
               <a:rPr lang="en-US" dirty="0"/>
-              <a:t>TXB0108 uses 2 voltage supply’s</a:t>
-            </a:r>
-          </a:p>
-          <a:p>
-            <a:pPr lvl="1"/>
-            <a:r>
-              <a:rPr lang="en-US" dirty="0" err="1"/>
-              <a:t>Vcca</a:t>
-            </a:r>
+              <a:t>with onboard System On chip</a:t>
+            </a:r>
+          </a:p>
+          <a:p>
             <a:r>
               <a:rPr lang="en-US" dirty="0"/>
-              <a:t> =&gt; 1.2V to 3.6V</a:t>
-            </a:r>
-          </a:p>
-          <a:p>
-            <a:pPr lvl="1"/>
-            <a:r>
-              <a:rPr lang="en-US" dirty="0" err="1"/>
-              <a:t>Vccb</a:t>
-            </a:r>
+              <a:t>Communicating protocol=&gt; AT commands via serial port  </a:t>
+            </a:r>
+          </a:p>
+          <a:p>
             <a:r>
               <a:rPr lang="en-US" dirty="0"/>
-              <a:t> =&gt;1.65V to 5.5V</a:t>
+              <a:t>No components under the antenna!</a:t>
             </a:r>
           </a:p>
           <a:p>
             <a:r>
               <a:rPr lang="en-US" dirty="0"/>
-              <a:t>Needs to be used because of the esp8266</a:t>
-            </a:r>
-          </a:p>
+              <a:t>3.3V ONLY!!! No 5V tolerant I/O</a:t>
+            </a:r>
+          </a:p>
+          <a:p>
+            <a:endParaRPr lang="en-US" dirty="0"/>
+          </a:p>
+          <a:p>
+            <a:endParaRPr lang="en-US" dirty="0"/>
+          </a:p>
+          <a:p>
+            <a:endParaRPr lang="en-US" dirty="0"/>
+          </a:p>
+          <a:p>
+            <a:endParaRPr lang="en-US" dirty="0"/>
+          </a:p>
+        </p:txBody>
+      </p:sp>
+      <p:sp>
+        <p:nvSpPr>
+          <p:cNvPr id="3" name="Titel 2"/>
+          <p:cNvSpPr>
+            <a:spLocks noGrp="1"/>
+          </p:cNvSpPr>
+          <p:nvPr>
+            <p:ph type="title"/>
+          </p:nvPr>
+        </p:nvSpPr>
+        <p:spPr/>
+        <p:txBody>
+          <a:bodyPr/>
+          <a:lstStyle/>
           <a:p>
             <a:r>
               <a:rPr lang="en-US" dirty="0"/>
-              <a:t>Level shifter needs to be enabled via OE pin</a:t>
-            </a:r>
-          </a:p>
-        </p:txBody>
-      </p:sp>
-      <p:sp>
-        <p:nvSpPr>
-          <p:cNvPr id="3" name="Titel 2"/>
-          <p:cNvSpPr>
-            <a:spLocks noGrp="1"/>
-          </p:cNvSpPr>
-          <p:nvPr>
-            <p:ph type="title"/>
-          </p:nvPr>
-        </p:nvSpPr>
-        <p:spPr/>
-        <p:txBody>
-          <a:bodyPr/>
-          <a:lstStyle/>
-          <a:p>
-            <a:r>
-              <a:rPr lang="en-US" dirty="0"/>
-              <a:t>Level shifter </a:t>
+              <a:t>ESP8266</a:t>
             </a:r>
           </a:p>
         </p:txBody>
@@ -6278,6 +6322,22 @@
           <a:bodyPr/>
           <a:lstStyle/>
           <a:p>
+            <a:r>
+              <a:rPr lang="nl-BE" dirty="0"/>
+              <a:t>Marvin </a:t>
+            </a:r>
+            <a:r>
+              <a:rPr lang="nl-BE" dirty="0" err="1"/>
+              <a:t>the</a:t>
+            </a:r>
+            <a:r>
+              <a:rPr lang="nl-BE" dirty="0"/>
+              <a:t> </a:t>
+            </a:r>
+            <a:r>
+              <a:rPr lang="nl-BE" dirty="0" err="1"/>
+              <a:t>hackbot</a:t>
+            </a:r>
             <a:endParaRPr lang="nl-BE" dirty="0"/>
           </a:p>
         </p:txBody>
@@ -6285,7 +6345,7 @@
     </p:spTree>
     <p:extLst>
       <p:ext uri="{BB962C8B-B14F-4D97-AF65-F5344CB8AC3E}">
-        <p14:creationId xmlns:p14="http://schemas.microsoft.com/office/powerpoint/2010/main" val="2718649403"/>
+        <p14:creationId xmlns:p14="http://schemas.microsoft.com/office/powerpoint/2010/main" val="1159016650"/>
       </p:ext>
     </p:extLst>
   </p:cSld>
@@ -6336,8 +6396,8 @@
         </p:blipFill>
         <p:spPr>
           <a:xfrm>
-            <a:off x="152400" y="14514"/>
-            <a:ext cx="8991600" cy="5471886"/>
+            <a:off x="0" y="1142984"/>
+            <a:ext cx="9144000" cy="4419616"/>
           </a:xfrm>
         </p:spPr>
       </p:pic>
@@ -6358,9 +6418,8 @@
           <a:p>
             <a:r>
               <a:rPr lang="en-US" dirty="0"/>
-              <a:t>Level shifter </a:t>
-            </a:r>
-            <a:endParaRPr lang="en-US" dirty="0"/>
+              <a:t>ESP8266 V2 &amp; V3</a:t>
+            </a:r>
           </a:p>
         </p:txBody>
       </p:sp>
@@ -6403,6 +6462,22 @@
           <a:bodyPr/>
           <a:lstStyle/>
           <a:p>
+            <a:r>
+              <a:rPr lang="nl-BE" dirty="0"/>
+              <a:t>Marvin </a:t>
+            </a:r>
+            <a:r>
+              <a:rPr lang="nl-BE" dirty="0" err="1"/>
+              <a:t>the</a:t>
+            </a:r>
+            <a:r>
+              <a:rPr lang="nl-BE" dirty="0"/>
+              <a:t> </a:t>
+            </a:r>
+            <a:r>
+              <a:rPr lang="nl-BE" dirty="0" err="1"/>
+              <a:t>hackbot</a:t>
+            </a:r>
             <a:endParaRPr lang="nl-BE" dirty="0"/>
           </a:p>
         </p:txBody>
@@ -6410,7 +6485,7 @@
     </p:spTree>
     <p:extLst>
       <p:ext uri="{BB962C8B-B14F-4D97-AF65-F5344CB8AC3E}">
-        <p14:creationId xmlns:p14="http://schemas.microsoft.com/office/powerpoint/2010/main" val="1546482548"/>
+        <p14:creationId xmlns:p14="http://schemas.microsoft.com/office/powerpoint/2010/main" val="3832822112"/>
       </p:ext>
     </p:extLst>
   </p:cSld>
@@ -6447,68 +6522,67 @@
             <p:ph idx="1"/>
           </p:nvPr>
         </p:nvSpPr>
-        <p:spPr/>
+        <p:spPr>
+          <a:xfrm>
+            <a:off x="-7257" y="1142984"/>
+            <a:ext cx="9144000" cy="4428000"/>
+          </a:xfrm>
+        </p:spPr>
         <p:txBody>
           <a:bodyPr/>
           <a:lstStyle/>
           <a:p>
             <a:r>
               <a:rPr lang="en-US" dirty="0"/>
-              <a:t>Using h-bridge</a:t>
-            </a:r>
-          </a:p>
-          <a:p>
-            <a:endParaRPr lang="en-US" dirty="0"/>
-          </a:p>
-          <a:p>
-            <a:endParaRPr lang="en-US" dirty="0"/>
-          </a:p>
-          <a:p>
+              <a:t>Converts signal other voltage level</a:t>
+            </a:r>
+          </a:p>
+          <a:p>
+            <a:pPr lvl="1"/>
             <a:r>
               <a:rPr lang="en-US" dirty="0"/>
-              <a:t>TB6612FNG</a:t>
+              <a:t>For example 3.3V to 5V</a:t>
+            </a:r>
+          </a:p>
+          <a:p>
+            <a:r>
+              <a:rPr lang="en-US" dirty="0"/>
+              <a:t>TXB0108 uses 2 voltage supply’s</a:t>
             </a:r>
           </a:p>
           <a:p>
             <a:pPr lvl="1"/>
             <a:r>
+              <a:rPr lang="en-US" dirty="0" err="1"/>
+              <a:t>Vcca</a:t>
+            </a:r>
+            <a:r>
               <a:rPr lang="en-US" dirty="0"/>
-              <a:t>Integrated H-bridge with integrated control circuit’</a:t>
-            </a:r>
-          </a:p>
-          <a:p>
-            <a:pPr lvl="2"/>
+              <a:t> =&gt; 1.2V to 3.6V</a:t>
+            </a:r>
+          </a:p>
+          <a:p>
+            <a:pPr lvl="1"/>
+            <a:r>
+              <a:rPr lang="en-US" dirty="0" err="1"/>
+              <a:t>Vccb</a:t>
+            </a:r>
             <a:r>
               <a:rPr lang="en-US" dirty="0"/>
-              <a:t>No need to worry about short circuiting the internal </a:t>
-            </a:r>
-            <a:r>
-              <a:rPr lang="en-US" dirty="0" err="1"/>
-              <a:t>mosfets</a:t>
-            </a:r>
-            <a:endParaRPr lang="en-US" dirty="0"/>
-          </a:p>
-          <a:p>
-            <a:r>
-              <a:rPr lang="en-US" dirty="0" err="1"/>
-              <a:t>Iout</a:t>
-            </a:r>
+              <a:t> =&gt;1.65V to 5.5V</a:t>
+            </a:r>
+          </a:p>
+          <a:p>
             <a:r>
               <a:rPr lang="en-US" dirty="0"/>
-              <a:t> 1.2A Max with peak current up to 3.2A</a:t>
-            </a:r>
-          </a:p>
-          <a:p>
-            <a:pPr marL="65087" indent="0">
-              <a:buNone/>
-            </a:pPr>
-            <a:endParaRPr lang="en-US" dirty="0"/>
-          </a:p>
-          <a:p>
-            <a:pPr marL="65087" indent="0">
-              <a:buNone/>
-            </a:pPr>
-            <a:endParaRPr lang="en-US" dirty="0"/>
+              <a:t>Needs to be used because of the esp8266</a:t>
+            </a:r>
+          </a:p>
+          <a:p>
+            <a:r>
+              <a:rPr lang="en-US" dirty="0"/>
+              <a:t>Level shifter needs to be enabled via OE pin</a:t>
+            </a:r>
           </a:p>
         </p:txBody>
       </p:sp>
@@ -6529,7 +6603,7 @@
           <a:p>
             <a:r>
               <a:rPr lang="en-US" dirty="0"/>
-              <a:t>Motor driver </a:t>
+              <a:t>Level shifter </a:t>
             </a:r>
           </a:p>
         </p:txBody>
@@ -6573,6 +6647,348 @@
           <a:bodyPr/>
           <a:lstStyle/>
           <a:p>
+            <a:r>
+              <a:rPr lang="nl-BE" dirty="0"/>
+              <a:t>Marvin </a:t>
+            </a:r>
+            <a:r>
+              <a:rPr lang="nl-BE" dirty="0" err="1"/>
+              <a:t>the</a:t>
+            </a:r>
+            <a:r>
+              <a:rPr lang="nl-BE" dirty="0"/>
+              <a:t> </a:t>
+            </a:r>
+            <a:r>
+              <a:rPr lang="nl-BE" dirty="0" err="1"/>
+              <a:t>hackbot</a:t>
+            </a:r>
+            <a:endParaRPr lang="nl-BE" dirty="0"/>
+          </a:p>
+        </p:txBody>
+      </p:sp>
+    </p:spTree>
+    <p:extLst>
+      <p:ext uri="{BB962C8B-B14F-4D97-AF65-F5344CB8AC3E}">
+        <p14:creationId xmlns:p14="http://schemas.microsoft.com/office/powerpoint/2010/main" val="2718649403"/>
+      </p:ext>
+    </p:extLst>
+  </p:cSld>
+  <p:clrMapOvr>
+    <a:masterClrMapping/>
+  </p:clrMapOvr>
+</p:sld>
+</file>
+
+<file path=ppt/slides/slide16.xml><?xml version="1.0" encoding="utf-8"?>
+<p:sld xmlns:a="http://schemas.openxmlformats.org/drawingml/2006/main" xmlns:r="http://schemas.openxmlformats.org/officeDocument/2006/relationships" xmlns:p="http://schemas.openxmlformats.org/presentationml/2006/main">
+  <p:cSld>
+    <p:spTree>
+      <p:nvGrpSpPr>
+        <p:cNvPr id="1" name=""/>
+        <p:cNvGrpSpPr/>
+        <p:nvPr/>
+      </p:nvGrpSpPr>
+      <p:grpSpPr>
+        <a:xfrm>
+          <a:off x="0" y="0"/>
+          <a:ext cx="0" cy="0"/>
+          <a:chOff x="0" y="0"/>
+          <a:chExt cx="0" cy="0"/>
+        </a:xfrm>
+      </p:grpSpPr>
+      <p:pic>
+        <p:nvPicPr>
+          <p:cNvPr id="6" name="Tijdelijke aanduiding voor inhoud 5"/>
+          <p:cNvPicPr>
+            <a:picLocks noGrp="1" noChangeAspect="1"/>
+          </p:cNvPicPr>
+          <p:nvPr>
+            <p:ph idx="1"/>
+          </p:nvPr>
+        </p:nvPicPr>
+        <p:blipFill>
+          <a:blip r:embed="rId3">
+            <a:extLst>
+              <a:ext uri="{28A0092B-C50C-407E-A947-70E740481C1C}">
+                <a14:useLocalDpi xmlns:a14="http://schemas.microsoft.com/office/drawing/2010/main" val="0"/>
+              </a:ext>
+            </a:extLst>
+          </a:blip>
+          <a:stretch>
+            <a:fillRect/>
+          </a:stretch>
+        </p:blipFill>
+        <p:spPr>
+          <a:xfrm>
+            <a:off x="39678" y="1142984"/>
+            <a:ext cx="9021781" cy="4343416"/>
+          </a:xfrm>
+        </p:spPr>
+      </p:pic>
+      <p:sp>
+        <p:nvSpPr>
+          <p:cNvPr id="3" name="Titel 2"/>
+          <p:cNvSpPr>
+            <a:spLocks noGrp="1"/>
+          </p:cNvSpPr>
+          <p:nvPr>
+            <p:ph type="title"/>
+          </p:nvPr>
+        </p:nvSpPr>
+        <p:spPr/>
+        <p:txBody>
+          <a:bodyPr/>
+          <a:lstStyle/>
+          <a:p>
+            <a:r>
+              <a:rPr lang="en-US" dirty="0"/>
+              <a:t>Level shifter V2 &amp; V3 </a:t>
+            </a:r>
+          </a:p>
+        </p:txBody>
+      </p:sp>
+      <p:sp>
+        <p:nvSpPr>
+          <p:cNvPr id="4" name="Tijdelijke aanduiding voor dianummer 3"/>
+          <p:cNvSpPr>
+            <a:spLocks noGrp="1"/>
+          </p:cNvSpPr>
+          <p:nvPr>
+            <p:ph type="sldNum" sz="quarter" idx="11"/>
+          </p:nvPr>
+        </p:nvSpPr>
+        <p:spPr/>
+        <p:txBody>
+          <a:bodyPr/>
+          <a:lstStyle/>
+          <a:p>
+            <a:fld id="{3B80295F-48CD-49FC-897A-CCEC919B8070}" type="slidenum">
+              <a:rPr lang="nl-BE" smtClean="0"/>
+              <a:pPr/>
+              <a:t>16</a:t>
+            </a:fld>
+            <a:endParaRPr lang="nl-BE" dirty="0"/>
+          </a:p>
+        </p:txBody>
+      </p:sp>
+      <p:sp>
+        <p:nvSpPr>
+          <p:cNvPr id="5" name="Tijdelijke aanduiding voor voettekst 4"/>
+          <p:cNvSpPr>
+            <a:spLocks noGrp="1"/>
+          </p:cNvSpPr>
+          <p:nvPr>
+            <p:ph type="ftr" sz="quarter" idx="12"/>
+          </p:nvPr>
+        </p:nvSpPr>
+        <p:spPr/>
+        <p:txBody>
+          <a:bodyPr/>
+          <a:lstStyle/>
+          <a:p>
+            <a:r>
+              <a:rPr lang="nl-BE" dirty="0"/>
+              <a:t>Marvin </a:t>
+            </a:r>
+            <a:r>
+              <a:rPr lang="nl-BE" dirty="0" err="1"/>
+              <a:t>the</a:t>
+            </a:r>
+            <a:r>
+              <a:rPr lang="nl-BE" dirty="0"/>
+              <a:t> </a:t>
+            </a:r>
+            <a:r>
+              <a:rPr lang="nl-BE" dirty="0" err="1"/>
+              <a:t>hackbot</a:t>
+            </a:r>
+            <a:endParaRPr lang="nl-BE" dirty="0"/>
+          </a:p>
+        </p:txBody>
+      </p:sp>
+    </p:spTree>
+    <p:extLst>
+      <p:ext uri="{BB962C8B-B14F-4D97-AF65-F5344CB8AC3E}">
+        <p14:creationId xmlns:p14="http://schemas.microsoft.com/office/powerpoint/2010/main" val="1546482548"/>
+      </p:ext>
+    </p:extLst>
+  </p:cSld>
+  <p:clrMapOvr>
+    <a:masterClrMapping/>
+  </p:clrMapOvr>
+</p:sld>
+</file>
+
+<file path=ppt/slides/slide17.xml><?xml version="1.0" encoding="utf-8"?>
+<p:sld xmlns:a="http://schemas.openxmlformats.org/drawingml/2006/main" xmlns:r="http://schemas.openxmlformats.org/officeDocument/2006/relationships" xmlns:p="http://schemas.openxmlformats.org/presentationml/2006/main">
+  <p:cSld>
+    <p:spTree>
+      <p:nvGrpSpPr>
+        <p:cNvPr id="1" name=""/>
+        <p:cNvGrpSpPr/>
+        <p:nvPr/>
+      </p:nvGrpSpPr>
+      <p:grpSpPr>
+        <a:xfrm>
+          <a:off x="0" y="0"/>
+          <a:ext cx="0" cy="0"/>
+          <a:chOff x="0" y="0"/>
+          <a:chExt cx="0" cy="0"/>
+        </a:xfrm>
+      </p:grpSpPr>
+      <p:sp>
+        <p:nvSpPr>
+          <p:cNvPr id="2" name="Tijdelijke aanduiding voor inhoud 1"/>
+          <p:cNvSpPr>
+            <a:spLocks noGrp="1"/>
+          </p:cNvSpPr>
+          <p:nvPr>
+            <p:ph idx="1"/>
+          </p:nvPr>
+        </p:nvSpPr>
+        <p:spPr/>
+        <p:txBody>
+          <a:bodyPr/>
+          <a:lstStyle/>
+          <a:p>
+            <a:r>
+              <a:rPr lang="en-US" dirty="0"/>
+              <a:t>Using h-bridge</a:t>
+            </a:r>
+          </a:p>
+          <a:p>
+            <a:endParaRPr lang="en-US" dirty="0"/>
+          </a:p>
+          <a:p>
+            <a:endParaRPr lang="en-US" dirty="0"/>
+          </a:p>
+          <a:p>
+            <a:r>
+              <a:rPr lang="en-US" dirty="0"/>
+              <a:t>TB6612FNG</a:t>
+            </a:r>
+          </a:p>
+          <a:p>
+            <a:pPr lvl="1"/>
+            <a:r>
+              <a:rPr lang="en-US" dirty="0"/>
+              <a:t>Integrated H-bridge with integrated control circuit’</a:t>
+            </a:r>
+          </a:p>
+          <a:p>
+            <a:pPr lvl="2"/>
+            <a:r>
+              <a:rPr lang="en-US" dirty="0"/>
+              <a:t>No need to worry about short circuiting the internal </a:t>
+            </a:r>
+            <a:r>
+              <a:rPr lang="en-US" dirty="0" err="1"/>
+              <a:t>mosfets</a:t>
+            </a:r>
+            <a:endParaRPr lang="en-US" dirty="0"/>
+          </a:p>
+          <a:p>
+            <a:r>
+              <a:rPr lang="en-US" dirty="0" err="1"/>
+              <a:t>Iout</a:t>
+            </a:r>
+            <a:r>
+              <a:rPr lang="en-US" dirty="0"/>
+              <a:t> 1.2A Max with peak current up to 3.2A</a:t>
+            </a:r>
+          </a:p>
+          <a:p>
+            <a:pPr marL="65087" indent="0">
+              <a:buNone/>
+            </a:pPr>
+            <a:endParaRPr lang="en-US" dirty="0"/>
+          </a:p>
+          <a:p>
+            <a:pPr marL="65087" indent="0">
+              <a:buNone/>
+            </a:pPr>
+            <a:endParaRPr lang="en-US" dirty="0"/>
+          </a:p>
+        </p:txBody>
+      </p:sp>
+      <p:sp>
+        <p:nvSpPr>
+          <p:cNvPr id="3" name="Titel 2"/>
+          <p:cNvSpPr>
+            <a:spLocks noGrp="1"/>
+          </p:cNvSpPr>
+          <p:nvPr>
+            <p:ph type="title"/>
+          </p:nvPr>
+        </p:nvSpPr>
+        <p:spPr/>
+        <p:txBody>
+          <a:bodyPr/>
+          <a:lstStyle/>
+          <a:p>
+            <a:r>
+              <a:rPr lang="en-US" dirty="0"/>
+              <a:t>Motor driver </a:t>
+            </a:r>
+          </a:p>
+        </p:txBody>
+      </p:sp>
+      <p:sp>
+        <p:nvSpPr>
+          <p:cNvPr id="4" name="Tijdelijke aanduiding voor dianummer 3"/>
+          <p:cNvSpPr>
+            <a:spLocks noGrp="1"/>
+          </p:cNvSpPr>
+          <p:nvPr>
+            <p:ph type="sldNum" sz="quarter" idx="11"/>
+          </p:nvPr>
+        </p:nvSpPr>
+        <p:spPr/>
+        <p:txBody>
+          <a:bodyPr/>
+          <a:lstStyle/>
+          <a:p>
+            <a:fld id="{3B80295F-48CD-49FC-897A-CCEC919B8070}" type="slidenum">
+              <a:rPr lang="nl-BE" smtClean="0"/>
+              <a:pPr/>
+              <a:t>17</a:t>
+            </a:fld>
+            <a:endParaRPr lang="nl-BE" dirty="0"/>
+          </a:p>
+        </p:txBody>
+      </p:sp>
+      <p:sp>
+        <p:nvSpPr>
+          <p:cNvPr id="5" name="Tijdelijke aanduiding voor voettekst 4"/>
+          <p:cNvSpPr>
+            <a:spLocks noGrp="1"/>
+          </p:cNvSpPr>
+          <p:nvPr>
+            <p:ph type="ftr" sz="quarter" idx="12"/>
+          </p:nvPr>
+        </p:nvSpPr>
+        <p:spPr/>
+        <p:txBody>
+          <a:bodyPr/>
+          <a:lstStyle/>
+          <a:p>
+            <a:r>
+              <a:rPr lang="nl-BE" dirty="0"/>
+              <a:t>Marvin </a:t>
+            </a:r>
+            <a:r>
+              <a:rPr lang="nl-BE" dirty="0" err="1"/>
+              <a:t>the</a:t>
+            </a:r>
+            <a:r>
+              <a:rPr lang="nl-BE" dirty="0"/>
+              <a:t> </a:t>
+            </a:r>
+            <a:r>
+              <a:rPr lang="nl-BE" dirty="0" err="1"/>
+              <a:t>hackbot</a:t>
+            </a:r>
             <a:endParaRPr lang="nl-BE" dirty="0"/>
           </a:p>
         </p:txBody>
@@ -6620,7 +7036,7 @@
 </p:sld>
 </file>
 
-<file path=ppt/slides/slide16.xml><?xml version="1.0" encoding="utf-8"?>
+<file path=ppt/slides/slide18.xml><?xml version="1.0" encoding="utf-8"?>
 <p:sld xmlns:a="http://schemas.openxmlformats.org/drawingml/2006/main" xmlns:r="http://schemas.openxmlformats.org/officeDocument/2006/relationships" xmlns:p="http://schemas.openxmlformats.org/presentationml/2006/main">
   <p:cSld>
     <p:spTree>
@@ -6683,9 +7099,8 @@
           <a:p>
             <a:r>
               <a:rPr lang="en-US" dirty="0"/>
-              <a:t>Motor driver </a:t>
-            </a:r>
-            <a:endParaRPr lang="en-US" dirty="0"/>
+              <a:t>Motor driver V2 &amp; V3 </a:t>
+            </a:r>
           </a:p>
         </p:txBody>
       </p:sp>
@@ -6707,7 +7122,7 @@
             <a:fld id="{3B80295F-48CD-49FC-897A-CCEC919B8070}" type="slidenum">
               <a:rPr lang="nl-BE" smtClean="0"/>
               <a:pPr/>
-              <a:t>16</a:t>
+              <a:t>18</a:t>
             </a:fld>
             <a:endParaRPr lang="nl-BE" dirty="0"/>
           </a:p>
@@ -6728,6 +7143,22 @@
           <a:bodyPr/>
           <a:lstStyle/>
           <a:p>
+            <a:r>
+              <a:rPr lang="nl-BE" dirty="0"/>
+              <a:t>Marvin </a:t>
+            </a:r>
+            <a:r>
+              <a:rPr lang="nl-BE" dirty="0" err="1"/>
+              <a:t>the</a:t>
+            </a:r>
+            <a:r>
+              <a:rPr lang="nl-BE" dirty="0"/>
+              <a:t> </a:t>
+            </a:r>
+            <a:r>
+              <a:rPr lang="nl-BE" dirty="0" err="1"/>
+              <a:t>hackbot</a:t>
+            </a:r>
             <a:endParaRPr lang="nl-BE" dirty="0"/>
           </a:p>
         </p:txBody>
@@ -6745,7 +7176,7 @@
 </p:sld>
 </file>
 
-<file path=ppt/slides/slide17.xml><?xml version="1.0" encoding="utf-8"?>
+<file path=ppt/slides/slide19.xml><?xml version="1.0" encoding="utf-8"?>
 <p:sld xmlns:a="http://schemas.openxmlformats.org/drawingml/2006/main" xmlns:r="http://schemas.openxmlformats.org/officeDocument/2006/relationships" xmlns:p="http://schemas.openxmlformats.org/presentationml/2006/main">
   <p:cSld>
     <p:spTree>
@@ -6894,7 +7325,7 @@
             <a:fld id="{3B80295F-48CD-49FC-897A-CCEC919B8070}" type="slidenum">
               <a:rPr lang="nl-BE" smtClean="0"/>
               <a:pPr/>
-              <a:t>17</a:t>
+              <a:t>19</a:t>
             </a:fld>
             <a:endParaRPr lang="nl-BE" dirty="0"/>
           </a:p>
@@ -6915,6 +7346,22 @@
           <a:bodyPr/>
           <a:lstStyle/>
           <a:p>
+            <a:r>
+              <a:rPr lang="nl-BE" dirty="0"/>
+              <a:t>Marvin </a:t>
+            </a:r>
+            <a:r>
+              <a:rPr lang="nl-BE" dirty="0" err="1"/>
+              <a:t>the</a:t>
+            </a:r>
+            <a:r>
+              <a:rPr lang="nl-BE" dirty="0"/>
+              <a:t> </a:t>
+            </a:r>
+            <a:r>
+              <a:rPr lang="nl-BE" dirty="0" err="1"/>
+              <a:t>hackbot</a:t>
+            </a:r>
             <a:endParaRPr lang="nl-BE" dirty="0"/>
           </a:p>
         </p:txBody>
@@ -6962,358 +7409,6 @@
 </p:sld>
 </file>
 
-<file path=ppt/slides/slide18.xml><?xml version="1.0" encoding="utf-8"?>
-<p:sld xmlns:a="http://schemas.openxmlformats.org/drawingml/2006/main" xmlns:r="http://schemas.openxmlformats.org/officeDocument/2006/relationships" xmlns:p="http://schemas.openxmlformats.org/presentationml/2006/main">
-  <p:cSld>
-    <p:spTree>
-      <p:nvGrpSpPr>
-        <p:cNvPr id="1" name=""/>
-        <p:cNvGrpSpPr/>
-        <p:nvPr/>
-      </p:nvGrpSpPr>
-      <p:grpSpPr>
-        <a:xfrm>
-          <a:off x="0" y="0"/>
-          <a:ext cx="0" cy="0"/>
-          <a:chOff x="0" y="0"/>
-          <a:chExt cx="0" cy="0"/>
-        </a:xfrm>
-      </p:grpSpPr>
-      <p:pic>
-        <p:nvPicPr>
-          <p:cNvPr id="6" name="Tijdelijke aanduiding voor inhoud 5"/>
-          <p:cNvPicPr>
-            <a:picLocks noGrp="1" noChangeAspect="1"/>
-          </p:cNvPicPr>
-          <p:nvPr>
-            <p:ph idx="1"/>
-          </p:nvPr>
-        </p:nvPicPr>
-        <p:blipFill>
-          <a:blip r:embed="rId3">
-            <a:extLst>
-              <a:ext uri="{28A0092B-C50C-407E-A947-70E740481C1C}">
-                <a14:useLocalDpi xmlns:a14="http://schemas.microsoft.com/office/drawing/2010/main" val="0"/>
-              </a:ext>
-            </a:extLst>
-          </a:blip>
-          <a:stretch>
-            <a:fillRect/>
-          </a:stretch>
-        </p:blipFill>
-        <p:spPr>
-          <a:xfrm>
-            <a:off x="18142" y="1142984"/>
-            <a:ext cx="9125858" cy="4377220"/>
-          </a:xfrm>
-        </p:spPr>
-      </p:pic>
-      <p:sp>
-        <p:nvSpPr>
-          <p:cNvPr id="3" name="Titel 2"/>
-          <p:cNvSpPr>
-            <a:spLocks noGrp="1"/>
-          </p:cNvSpPr>
-          <p:nvPr>
-            <p:ph type="title"/>
-          </p:nvPr>
-        </p:nvSpPr>
-        <p:spPr/>
-        <p:txBody>
-          <a:bodyPr/>
-          <a:lstStyle/>
-          <a:p>
-            <a:r>
-              <a:rPr lang="en-US" dirty="0" err="1"/>
-              <a:t>Rc</a:t>
-            </a:r>
-            <a:r>
-              <a:rPr lang="en-US" dirty="0"/>
-              <a:t> </a:t>
-            </a:r>
-            <a:r>
-              <a:rPr lang="en-US" dirty="0" err="1"/>
-              <a:t>reciever</a:t>
-            </a:r>
-            <a:endParaRPr lang="en-US" dirty="0"/>
-          </a:p>
-        </p:txBody>
-      </p:sp>
-      <p:sp>
-        <p:nvSpPr>
-          <p:cNvPr id="4" name="Tijdelijke aanduiding voor dianummer 3"/>
-          <p:cNvSpPr>
-            <a:spLocks noGrp="1"/>
-          </p:cNvSpPr>
-          <p:nvPr>
-            <p:ph type="sldNum" sz="quarter" idx="11"/>
-          </p:nvPr>
-        </p:nvSpPr>
-        <p:spPr/>
-        <p:txBody>
-          <a:bodyPr/>
-          <a:lstStyle/>
-          <a:p>
-            <a:fld id="{3B80295F-48CD-49FC-897A-CCEC919B8070}" type="slidenum">
-              <a:rPr lang="nl-BE" smtClean="0"/>
-              <a:pPr/>
-              <a:t>18</a:t>
-            </a:fld>
-            <a:endParaRPr lang="nl-BE" dirty="0"/>
-          </a:p>
-        </p:txBody>
-      </p:sp>
-      <p:sp>
-        <p:nvSpPr>
-          <p:cNvPr id="5" name="Tijdelijke aanduiding voor voettekst 4"/>
-          <p:cNvSpPr>
-            <a:spLocks noGrp="1"/>
-          </p:cNvSpPr>
-          <p:nvPr>
-            <p:ph type="ftr" sz="quarter" idx="12"/>
-          </p:nvPr>
-        </p:nvSpPr>
-        <p:spPr/>
-        <p:txBody>
-          <a:bodyPr/>
-          <a:lstStyle/>
-          <a:p>
-            <a:endParaRPr lang="nl-BE" dirty="0"/>
-          </a:p>
-        </p:txBody>
-      </p:sp>
-    </p:spTree>
-    <p:extLst>
-      <p:ext uri="{BB962C8B-B14F-4D97-AF65-F5344CB8AC3E}">
-        <p14:creationId xmlns:p14="http://schemas.microsoft.com/office/powerpoint/2010/main" val="1824692388"/>
-      </p:ext>
-    </p:extLst>
-  </p:cSld>
-  <p:clrMapOvr>
-    <a:masterClrMapping/>
-  </p:clrMapOvr>
-</p:sld>
-</file>
-
-<file path=ppt/slides/slide19.xml><?xml version="1.0" encoding="utf-8"?>
-<p:sld xmlns:a="http://schemas.openxmlformats.org/drawingml/2006/main" xmlns:r="http://schemas.openxmlformats.org/officeDocument/2006/relationships" xmlns:p="http://schemas.openxmlformats.org/presentationml/2006/main">
-  <p:cSld>
-    <p:spTree>
-      <p:nvGrpSpPr>
-        <p:cNvPr id="1" name=""/>
-        <p:cNvGrpSpPr/>
-        <p:nvPr/>
-      </p:nvGrpSpPr>
-      <p:grpSpPr>
-        <a:xfrm>
-          <a:off x="0" y="0"/>
-          <a:ext cx="0" cy="0"/>
-          <a:chOff x="0" y="0"/>
-          <a:chExt cx="0" cy="0"/>
-        </a:xfrm>
-      </p:grpSpPr>
-      <p:sp>
-        <p:nvSpPr>
-          <p:cNvPr id="3" name="Titel 2"/>
-          <p:cNvSpPr>
-            <a:spLocks noGrp="1"/>
-          </p:cNvSpPr>
-          <p:nvPr>
-            <p:ph type="title"/>
-          </p:nvPr>
-        </p:nvSpPr>
-        <p:spPr/>
-        <p:txBody>
-          <a:bodyPr/>
-          <a:lstStyle/>
-          <a:p>
-            <a:r>
-              <a:rPr lang="en-US" dirty="0"/>
-              <a:t>Ultrasonic distance sensor </a:t>
-            </a:r>
-          </a:p>
-        </p:txBody>
-      </p:sp>
-      <p:sp>
-        <p:nvSpPr>
-          <p:cNvPr id="4" name="Tijdelijke aanduiding voor dianummer 3"/>
-          <p:cNvSpPr>
-            <a:spLocks noGrp="1"/>
-          </p:cNvSpPr>
-          <p:nvPr>
-            <p:ph type="sldNum" sz="quarter" idx="11"/>
-          </p:nvPr>
-        </p:nvSpPr>
-        <p:spPr/>
-        <p:txBody>
-          <a:bodyPr/>
-          <a:lstStyle/>
-          <a:p>
-            <a:fld id="{3B80295F-48CD-49FC-897A-CCEC919B8070}" type="slidenum">
-              <a:rPr lang="nl-BE" smtClean="0"/>
-              <a:pPr/>
-              <a:t>19</a:t>
-            </a:fld>
-            <a:endParaRPr lang="nl-BE" dirty="0"/>
-          </a:p>
-        </p:txBody>
-      </p:sp>
-      <p:sp>
-        <p:nvSpPr>
-          <p:cNvPr id="5" name="Tijdelijke aanduiding voor voettekst 4"/>
-          <p:cNvSpPr>
-            <a:spLocks noGrp="1"/>
-          </p:cNvSpPr>
-          <p:nvPr>
-            <p:ph type="ftr" sz="quarter" idx="12"/>
-          </p:nvPr>
-        </p:nvSpPr>
-        <p:spPr/>
-        <p:txBody>
-          <a:bodyPr/>
-          <a:lstStyle/>
-          <a:p>
-            <a:endParaRPr lang="nl-BE" dirty="0"/>
-          </a:p>
-        </p:txBody>
-      </p:sp>
-      <p:sp>
-        <p:nvSpPr>
-          <p:cNvPr id="7" name="Tijdelijke aanduiding voor inhoud 6"/>
-          <p:cNvSpPr>
-            <a:spLocks noGrp="1"/>
-          </p:cNvSpPr>
-          <p:nvPr>
-            <p:ph idx="1"/>
-          </p:nvPr>
-        </p:nvSpPr>
-        <p:spPr/>
-        <p:txBody>
-          <a:bodyPr/>
-          <a:lstStyle/>
-          <a:p>
-            <a:r>
-              <a:rPr lang="en-US" dirty="0"/>
-              <a:t>Measurement using sound  </a:t>
-            </a:r>
-          </a:p>
-          <a:p>
-            <a:r>
-              <a:rPr lang="en-US" dirty="0"/>
-              <a:t>4 pins</a:t>
-            </a:r>
-          </a:p>
-          <a:p>
-            <a:pPr lvl="1"/>
-            <a:r>
-              <a:rPr lang="en-US" dirty="0" err="1"/>
-              <a:t>Gnd</a:t>
-            </a:r>
-            <a:r>
-              <a:rPr lang="en-US" dirty="0"/>
-              <a:t>, </a:t>
-            </a:r>
-            <a:r>
-              <a:rPr lang="en-US" dirty="0" err="1"/>
-              <a:t>vcc</a:t>
-            </a:r>
-            <a:r>
-              <a:rPr lang="en-US" dirty="0"/>
-              <a:t> </a:t>
-            </a:r>
-            <a:r>
-              <a:rPr lang="en-US" dirty="0" err="1"/>
-              <a:t>triger</a:t>
-            </a:r>
-            <a:r>
-              <a:rPr lang="en-US" dirty="0"/>
-              <a:t> input and echo output </a:t>
-            </a:r>
-          </a:p>
-          <a:p>
-            <a:r>
-              <a:rPr lang="en-US" dirty="0"/>
-              <a:t>Echo </a:t>
-            </a:r>
-            <a:r>
-              <a:rPr lang="en-US" dirty="0" err="1"/>
-              <a:t>puls</a:t>
-            </a:r>
-            <a:r>
-              <a:rPr lang="en-US" dirty="0"/>
-              <a:t> with proportional to distance </a:t>
-            </a:r>
-          </a:p>
-          <a:p>
-            <a:pPr lvl="1"/>
-            <a:r>
-              <a:rPr lang="en-US" dirty="0"/>
-              <a:t>distance = high level time * velocity (340M/S) / 2</a:t>
-            </a:r>
-          </a:p>
-          <a:p>
-            <a:pPr lvl="2"/>
-            <a:r>
-              <a:rPr lang="en-US" dirty="0"/>
-              <a:t>High level= duration of </a:t>
-            </a:r>
-            <a:r>
-              <a:rPr lang="en-US" dirty="0" err="1"/>
-              <a:t>puls</a:t>
-            </a:r>
-            <a:r>
-              <a:rPr lang="en-US" dirty="0"/>
-              <a:t> with(</a:t>
-            </a:r>
-            <a:r>
-              <a:rPr lang="en-US" dirty="0" err="1"/>
-              <a:t>milli</a:t>
-            </a:r>
-            <a:r>
-              <a:rPr lang="en-US" dirty="0"/>
-              <a:t> or micro seconds)</a:t>
-            </a:r>
-          </a:p>
-          <a:p>
-            <a:pPr lvl="2"/>
-            <a:r>
-              <a:rPr lang="en-US" dirty="0"/>
-              <a:t>velocity  = 340M/S</a:t>
-            </a:r>
-          </a:p>
-          <a:p>
-            <a:pPr marL="723900" lvl="2" indent="0">
-              <a:buNone/>
-            </a:pPr>
-            <a:endParaRPr lang="en-US" dirty="0"/>
-          </a:p>
-          <a:p>
-            <a:endParaRPr lang="en-US" dirty="0"/>
-          </a:p>
-          <a:p>
-            <a:endParaRPr lang="en-US" dirty="0"/>
-          </a:p>
-          <a:p>
-            <a:pPr marL="0" indent="0">
-              <a:buNone/>
-            </a:pPr>
-            <a:endParaRPr lang="en-US" dirty="0"/>
-          </a:p>
-        </p:txBody>
-      </p:sp>
-    </p:spTree>
-    <p:extLst>
-      <p:ext uri="{BB962C8B-B14F-4D97-AF65-F5344CB8AC3E}">
-        <p14:creationId xmlns:p14="http://schemas.microsoft.com/office/powerpoint/2010/main" val="2141592791"/>
-      </p:ext>
-    </p:extLst>
-  </p:cSld>
-  <p:clrMapOvr>
-    <a:masterClrMapping/>
-  </p:clrMapOvr>
-</p:sld>
-</file>
-
 <file path=ppt/slides/slide2.xml><?xml version="1.0" encoding="utf-8"?>
 <p:sld xmlns:a="http://schemas.openxmlformats.org/drawingml/2006/main" xmlns:r="http://schemas.openxmlformats.org/officeDocument/2006/relationships" xmlns:p="http://schemas.openxmlformats.org/presentationml/2006/main">
   <p:cSld>
@@ -7333,7 +7428,7 @@
       </p:grpSpPr>
       <p:sp>
         <p:nvSpPr>
-          <p:cNvPr id="2" name="Content Placeholder 1"/>
+          <p:cNvPr id="2" name="Tijdelijke aanduiding voor inhoud 1"/>
           <p:cNvSpPr>
             <a:spLocks noGrp="1"/>
           </p:cNvSpPr>
@@ -7348,83 +7443,36 @@
           <a:p>
             <a:r>
               <a:rPr lang="en-US" dirty="0"/>
-              <a:t>Purpose</a:t>
-            </a:r>
-          </a:p>
-          <a:p>
-            <a:pPr lvl="1"/>
+              <a:t>Designing a PCB</a:t>
+            </a:r>
+          </a:p>
+        </p:txBody>
+      </p:sp>
+      <p:sp>
+        <p:nvSpPr>
+          <p:cNvPr id="3" name="Titel 2"/>
+          <p:cNvSpPr>
+            <a:spLocks noGrp="1"/>
+          </p:cNvSpPr>
+          <p:nvPr>
+            <p:ph type="title"/>
+          </p:nvPr>
+        </p:nvSpPr>
+        <p:spPr/>
+        <p:txBody>
+          <a:bodyPr/>
+          <a:lstStyle/>
+          <a:p>
             <a:r>
               <a:rPr lang="en-US" dirty="0"/>
-              <a:t>Generating motor driver </a:t>
-            </a:r>
-            <a:r>
-              <a:rPr lang="en-US" dirty="0" err="1"/>
-              <a:t>pwm</a:t>
-            </a:r>
-            <a:r>
-              <a:rPr lang="en-US" dirty="0"/>
-              <a:t> </a:t>
-            </a:r>
-          </a:p>
-          <a:p>
-            <a:pPr lvl="1"/>
-            <a:r>
-              <a:rPr lang="en-US" dirty="0"/>
-              <a:t>Controlling </a:t>
-            </a:r>
-            <a:r>
-              <a:rPr lang="en-US" dirty="0" err="1"/>
-              <a:t>motordriver</a:t>
-            </a:r>
-            <a:r>
-              <a:rPr lang="en-US" dirty="0"/>
-              <a:t> </a:t>
-            </a:r>
-          </a:p>
-          <a:p>
-            <a:pPr lvl="1"/>
-            <a:r>
-              <a:rPr lang="en-US" dirty="0"/>
-              <a:t>Controlling hc-sr04</a:t>
-            </a:r>
-          </a:p>
-          <a:p>
-            <a:pPr lvl="1"/>
-            <a:r>
-              <a:rPr lang="en-US" dirty="0"/>
-              <a:t>	 sending data to the main microcontroller</a:t>
-            </a:r>
-          </a:p>
-          <a:p>
-            <a:endParaRPr lang="en-US" dirty="0"/>
-          </a:p>
-        </p:txBody>
-      </p:sp>
-      <p:sp>
-        <p:nvSpPr>
-          <p:cNvPr id="3" name="Title 2"/>
-          <p:cNvSpPr>
-            <a:spLocks noGrp="1"/>
-          </p:cNvSpPr>
-          <p:nvPr>
-            <p:ph type="title"/>
-          </p:nvPr>
-        </p:nvSpPr>
-        <p:spPr/>
-        <p:txBody>
-          <a:bodyPr/>
-          <a:lstStyle/>
-          <a:p>
-            <a:r>
-              <a:rPr lang="en-US" dirty="0"/>
-              <a:t>Secondary micro controller </a:t>
-            </a:r>
-          </a:p>
-        </p:txBody>
-      </p:sp>
-      <p:sp>
-        <p:nvSpPr>
-          <p:cNvPr id="4" name="Slide Number Placeholder 3"/>
+              <a:t>Agenda </a:t>
+            </a:r>
+          </a:p>
+        </p:txBody>
+      </p:sp>
+      <p:sp>
+        <p:nvSpPr>
+          <p:cNvPr id="4" name="Tijdelijke aanduiding voor dianummer 3"/>
           <p:cNvSpPr>
             <a:spLocks noGrp="1"/>
           </p:cNvSpPr>
@@ -7448,7 +7496,7 @@
       </p:sp>
       <p:sp>
         <p:nvSpPr>
-          <p:cNvPr id="5" name="Footer Placeholder 4"/>
+          <p:cNvPr id="5" name="Tijdelijke aanduiding voor voettekst 4"/>
           <p:cNvSpPr>
             <a:spLocks noGrp="1"/>
           </p:cNvSpPr>
@@ -7462,26 +7510,19 @@
           <a:lstStyle/>
           <a:p>
             <a:r>
-              <a:rPr lang="nl-BE" dirty="0"/>
-              <a:t>Marvin </a:t>
-            </a:r>
-            <a:r>
-              <a:rPr lang="nl-BE" dirty="0" err="1"/>
-              <a:t>the</a:t>
-            </a:r>
-            <a:r>
-              <a:rPr lang="nl-BE" dirty="0"/>
-              <a:t> </a:t>
-            </a:r>
-            <a:r>
-              <a:rPr lang="nl-BE" dirty="0" err="1"/>
-              <a:t>hackbot</a:t>
+              <a:rPr lang="nl-BE"/>
+              <a:t>Marvin the hackbot</a:t>
             </a:r>
             <a:endParaRPr lang="nl-BE" dirty="0"/>
           </a:p>
         </p:txBody>
       </p:sp>
     </p:spTree>
+    <p:extLst>
+      <p:ext uri="{BB962C8B-B14F-4D97-AF65-F5344CB8AC3E}">
+        <p14:creationId xmlns:p14="http://schemas.microsoft.com/office/powerpoint/2010/main" val="3937690166"/>
+      </p:ext>
+    </p:extLst>
   </p:cSld>
   <p:clrMapOvr>
     <a:masterClrMapping/>
@@ -7506,54 +7547,58 @@
           <a:chExt cx="0" cy="0"/>
         </a:xfrm>
       </p:grpSpPr>
-      <p:sp>
-        <p:nvSpPr>
-          <p:cNvPr id="2" name="Tijdelijke aanduiding voor inhoud 1"/>
-          <p:cNvSpPr>
-            <a:spLocks noGrp="1"/>
-          </p:cNvSpPr>
+      <p:pic>
+        <p:nvPicPr>
+          <p:cNvPr id="6" name="Tijdelijke aanduiding voor inhoud 5"/>
+          <p:cNvPicPr>
+            <a:picLocks noGrp="1" noChangeAspect="1"/>
+          </p:cNvPicPr>
           <p:nvPr>
             <p:ph idx="1"/>
           </p:nvPr>
-        </p:nvSpPr>
-        <p:spPr/>
-        <p:txBody>
-          <a:bodyPr/>
-          <a:lstStyle/>
-          <a:p>
+        </p:nvPicPr>
+        <p:blipFill>
+          <a:blip r:embed="rId3">
+            <a:extLst>
+              <a:ext uri="{28A0092B-C50C-407E-A947-70E740481C1C}">
+                <a14:useLocalDpi xmlns:a14="http://schemas.microsoft.com/office/drawing/2010/main" val="0"/>
+              </a:ext>
+            </a:extLst>
+          </a:blip>
+          <a:stretch>
+            <a:fillRect/>
+          </a:stretch>
+        </p:blipFill>
+        <p:spPr>
+          <a:xfrm>
+            <a:off x="18142" y="1142984"/>
+            <a:ext cx="9125858" cy="4377220"/>
+          </a:xfrm>
+        </p:spPr>
+      </p:pic>
+      <p:sp>
+        <p:nvSpPr>
+          <p:cNvPr id="3" name="Titel 2"/>
+          <p:cNvSpPr>
+            <a:spLocks noGrp="1"/>
+          </p:cNvSpPr>
+          <p:nvPr>
+            <p:ph type="title"/>
+          </p:nvPr>
+        </p:nvSpPr>
+        <p:spPr/>
+        <p:txBody>
+          <a:bodyPr/>
+          <a:lstStyle/>
+          <a:p>
+            <a:r>
+              <a:rPr lang="en-US" dirty="0" err="1"/>
+              <a:t>Rc</a:t>
+            </a:r>
             <a:r>
               <a:rPr lang="en-US" dirty="0"/>
-              <a:t>Ranging distance =cm to meters</a:t>
-            </a:r>
-          </a:p>
-          <a:p>
-            <a:r>
-              <a:rPr lang="en-US" dirty="0"/>
-              <a:t>Detection angle is 15 degrees </a:t>
-            </a:r>
-          </a:p>
-        </p:txBody>
-      </p:sp>
-      <p:sp>
-        <p:nvSpPr>
-          <p:cNvPr id="3" name="Titel 2"/>
-          <p:cNvSpPr>
-            <a:spLocks noGrp="1"/>
-          </p:cNvSpPr>
-          <p:nvPr>
-            <p:ph type="title"/>
-          </p:nvPr>
-        </p:nvSpPr>
-        <p:spPr/>
-        <p:txBody>
-          <a:bodyPr/>
-          <a:lstStyle/>
-          <a:p>
-            <a:r>
-              <a:rPr lang="en-US" dirty="0"/>
-              <a:t>Ultrasonic distance sensor </a:t>
-            </a:r>
-            <a:endParaRPr lang="en-US" dirty="0"/>
+              <a:t> receiver V2 &amp; V3</a:t>
+            </a:r>
           </a:p>
         </p:txBody>
       </p:sp>
@@ -7596,6 +7641,22 @@
           <a:bodyPr/>
           <a:lstStyle/>
           <a:p>
+            <a:r>
+              <a:rPr lang="nl-BE" dirty="0"/>
+              <a:t>Marvin </a:t>
+            </a:r>
+            <a:r>
+              <a:rPr lang="nl-BE" dirty="0" err="1"/>
+              <a:t>the</a:t>
+            </a:r>
+            <a:r>
+              <a:rPr lang="nl-BE" dirty="0"/>
+              <a:t> </a:t>
+            </a:r>
+            <a:r>
+              <a:rPr lang="nl-BE" dirty="0" err="1"/>
+              <a:t>hackbot</a:t>
+            </a:r>
             <a:endParaRPr lang="nl-BE" dirty="0"/>
           </a:p>
         </p:txBody>
@@ -7603,7 +7664,7 @@
     </p:spTree>
     <p:extLst>
       <p:ext uri="{BB962C8B-B14F-4D97-AF65-F5344CB8AC3E}">
-        <p14:creationId xmlns:p14="http://schemas.microsoft.com/office/powerpoint/2010/main" val="4270224175"/>
+        <p14:creationId xmlns:p14="http://schemas.microsoft.com/office/powerpoint/2010/main" val="1824692388"/>
       </p:ext>
     </p:extLst>
   </p:cSld>
@@ -7630,35 +7691,6 @@
           <a:chExt cx="0" cy="0"/>
         </a:xfrm>
       </p:grpSpPr>
-      <p:pic>
-        <p:nvPicPr>
-          <p:cNvPr id="6" name="Tijdelijke aanduiding voor inhoud 5"/>
-          <p:cNvPicPr>
-            <a:picLocks noGrp="1" noChangeAspect="1"/>
-          </p:cNvPicPr>
-          <p:nvPr>
-            <p:ph idx="1"/>
-          </p:nvPr>
-        </p:nvPicPr>
-        <p:blipFill>
-          <a:blip r:embed="rId2">
-            <a:extLst>
-              <a:ext uri="{28A0092B-C50C-407E-A947-70E740481C1C}">
-                <a14:useLocalDpi xmlns:a14="http://schemas.microsoft.com/office/drawing/2010/main" val="0"/>
-              </a:ext>
-            </a:extLst>
-          </a:blip>
-          <a:stretch>
-            <a:fillRect/>
-          </a:stretch>
-        </p:blipFill>
-        <p:spPr>
-          <a:xfrm>
-            <a:off x="261998" y="1219200"/>
-            <a:ext cx="8617411" cy="4114800"/>
-          </a:xfrm>
-        </p:spPr>
-      </p:pic>
       <p:sp>
         <p:nvSpPr>
           <p:cNvPr id="3" name="Titel 2"/>
@@ -7676,7 +7708,7 @@
           <a:p>
             <a:r>
               <a:rPr lang="en-US" dirty="0"/>
-              <a:t>Theoretical signals </a:t>
+              <a:t>Ultrasonic distance sensor </a:t>
             </a:r>
           </a:p>
         </p:txBody>
@@ -7720,14 +7752,161 @@
           <a:bodyPr/>
           <a:lstStyle/>
           <a:p>
+            <a:r>
+              <a:rPr lang="nl-BE" dirty="0"/>
+              <a:t>Marvin </a:t>
+            </a:r>
+            <a:r>
+              <a:rPr lang="nl-BE" dirty="0" err="1"/>
+              <a:t>the</a:t>
+            </a:r>
+            <a:r>
+              <a:rPr lang="nl-BE" dirty="0"/>
+              <a:t> </a:t>
+            </a:r>
+            <a:r>
+              <a:rPr lang="nl-BE" dirty="0" err="1"/>
+              <a:t>hackbot</a:t>
+            </a:r>
             <a:endParaRPr lang="nl-BE" dirty="0"/>
+          </a:p>
+        </p:txBody>
+      </p:sp>
+      <p:sp>
+        <p:nvSpPr>
+          <p:cNvPr id="7" name="Tijdelijke aanduiding voor inhoud 6"/>
+          <p:cNvSpPr>
+            <a:spLocks noGrp="1"/>
+          </p:cNvSpPr>
+          <p:nvPr>
+            <p:ph idx="1"/>
+          </p:nvPr>
+        </p:nvSpPr>
+        <p:spPr>
+          <a:xfrm>
+            <a:off x="0" y="1152000"/>
+            <a:ext cx="9144000" cy="3877200"/>
+          </a:xfrm>
+        </p:spPr>
+        <p:txBody>
+          <a:bodyPr>
+            <a:normAutofit lnSpcReduction="10000"/>
+          </a:bodyPr>
+          <a:lstStyle/>
+          <a:p>
+            <a:r>
+              <a:rPr lang="en-US" dirty="0"/>
+              <a:t>Measurement using sound  </a:t>
+            </a:r>
+          </a:p>
+          <a:p>
+            <a:r>
+              <a:rPr lang="en-US" dirty="0"/>
+              <a:t>4 pins</a:t>
+            </a:r>
+          </a:p>
+          <a:p>
+            <a:pPr lvl="1"/>
+            <a:r>
+              <a:rPr lang="en-US" dirty="0" err="1"/>
+              <a:t>Gnd</a:t>
+            </a:r>
+            <a:r>
+              <a:rPr lang="en-US" dirty="0"/>
+              <a:t>, </a:t>
+            </a:r>
+            <a:r>
+              <a:rPr lang="en-US" dirty="0" err="1"/>
+              <a:t>vcc</a:t>
+            </a:r>
+            <a:r>
+              <a:rPr lang="en-US" dirty="0"/>
+              <a:t> </a:t>
+            </a:r>
+            <a:r>
+              <a:rPr lang="en-US" dirty="0" err="1"/>
+              <a:t>triger</a:t>
+            </a:r>
+            <a:r>
+              <a:rPr lang="en-US" dirty="0"/>
+              <a:t> input and echo output </a:t>
+            </a:r>
+          </a:p>
+          <a:p>
+            <a:r>
+              <a:rPr lang="en-US" dirty="0"/>
+              <a:t>Echo </a:t>
+            </a:r>
+            <a:r>
+              <a:rPr lang="en-US" dirty="0" err="1"/>
+              <a:t>puls</a:t>
+            </a:r>
+            <a:r>
+              <a:rPr lang="en-US" dirty="0"/>
+              <a:t> with proportional to distance </a:t>
+            </a:r>
+          </a:p>
+          <a:p>
+            <a:pPr lvl="1"/>
+            <a:r>
+              <a:rPr lang="en-US" dirty="0"/>
+              <a:t>distance = high level time * velocity (340M/S) / 2</a:t>
+            </a:r>
+          </a:p>
+          <a:p>
+            <a:pPr lvl="2"/>
+            <a:r>
+              <a:rPr lang="en-US" dirty="0"/>
+              <a:t>High level= duration of </a:t>
+            </a:r>
+            <a:r>
+              <a:rPr lang="en-US" dirty="0" err="1"/>
+              <a:t>puls</a:t>
+            </a:r>
+            <a:r>
+              <a:rPr lang="en-US" dirty="0"/>
+              <a:t> with(</a:t>
+            </a:r>
+            <a:r>
+              <a:rPr lang="en-US" dirty="0" err="1"/>
+              <a:t>milli</a:t>
+            </a:r>
+            <a:r>
+              <a:rPr lang="en-US" dirty="0"/>
+              <a:t> or micro seconds)</a:t>
+            </a:r>
+          </a:p>
+          <a:p>
+            <a:pPr lvl="2"/>
+            <a:r>
+              <a:rPr lang="en-US" dirty="0"/>
+              <a:t>velocity  = 340M/S</a:t>
+            </a:r>
+          </a:p>
+          <a:p>
+            <a:pPr marL="723900" lvl="2" indent="0">
+              <a:buNone/>
+            </a:pPr>
+            <a:endParaRPr lang="en-US" dirty="0"/>
+          </a:p>
+          <a:p>
+            <a:endParaRPr lang="en-US" dirty="0"/>
+          </a:p>
+          <a:p>
+            <a:endParaRPr lang="en-US" dirty="0"/>
+          </a:p>
+          <a:p>
+            <a:pPr marL="0" indent="0">
+              <a:buNone/>
+            </a:pPr>
+            <a:endParaRPr lang="en-US" dirty="0"/>
           </a:p>
         </p:txBody>
       </p:sp>
     </p:spTree>
     <p:extLst>
       <p:ext uri="{BB962C8B-B14F-4D97-AF65-F5344CB8AC3E}">
-        <p14:creationId xmlns:p14="http://schemas.microsoft.com/office/powerpoint/2010/main" val="3059939729"/>
+        <p14:creationId xmlns:p14="http://schemas.microsoft.com/office/powerpoint/2010/main" val="2141592791"/>
       </p:ext>
     </p:extLst>
   </p:cSld>
@@ -7756,6 +7935,34 @@
       </p:grpSpPr>
       <p:sp>
         <p:nvSpPr>
+          <p:cNvPr id="2" name="Tijdelijke aanduiding voor inhoud 1"/>
+          <p:cNvSpPr>
+            <a:spLocks noGrp="1"/>
+          </p:cNvSpPr>
+          <p:nvPr>
+            <p:ph idx="1"/>
+          </p:nvPr>
+        </p:nvSpPr>
+        <p:spPr/>
+        <p:txBody>
+          <a:bodyPr/>
+          <a:lstStyle/>
+          <a:p>
+            <a:r>
+              <a:rPr lang="en-US" dirty="0"/>
+              <a:t>Ranging distance = 4cm to 4meters</a:t>
+            </a:r>
+          </a:p>
+          <a:p>
+            <a:r>
+              <a:rPr lang="en-US" dirty="0"/>
+              <a:t>Detection angle is 15 degrees </a:t>
+            </a:r>
+          </a:p>
+        </p:txBody>
+      </p:sp>
+      <p:sp>
+        <p:nvSpPr>
           <p:cNvPr id="3" name="Titel 2"/>
           <p:cNvSpPr>
             <a:spLocks noGrp="1"/>
@@ -7771,15 +7978,7 @@
           <a:p>
             <a:r>
               <a:rPr lang="en-US" dirty="0"/>
-              <a:t>Trigger </a:t>
-            </a:r>
-            <a:r>
-              <a:rPr lang="en-US" dirty="0" err="1"/>
-              <a:t>puls</a:t>
-            </a:r>
-            <a:r>
-              <a:rPr lang="en-US" dirty="0"/>
-              <a:t> </a:t>
+              <a:t>Ultrasonic distance sensor </a:t>
             </a:r>
           </a:p>
         </p:txBody>
@@ -7823,6 +8022,281 @@
           <a:bodyPr/>
           <a:lstStyle/>
           <a:p>
+            <a:r>
+              <a:rPr lang="nl-BE" dirty="0"/>
+              <a:t>Marvin </a:t>
+            </a:r>
+            <a:r>
+              <a:rPr lang="nl-BE" dirty="0" err="1"/>
+              <a:t>the</a:t>
+            </a:r>
+            <a:r>
+              <a:rPr lang="nl-BE" dirty="0"/>
+              <a:t> </a:t>
+            </a:r>
+            <a:r>
+              <a:rPr lang="nl-BE" dirty="0" err="1"/>
+              <a:t>hackbot</a:t>
+            </a:r>
+            <a:endParaRPr lang="nl-BE" dirty="0"/>
+          </a:p>
+        </p:txBody>
+      </p:sp>
+    </p:spTree>
+    <p:extLst>
+      <p:ext uri="{BB962C8B-B14F-4D97-AF65-F5344CB8AC3E}">
+        <p14:creationId xmlns:p14="http://schemas.microsoft.com/office/powerpoint/2010/main" val="4270224175"/>
+      </p:ext>
+    </p:extLst>
+  </p:cSld>
+  <p:clrMapOvr>
+    <a:masterClrMapping/>
+  </p:clrMapOvr>
+</p:sld>
+</file>
+
+<file path=ppt/slides/slide23.xml><?xml version="1.0" encoding="utf-8"?>
+<p:sld xmlns:a="http://schemas.openxmlformats.org/drawingml/2006/main" xmlns:r="http://schemas.openxmlformats.org/officeDocument/2006/relationships" xmlns:p="http://schemas.openxmlformats.org/presentationml/2006/main">
+  <p:cSld>
+    <p:spTree>
+      <p:nvGrpSpPr>
+        <p:cNvPr id="1" name=""/>
+        <p:cNvGrpSpPr/>
+        <p:nvPr/>
+      </p:nvGrpSpPr>
+      <p:grpSpPr>
+        <a:xfrm>
+          <a:off x="0" y="0"/>
+          <a:ext cx="0" cy="0"/>
+          <a:chOff x="0" y="0"/>
+          <a:chExt cx="0" cy="0"/>
+        </a:xfrm>
+      </p:grpSpPr>
+      <p:pic>
+        <p:nvPicPr>
+          <p:cNvPr id="6" name="Tijdelijke aanduiding voor inhoud 5"/>
+          <p:cNvPicPr>
+            <a:picLocks noGrp="1" noChangeAspect="1"/>
+          </p:cNvPicPr>
+          <p:nvPr>
+            <p:ph idx="1"/>
+          </p:nvPr>
+        </p:nvPicPr>
+        <p:blipFill>
+          <a:blip r:embed="rId2">
+            <a:extLst>
+              <a:ext uri="{28A0092B-C50C-407E-A947-70E740481C1C}">
+                <a14:useLocalDpi xmlns:a14="http://schemas.microsoft.com/office/drawing/2010/main" val="0"/>
+              </a:ext>
+            </a:extLst>
+          </a:blip>
+          <a:stretch>
+            <a:fillRect/>
+          </a:stretch>
+        </p:blipFill>
+        <p:spPr>
+          <a:xfrm>
+            <a:off x="228600" y="1219200"/>
+            <a:ext cx="8617411" cy="4114800"/>
+          </a:xfrm>
+        </p:spPr>
+      </p:pic>
+      <p:sp>
+        <p:nvSpPr>
+          <p:cNvPr id="3" name="Titel 2"/>
+          <p:cNvSpPr>
+            <a:spLocks noGrp="1"/>
+          </p:cNvSpPr>
+          <p:nvPr>
+            <p:ph type="title"/>
+          </p:nvPr>
+        </p:nvSpPr>
+        <p:spPr/>
+        <p:txBody>
+          <a:bodyPr/>
+          <a:lstStyle/>
+          <a:p>
+            <a:r>
+              <a:rPr lang="en-US" dirty="0"/>
+              <a:t>Theoretical signals </a:t>
+            </a:r>
+          </a:p>
+        </p:txBody>
+      </p:sp>
+      <p:sp>
+        <p:nvSpPr>
+          <p:cNvPr id="4" name="Tijdelijke aanduiding voor dianummer 3"/>
+          <p:cNvSpPr>
+            <a:spLocks noGrp="1"/>
+          </p:cNvSpPr>
+          <p:nvPr>
+            <p:ph type="sldNum" sz="quarter" idx="11"/>
+          </p:nvPr>
+        </p:nvSpPr>
+        <p:spPr/>
+        <p:txBody>
+          <a:bodyPr/>
+          <a:lstStyle/>
+          <a:p>
+            <a:fld id="{3B80295F-48CD-49FC-897A-CCEC919B8070}" type="slidenum">
+              <a:rPr lang="nl-BE" smtClean="0"/>
+              <a:pPr/>
+              <a:t>23</a:t>
+            </a:fld>
+            <a:endParaRPr lang="nl-BE" dirty="0"/>
+          </a:p>
+        </p:txBody>
+      </p:sp>
+      <p:sp>
+        <p:nvSpPr>
+          <p:cNvPr id="5" name="Tijdelijke aanduiding voor voettekst 4"/>
+          <p:cNvSpPr>
+            <a:spLocks noGrp="1"/>
+          </p:cNvSpPr>
+          <p:nvPr>
+            <p:ph type="ftr" sz="quarter" idx="12"/>
+          </p:nvPr>
+        </p:nvSpPr>
+        <p:spPr/>
+        <p:txBody>
+          <a:bodyPr/>
+          <a:lstStyle/>
+          <a:p>
+            <a:r>
+              <a:rPr lang="nl-BE" dirty="0"/>
+              <a:t>Marvin </a:t>
+            </a:r>
+            <a:r>
+              <a:rPr lang="nl-BE" dirty="0" err="1"/>
+              <a:t>the</a:t>
+            </a:r>
+            <a:r>
+              <a:rPr lang="nl-BE" dirty="0"/>
+              <a:t> </a:t>
+            </a:r>
+            <a:r>
+              <a:rPr lang="nl-BE" dirty="0" err="1"/>
+              <a:t>hackbot</a:t>
+            </a:r>
+            <a:endParaRPr lang="nl-BE" dirty="0"/>
+          </a:p>
+        </p:txBody>
+      </p:sp>
+    </p:spTree>
+    <p:extLst>
+      <p:ext uri="{BB962C8B-B14F-4D97-AF65-F5344CB8AC3E}">
+        <p14:creationId xmlns:p14="http://schemas.microsoft.com/office/powerpoint/2010/main" val="3059939729"/>
+      </p:ext>
+    </p:extLst>
+  </p:cSld>
+  <p:clrMapOvr>
+    <a:masterClrMapping/>
+  </p:clrMapOvr>
+</p:sld>
+</file>
+
+<file path=ppt/slides/slide24.xml><?xml version="1.0" encoding="utf-8"?>
+<p:sld xmlns:a="http://schemas.openxmlformats.org/drawingml/2006/main" xmlns:r="http://schemas.openxmlformats.org/officeDocument/2006/relationships" xmlns:p="http://schemas.openxmlformats.org/presentationml/2006/main">
+  <p:cSld>
+    <p:spTree>
+      <p:nvGrpSpPr>
+        <p:cNvPr id="1" name=""/>
+        <p:cNvGrpSpPr/>
+        <p:nvPr/>
+      </p:nvGrpSpPr>
+      <p:grpSpPr>
+        <a:xfrm>
+          <a:off x="0" y="0"/>
+          <a:ext cx="0" cy="0"/>
+          <a:chOff x="0" y="0"/>
+          <a:chExt cx="0" cy="0"/>
+        </a:xfrm>
+      </p:grpSpPr>
+      <p:sp>
+        <p:nvSpPr>
+          <p:cNvPr id="3" name="Titel 2"/>
+          <p:cNvSpPr>
+            <a:spLocks noGrp="1"/>
+          </p:cNvSpPr>
+          <p:nvPr>
+            <p:ph type="title"/>
+          </p:nvPr>
+        </p:nvSpPr>
+        <p:spPr/>
+        <p:txBody>
+          <a:bodyPr/>
+          <a:lstStyle/>
+          <a:p>
+            <a:r>
+              <a:rPr lang="en-US" dirty="0"/>
+              <a:t>Trigger </a:t>
+            </a:r>
+            <a:r>
+              <a:rPr lang="en-US" dirty="0" err="1"/>
+              <a:t>puls</a:t>
+            </a:r>
+            <a:r>
+              <a:rPr lang="en-US" dirty="0"/>
+              <a:t> </a:t>
+            </a:r>
+          </a:p>
+        </p:txBody>
+      </p:sp>
+      <p:sp>
+        <p:nvSpPr>
+          <p:cNvPr id="4" name="Tijdelijke aanduiding voor dianummer 3"/>
+          <p:cNvSpPr>
+            <a:spLocks noGrp="1"/>
+          </p:cNvSpPr>
+          <p:nvPr>
+            <p:ph type="sldNum" sz="quarter" idx="11"/>
+          </p:nvPr>
+        </p:nvSpPr>
+        <p:spPr/>
+        <p:txBody>
+          <a:bodyPr/>
+          <a:lstStyle/>
+          <a:p>
+            <a:fld id="{3B80295F-48CD-49FC-897A-CCEC919B8070}" type="slidenum">
+              <a:rPr lang="nl-BE" smtClean="0"/>
+              <a:pPr/>
+              <a:t>24</a:t>
+            </a:fld>
+            <a:endParaRPr lang="nl-BE" dirty="0"/>
+          </a:p>
+        </p:txBody>
+      </p:sp>
+      <p:sp>
+        <p:nvSpPr>
+          <p:cNvPr id="5" name="Tijdelijke aanduiding voor voettekst 4"/>
+          <p:cNvSpPr>
+            <a:spLocks noGrp="1"/>
+          </p:cNvSpPr>
+          <p:nvPr>
+            <p:ph type="ftr" sz="quarter" idx="12"/>
+          </p:nvPr>
+        </p:nvSpPr>
+        <p:spPr/>
+        <p:txBody>
+          <a:bodyPr/>
+          <a:lstStyle/>
+          <a:p>
+            <a:r>
+              <a:rPr lang="nl-BE" dirty="0"/>
+              <a:t>Marvin </a:t>
+            </a:r>
+            <a:r>
+              <a:rPr lang="nl-BE" dirty="0" err="1"/>
+              <a:t>the</a:t>
+            </a:r>
+            <a:r>
+              <a:rPr lang="nl-BE" dirty="0"/>
+              <a:t> </a:t>
+            </a:r>
+            <a:r>
+              <a:rPr lang="nl-BE" dirty="0" err="1"/>
+              <a:t>hackbot</a:t>
+            </a:r>
             <a:endParaRPr lang="nl-BE" dirty="0"/>
           </a:p>
         </p:txBody>
@@ -7869,270 +8343,6 @@
 </p:sld>
 </file>
 
-<file path=ppt/slides/slide23.xml><?xml version="1.0" encoding="utf-8"?>
-<p:sld xmlns:a="http://schemas.openxmlformats.org/drawingml/2006/main" xmlns:r="http://schemas.openxmlformats.org/officeDocument/2006/relationships" xmlns:p="http://schemas.openxmlformats.org/presentationml/2006/main">
-  <p:cSld>
-    <p:spTree>
-      <p:nvGrpSpPr>
-        <p:cNvPr id="1" name=""/>
-        <p:cNvGrpSpPr/>
-        <p:nvPr/>
-      </p:nvGrpSpPr>
-      <p:grpSpPr>
-        <a:xfrm>
-          <a:off x="0" y="0"/>
-          <a:ext cx="0" cy="0"/>
-          <a:chOff x="0" y="0"/>
-          <a:chExt cx="0" cy="0"/>
-        </a:xfrm>
-      </p:grpSpPr>
-      <p:pic>
-        <p:nvPicPr>
-          <p:cNvPr id="6" name="Tijdelijke aanduiding voor inhoud 5"/>
-          <p:cNvPicPr>
-            <a:picLocks noGrp="1" noChangeAspect="1"/>
-          </p:cNvPicPr>
-          <p:nvPr>
-            <p:ph idx="1"/>
-          </p:nvPr>
-        </p:nvPicPr>
-        <p:blipFill>
-          <a:blip r:embed="rId2">
-            <a:extLst>
-              <a:ext uri="{28A0092B-C50C-407E-A947-70E740481C1C}">
-                <a14:useLocalDpi xmlns:a14="http://schemas.microsoft.com/office/drawing/2010/main" val="0"/>
-              </a:ext>
-            </a:extLst>
-          </a:blip>
-          <a:stretch>
-            <a:fillRect/>
-          </a:stretch>
-        </p:blipFill>
-        <p:spPr>
-          <a:xfrm>
-            <a:off x="0" y="1146137"/>
-            <a:ext cx="9144000" cy="4427538"/>
-          </a:xfrm>
-        </p:spPr>
-      </p:pic>
-      <p:sp>
-        <p:nvSpPr>
-          <p:cNvPr id="3" name="Titel 2"/>
-          <p:cNvSpPr>
-            <a:spLocks noGrp="1"/>
-          </p:cNvSpPr>
-          <p:nvPr>
-            <p:ph type="title"/>
-          </p:nvPr>
-        </p:nvSpPr>
-        <p:spPr/>
-        <p:txBody>
-          <a:bodyPr/>
-          <a:lstStyle/>
-          <a:p>
-            <a:r>
-              <a:rPr lang="en-US" dirty="0"/>
-              <a:t>Echo </a:t>
-            </a:r>
-            <a:r>
-              <a:rPr lang="en-US" dirty="0" err="1"/>
-              <a:t>puls</a:t>
-            </a:r>
-            <a:r>
-              <a:rPr lang="en-US" dirty="0"/>
-              <a:t> minimum distance </a:t>
-            </a:r>
-          </a:p>
-        </p:txBody>
-      </p:sp>
-      <p:sp>
-        <p:nvSpPr>
-          <p:cNvPr id="4" name="Tijdelijke aanduiding voor dianummer 3"/>
-          <p:cNvSpPr>
-            <a:spLocks noGrp="1"/>
-          </p:cNvSpPr>
-          <p:nvPr>
-            <p:ph type="sldNum" sz="quarter" idx="11"/>
-          </p:nvPr>
-        </p:nvSpPr>
-        <p:spPr/>
-        <p:txBody>
-          <a:bodyPr/>
-          <a:lstStyle/>
-          <a:p>
-            <a:fld id="{3B80295F-48CD-49FC-897A-CCEC919B8070}" type="slidenum">
-              <a:rPr lang="nl-BE" smtClean="0"/>
-              <a:pPr/>
-              <a:t>23</a:t>
-            </a:fld>
-            <a:endParaRPr lang="nl-BE" dirty="0"/>
-          </a:p>
-        </p:txBody>
-      </p:sp>
-      <p:sp>
-        <p:nvSpPr>
-          <p:cNvPr id="5" name="Tijdelijke aanduiding voor voettekst 4"/>
-          <p:cNvSpPr>
-            <a:spLocks noGrp="1"/>
-          </p:cNvSpPr>
-          <p:nvPr>
-            <p:ph type="ftr" sz="quarter" idx="12"/>
-          </p:nvPr>
-        </p:nvSpPr>
-        <p:spPr/>
-        <p:txBody>
-          <a:bodyPr/>
-          <a:lstStyle/>
-          <a:p>
-            <a:endParaRPr lang="nl-BE" dirty="0"/>
-          </a:p>
-        </p:txBody>
-      </p:sp>
-    </p:spTree>
-    <p:extLst>
-      <p:ext uri="{BB962C8B-B14F-4D97-AF65-F5344CB8AC3E}">
-        <p14:creationId xmlns:p14="http://schemas.microsoft.com/office/powerpoint/2010/main" val="24738932"/>
-      </p:ext>
-    </p:extLst>
-  </p:cSld>
-  <p:clrMapOvr>
-    <a:masterClrMapping/>
-  </p:clrMapOvr>
-</p:sld>
-</file>
-
-<file path=ppt/slides/slide24.xml><?xml version="1.0" encoding="utf-8"?>
-<p:sld xmlns:a="http://schemas.openxmlformats.org/drawingml/2006/main" xmlns:r="http://schemas.openxmlformats.org/officeDocument/2006/relationships" xmlns:p="http://schemas.openxmlformats.org/presentationml/2006/main">
-  <p:cSld>
-    <p:spTree>
-      <p:nvGrpSpPr>
-        <p:cNvPr id="1" name=""/>
-        <p:cNvGrpSpPr/>
-        <p:nvPr/>
-      </p:nvGrpSpPr>
-      <p:grpSpPr>
-        <a:xfrm>
-          <a:off x="0" y="0"/>
-          <a:ext cx="0" cy="0"/>
-          <a:chOff x="0" y="0"/>
-          <a:chExt cx="0" cy="0"/>
-        </a:xfrm>
-      </p:grpSpPr>
-      <p:pic>
-        <p:nvPicPr>
-          <p:cNvPr id="6" name="Tijdelijke aanduiding voor inhoud 5"/>
-          <p:cNvPicPr>
-            <a:picLocks noGrp="1" noChangeAspect="1"/>
-          </p:cNvPicPr>
-          <p:nvPr>
-            <p:ph idx="1"/>
-          </p:nvPr>
-        </p:nvPicPr>
-        <p:blipFill>
-          <a:blip r:embed="rId2">
-            <a:extLst>
-              <a:ext uri="{28A0092B-C50C-407E-A947-70E740481C1C}">
-                <a14:useLocalDpi xmlns:a14="http://schemas.microsoft.com/office/drawing/2010/main" val="0"/>
-              </a:ext>
-            </a:extLst>
-          </a:blip>
-          <a:stretch>
-            <a:fillRect/>
-          </a:stretch>
-        </p:blipFill>
-        <p:spPr>
-          <a:xfrm>
-            <a:off x="0" y="1142984"/>
-            <a:ext cx="9220200" cy="4427538"/>
-          </a:xfrm>
-        </p:spPr>
-      </p:pic>
-      <p:sp>
-        <p:nvSpPr>
-          <p:cNvPr id="3" name="Titel 2"/>
-          <p:cNvSpPr>
-            <a:spLocks noGrp="1"/>
-          </p:cNvSpPr>
-          <p:nvPr>
-            <p:ph type="title"/>
-          </p:nvPr>
-        </p:nvSpPr>
-        <p:spPr/>
-        <p:txBody>
-          <a:bodyPr/>
-          <a:lstStyle/>
-          <a:p>
-            <a:r>
-              <a:rPr lang="en-US" dirty="0"/>
-              <a:t>Echo </a:t>
-            </a:r>
-            <a:r>
-              <a:rPr lang="en-US" dirty="0" err="1"/>
-              <a:t>puls</a:t>
-            </a:r>
-            <a:r>
-              <a:rPr lang="en-US" dirty="0"/>
-              <a:t> max distance </a:t>
-            </a:r>
-          </a:p>
-        </p:txBody>
-      </p:sp>
-      <p:sp>
-        <p:nvSpPr>
-          <p:cNvPr id="4" name="Tijdelijke aanduiding voor dianummer 3"/>
-          <p:cNvSpPr>
-            <a:spLocks noGrp="1"/>
-          </p:cNvSpPr>
-          <p:nvPr>
-            <p:ph type="sldNum" sz="quarter" idx="11"/>
-          </p:nvPr>
-        </p:nvSpPr>
-        <p:spPr/>
-        <p:txBody>
-          <a:bodyPr/>
-          <a:lstStyle/>
-          <a:p>
-            <a:fld id="{3B80295F-48CD-49FC-897A-CCEC919B8070}" type="slidenum">
-              <a:rPr lang="nl-BE" smtClean="0"/>
-              <a:pPr/>
-              <a:t>24</a:t>
-            </a:fld>
-            <a:endParaRPr lang="nl-BE" dirty="0"/>
-          </a:p>
-        </p:txBody>
-      </p:sp>
-      <p:sp>
-        <p:nvSpPr>
-          <p:cNvPr id="5" name="Tijdelijke aanduiding voor voettekst 4"/>
-          <p:cNvSpPr>
-            <a:spLocks noGrp="1"/>
-          </p:cNvSpPr>
-          <p:nvPr>
-            <p:ph type="ftr" sz="quarter" idx="12"/>
-          </p:nvPr>
-        </p:nvSpPr>
-        <p:spPr/>
-        <p:txBody>
-          <a:bodyPr/>
-          <a:lstStyle/>
-          <a:p>
-            <a:endParaRPr lang="nl-BE" dirty="0"/>
-          </a:p>
-        </p:txBody>
-      </p:sp>
-    </p:spTree>
-    <p:extLst>
-      <p:ext uri="{BB962C8B-B14F-4D97-AF65-F5344CB8AC3E}">
-        <p14:creationId xmlns:p14="http://schemas.microsoft.com/office/powerpoint/2010/main" val="2129425811"/>
-      </p:ext>
-    </p:extLst>
-  </p:cSld>
-  <p:clrMapOvr>
-    <a:masterClrMapping/>
-  </p:clrMapOvr>
-</p:sld>
-</file>
-
 <file path=ppt/slides/slide25.xml><?xml version="1.0" encoding="utf-8"?>
 <p:sld xmlns:a="http://schemas.openxmlformats.org/drawingml/2006/main" xmlns:r="http://schemas.openxmlformats.org/officeDocument/2006/relationships" xmlns:p="http://schemas.openxmlformats.org/presentationml/2006/main">
   <p:cSld>
@@ -8161,7 +8371,7 @@
           </p:nvPr>
         </p:nvPicPr>
         <p:blipFill>
-          <a:blip r:embed="rId3">
+          <a:blip r:embed="rId2">
             <a:extLst>
               <a:ext uri="{28A0092B-C50C-407E-A947-70E740481C1C}">
                 <a14:useLocalDpi xmlns:a14="http://schemas.microsoft.com/office/drawing/2010/main" val="0"/>
@@ -8174,8 +8384,8 @@
         </p:blipFill>
         <p:spPr>
           <a:xfrm>
-            <a:off x="90714" y="1066800"/>
-            <a:ext cx="8962572" cy="4536320"/>
+            <a:off x="0" y="1146137"/>
+            <a:ext cx="9144000" cy="4427538"/>
           </a:xfrm>
         </p:spPr>
       </p:pic>
@@ -8196,9 +8406,16 @@
           <a:p>
             <a:r>
               <a:rPr lang="en-US" dirty="0"/>
-              <a:t>Ultrasonic distance sensor </a:t>
-            </a:r>
-            <a:endParaRPr lang="en-US" dirty="0"/>
+              <a:t>Echo </a:t>
+            </a:r>
+            <a:r>
+              <a:rPr lang="en-US" dirty="0" err="1"/>
+              <a:t>puls</a:t>
+            </a:r>
+            <a:r>
+              <a:rPr lang="en-US" dirty="0"/>
+              <a:t> minimum distance </a:t>
+            </a:r>
           </a:p>
         </p:txBody>
       </p:sp>
@@ -8241,6 +8458,22 @@
           <a:bodyPr/>
           <a:lstStyle/>
           <a:p>
+            <a:r>
+              <a:rPr lang="nl-BE" dirty="0"/>
+              <a:t>Marvin </a:t>
+            </a:r>
+            <a:r>
+              <a:rPr lang="nl-BE" dirty="0" err="1"/>
+              <a:t>the</a:t>
+            </a:r>
+            <a:r>
+              <a:rPr lang="nl-BE" dirty="0"/>
+              <a:t> </a:t>
+            </a:r>
+            <a:r>
+              <a:rPr lang="nl-BE" dirty="0" err="1"/>
+              <a:t>hackbot</a:t>
+            </a:r>
             <a:endParaRPr lang="nl-BE" dirty="0"/>
           </a:p>
         </p:txBody>
@@ -8248,7 +8481,7 @@
     </p:spTree>
     <p:extLst>
       <p:ext uri="{BB962C8B-B14F-4D97-AF65-F5344CB8AC3E}">
-        <p14:creationId xmlns:p14="http://schemas.microsoft.com/office/powerpoint/2010/main" val="2836571528"/>
+        <p14:creationId xmlns:p14="http://schemas.microsoft.com/office/powerpoint/2010/main" val="24738932"/>
       </p:ext>
     </p:extLst>
   </p:cSld>
@@ -8275,15 +8508,44 @@
           <a:chExt cx="0" cy="0"/>
         </a:xfrm>
       </p:grpSpPr>
-      <p:sp>
-        <p:nvSpPr>
-          <p:cNvPr id="2" name="Tijdelijke aanduiding voor inhoud 1"/>
-          <p:cNvSpPr>
-            <a:spLocks noGrp="1"/>
-          </p:cNvSpPr>
+      <p:pic>
+        <p:nvPicPr>
+          <p:cNvPr id="6" name="Tijdelijke aanduiding voor inhoud 5"/>
+          <p:cNvPicPr>
+            <a:picLocks noGrp="1" noChangeAspect="1"/>
+          </p:cNvPicPr>
           <p:nvPr>
             <p:ph idx="1"/>
           </p:nvPr>
+        </p:nvPicPr>
+        <p:blipFill>
+          <a:blip r:embed="rId2">
+            <a:extLst>
+              <a:ext uri="{28A0092B-C50C-407E-A947-70E740481C1C}">
+                <a14:useLocalDpi xmlns:a14="http://schemas.microsoft.com/office/drawing/2010/main" val="0"/>
+              </a:ext>
+            </a:extLst>
+          </a:blip>
+          <a:stretch>
+            <a:fillRect/>
+          </a:stretch>
+        </p:blipFill>
+        <p:spPr>
+          <a:xfrm>
+            <a:off x="0" y="1142984"/>
+            <a:ext cx="9220200" cy="4427538"/>
+          </a:xfrm>
+        </p:spPr>
+      </p:pic>
+      <p:sp>
+        <p:nvSpPr>
+          <p:cNvPr id="3" name="Titel 2"/>
+          <p:cNvSpPr>
+            <a:spLocks noGrp="1"/>
+          </p:cNvSpPr>
+          <p:nvPr>
+            <p:ph type="title"/>
+          </p:nvPr>
         </p:nvSpPr>
         <p:spPr/>
         <p:txBody>
@@ -8292,53 +8554,15 @@
           <a:p>
             <a:r>
               <a:rPr lang="en-US" dirty="0"/>
-              <a:t>Uses </a:t>
+              <a:t>Echo </a:t>
             </a:r>
             <a:r>
               <a:rPr lang="en-US" dirty="0" err="1"/>
-              <a:t>ldo’s</a:t>
-            </a:r>
-            <a:endParaRPr lang="en-US" dirty="0"/>
-          </a:p>
-          <a:p>
-            <a:pPr lvl="1"/>
+              <a:t>puls</a:t>
+            </a:r>
             <a:r>
               <a:rPr lang="en-US" dirty="0"/>
-              <a:t>Low dropout voltage </a:t>
-            </a:r>
-          </a:p>
-          <a:p>
-            <a:r>
-              <a:rPr lang="en-US" dirty="0"/>
-              <a:t>Used to generate 5V and 3.3V for control electronics</a:t>
-            </a:r>
-          </a:p>
-          <a:p>
-            <a:pPr marL="0" indent="0">
-              <a:buNone/>
-            </a:pPr>
-            <a:endParaRPr lang="en-US" dirty="0"/>
-          </a:p>
-        </p:txBody>
-      </p:sp>
-      <p:sp>
-        <p:nvSpPr>
-          <p:cNvPr id="3" name="Titel 2"/>
-          <p:cNvSpPr>
-            <a:spLocks noGrp="1"/>
-          </p:cNvSpPr>
-          <p:nvPr>
-            <p:ph type="title"/>
-          </p:nvPr>
-        </p:nvSpPr>
-        <p:spPr/>
-        <p:txBody>
-          <a:bodyPr/>
-          <a:lstStyle/>
-          <a:p>
-            <a:r>
-              <a:rPr lang="en-US" dirty="0"/>
-              <a:t>Power supply</a:t>
+              <a:t> max distance </a:t>
             </a:r>
           </a:p>
         </p:txBody>
@@ -8382,6 +8606,22 @@
           <a:bodyPr/>
           <a:lstStyle/>
           <a:p>
+            <a:r>
+              <a:rPr lang="nl-BE" dirty="0"/>
+              <a:t>Marvin </a:t>
+            </a:r>
+            <a:r>
+              <a:rPr lang="nl-BE" dirty="0" err="1"/>
+              <a:t>the</a:t>
+            </a:r>
+            <a:r>
+              <a:rPr lang="nl-BE" dirty="0"/>
+              <a:t> </a:t>
+            </a:r>
+            <a:r>
+              <a:rPr lang="nl-BE" dirty="0" err="1"/>
+              <a:t>hackbot</a:t>
+            </a:r>
             <a:endParaRPr lang="nl-BE" dirty="0"/>
           </a:p>
         </p:txBody>
@@ -8389,7 +8629,7 @@
     </p:spTree>
     <p:extLst>
       <p:ext uri="{BB962C8B-B14F-4D97-AF65-F5344CB8AC3E}">
-        <p14:creationId xmlns:p14="http://schemas.microsoft.com/office/powerpoint/2010/main" val="3103335307"/>
+        <p14:creationId xmlns:p14="http://schemas.microsoft.com/office/powerpoint/2010/main" val="2129425811"/>
       </p:ext>
     </p:extLst>
   </p:cSld>
@@ -8440,8 +8680,8 @@
         </p:blipFill>
         <p:spPr>
           <a:xfrm>
-            <a:off x="152400" y="1219200"/>
-            <a:ext cx="8991600" cy="4423611"/>
+            <a:off x="90714" y="1066800"/>
+            <a:ext cx="8962572" cy="4536320"/>
           </a:xfrm>
         </p:spPr>
       </p:pic>
@@ -8462,9 +8702,8 @@
           <a:p>
             <a:r>
               <a:rPr lang="en-US" dirty="0"/>
-              <a:t>Power supply</a:t>
-            </a:r>
-            <a:endParaRPr lang="en-US" dirty="0"/>
+              <a:t>Ultrasonic distance sensor V2 &amp; V3 </a:t>
+            </a:r>
           </a:p>
         </p:txBody>
       </p:sp>
@@ -8507,6 +8746,22 @@
           <a:bodyPr/>
           <a:lstStyle/>
           <a:p>
+            <a:r>
+              <a:rPr lang="nl-BE" dirty="0"/>
+              <a:t>Marvin </a:t>
+            </a:r>
+            <a:r>
+              <a:rPr lang="nl-BE" dirty="0" err="1"/>
+              <a:t>the</a:t>
+            </a:r>
+            <a:r>
+              <a:rPr lang="nl-BE" dirty="0"/>
+              <a:t> </a:t>
+            </a:r>
+            <a:r>
+              <a:rPr lang="nl-BE" dirty="0" err="1"/>
+              <a:t>hackbot</a:t>
+            </a:r>
             <a:endParaRPr lang="nl-BE" dirty="0"/>
           </a:p>
         </p:txBody>
@@ -8514,7 +8769,7 @@
     </p:spTree>
     <p:extLst>
       <p:ext uri="{BB962C8B-B14F-4D97-AF65-F5344CB8AC3E}">
-        <p14:creationId xmlns:p14="http://schemas.microsoft.com/office/powerpoint/2010/main" val="2902284817"/>
+        <p14:creationId xmlns:p14="http://schemas.microsoft.com/office/powerpoint/2010/main" val="2836571528"/>
       </p:ext>
     </p:extLst>
   </p:cSld>
@@ -8543,6 +8798,52 @@
       </p:grpSpPr>
       <p:sp>
         <p:nvSpPr>
+          <p:cNvPr id="2" name="Tijdelijke aanduiding voor inhoud 1"/>
+          <p:cNvSpPr>
+            <a:spLocks noGrp="1"/>
+          </p:cNvSpPr>
+          <p:nvPr>
+            <p:ph idx="1"/>
+          </p:nvPr>
+        </p:nvSpPr>
+        <p:spPr/>
+        <p:txBody>
+          <a:bodyPr/>
+          <a:lstStyle/>
+          <a:p>
+            <a:r>
+              <a:rPr lang="en-US" dirty="0"/>
+              <a:t>Uses </a:t>
+            </a:r>
+            <a:r>
+              <a:rPr lang="en-US" dirty="0" err="1"/>
+              <a:t>ldo’s</a:t>
+            </a:r>
+            <a:endParaRPr lang="en-US" dirty="0"/>
+          </a:p>
+          <a:p>
+            <a:pPr lvl="1"/>
+            <a:r>
+              <a:rPr lang="en-US" dirty="0"/>
+              <a:t>Low dropout voltage </a:t>
+            </a:r>
+          </a:p>
+          <a:p>
+            <a:r>
+              <a:rPr lang="en-US" dirty="0"/>
+              <a:t>Used to generate 5V and 3.3V for control electronics</a:t>
+            </a:r>
+          </a:p>
+          <a:p>
+            <a:pPr marL="0" indent="0">
+              <a:buNone/>
+            </a:pPr>
+            <a:endParaRPr lang="en-US" dirty="0"/>
+          </a:p>
+        </p:txBody>
+      </p:sp>
+      <p:sp>
+        <p:nvSpPr>
           <p:cNvPr id="3" name="Titel 2"/>
           <p:cNvSpPr>
             <a:spLocks noGrp="1"/>
@@ -8560,7 +8861,6 @@
               <a:rPr lang="en-US" dirty="0"/>
               <a:t>Power supply</a:t>
             </a:r>
-            <a:endParaRPr lang="en-US" dirty="0"/>
           </a:p>
         </p:txBody>
       </p:sp>
@@ -8603,6 +8903,395 @@
           <a:bodyPr/>
           <a:lstStyle/>
           <a:p>
+            <a:r>
+              <a:rPr lang="nl-BE" dirty="0"/>
+              <a:t>Marvin </a:t>
+            </a:r>
+            <a:r>
+              <a:rPr lang="nl-BE" dirty="0" err="1"/>
+              <a:t>the</a:t>
+            </a:r>
+            <a:r>
+              <a:rPr lang="nl-BE" dirty="0"/>
+              <a:t> </a:t>
+            </a:r>
+            <a:r>
+              <a:rPr lang="nl-BE" dirty="0" err="1"/>
+              <a:t>hackbot</a:t>
+            </a:r>
+            <a:endParaRPr lang="nl-BE" dirty="0"/>
+          </a:p>
+        </p:txBody>
+      </p:sp>
+    </p:spTree>
+    <p:extLst>
+      <p:ext uri="{BB962C8B-B14F-4D97-AF65-F5344CB8AC3E}">
+        <p14:creationId xmlns:p14="http://schemas.microsoft.com/office/powerpoint/2010/main" val="3103335307"/>
+      </p:ext>
+    </p:extLst>
+  </p:cSld>
+  <p:clrMapOvr>
+    <a:masterClrMapping/>
+  </p:clrMapOvr>
+</p:sld>
+</file>
+
+<file path=ppt/slides/slide29.xml><?xml version="1.0" encoding="utf-8"?>
+<p:sld xmlns:a="http://schemas.openxmlformats.org/drawingml/2006/main" xmlns:r="http://schemas.openxmlformats.org/officeDocument/2006/relationships" xmlns:p="http://schemas.openxmlformats.org/presentationml/2006/main">
+  <p:cSld>
+    <p:spTree>
+      <p:nvGrpSpPr>
+        <p:cNvPr id="1" name=""/>
+        <p:cNvGrpSpPr/>
+        <p:nvPr/>
+      </p:nvGrpSpPr>
+      <p:grpSpPr>
+        <a:xfrm>
+          <a:off x="0" y="0"/>
+          <a:ext cx="0" cy="0"/>
+          <a:chOff x="0" y="0"/>
+          <a:chExt cx="0" cy="0"/>
+        </a:xfrm>
+      </p:grpSpPr>
+      <p:pic>
+        <p:nvPicPr>
+          <p:cNvPr id="6" name="Tijdelijke aanduiding voor inhoud 5"/>
+          <p:cNvPicPr>
+            <a:picLocks noGrp="1" noChangeAspect="1"/>
+          </p:cNvPicPr>
+          <p:nvPr>
+            <p:ph idx="1"/>
+          </p:nvPr>
+        </p:nvPicPr>
+        <p:blipFill>
+          <a:blip r:embed="rId3">
+            <a:extLst>
+              <a:ext uri="{28A0092B-C50C-407E-A947-70E740481C1C}">
+                <a14:useLocalDpi xmlns:a14="http://schemas.microsoft.com/office/drawing/2010/main" val="0"/>
+              </a:ext>
+            </a:extLst>
+          </a:blip>
+          <a:stretch>
+            <a:fillRect/>
+          </a:stretch>
+        </p:blipFill>
+        <p:spPr>
+          <a:xfrm>
+            <a:off x="152400" y="1219200"/>
+            <a:ext cx="8991600" cy="4423611"/>
+          </a:xfrm>
+        </p:spPr>
+      </p:pic>
+      <p:sp>
+        <p:nvSpPr>
+          <p:cNvPr id="3" name="Titel 2"/>
+          <p:cNvSpPr>
+            <a:spLocks noGrp="1"/>
+          </p:cNvSpPr>
+          <p:nvPr>
+            <p:ph type="title"/>
+          </p:nvPr>
+        </p:nvSpPr>
+        <p:spPr/>
+        <p:txBody>
+          <a:bodyPr/>
+          <a:lstStyle/>
+          <a:p>
+            <a:r>
+              <a:rPr lang="en-US" dirty="0"/>
+              <a:t>Power supply V2</a:t>
+            </a:r>
+          </a:p>
+        </p:txBody>
+      </p:sp>
+      <p:sp>
+        <p:nvSpPr>
+          <p:cNvPr id="4" name="Tijdelijke aanduiding voor dianummer 3"/>
+          <p:cNvSpPr>
+            <a:spLocks noGrp="1"/>
+          </p:cNvSpPr>
+          <p:nvPr>
+            <p:ph type="sldNum" sz="quarter" idx="11"/>
+          </p:nvPr>
+        </p:nvSpPr>
+        <p:spPr/>
+        <p:txBody>
+          <a:bodyPr/>
+          <a:lstStyle/>
+          <a:p>
+            <a:fld id="{3B80295F-48CD-49FC-897A-CCEC919B8070}" type="slidenum">
+              <a:rPr lang="nl-BE" smtClean="0"/>
+              <a:pPr/>
+              <a:t>29</a:t>
+            </a:fld>
+            <a:endParaRPr lang="nl-BE" dirty="0"/>
+          </a:p>
+        </p:txBody>
+      </p:sp>
+      <p:sp>
+        <p:nvSpPr>
+          <p:cNvPr id="5" name="Tijdelijke aanduiding voor voettekst 4"/>
+          <p:cNvSpPr>
+            <a:spLocks noGrp="1"/>
+          </p:cNvSpPr>
+          <p:nvPr>
+            <p:ph type="ftr" sz="quarter" idx="12"/>
+          </p:nvPr>
+        </p:nvSpPr>
+        <p:spPr/>
+        <p:txBody>
+          <a:bodyPr/>
+          <a:lstStyle/>
+          <a:p>
+            <a:r>
+              <a:rPr lang="nl-BE" dirty="0"/>
+              <a:t>Marvin </a:t>
+            </a:r>
+            <a:r>
+              <a:rPr lang="nl-BE" dirty="0" err="1"/>
+              <a:t>the</a:t>
+            </a:r>
+            <a:r>
+              <a:rPr lang="nl-BE" dirty="0"/>
+              <a:t> </a:t>
+            </a:r>
+            <a:r>
+              <a:rPr lang="nl-BE" dirty="0" err="1"/>
+              <a:t>hackbot</a:t>
+            </a:r>
+            <a:endParaRPr lang="nl-BE" dirty="0"/>
+          </a:p>
+        </p:txBody>
+      </p:sp>
+    </p:spTree>
+    <p:extLst>
+      <p:ext uri="{BB962C8B-B14F-4D97-AF65-F5344CB8AC3E}">
+        <p14:creationId xmlns:p14="http://schemas.microsoft.com/office/powerpoint/2010/main" val="2902284817"/>
+      </p:ext>
+    </p:extLst>
+  </p:cSld>
+  <p:clrMapOvr>
+    <a:masterClrMapping/>
+  </p:clrMapOvr>
+</p:sld>
+</file>
+
+<file path=ppt/slides/slide3.xml><?xml version="1.0" encoding="utf-8"?>
+<p:sld xmlns:a="http://schemas.openxmlformats.org/drawingml/2006/main" xmlns:r="http://schemas.openxmlformats.org/officeDocument/2006/relationships" xmlns:p="http://schemas.openxmlformats.org/presentationml/2006/main">
+  <p:cSld>
+    <p:spTree>
+      <p:nvGrpSpPr>
+        <p:cNvPr id="1" name=""/>
+        <p:cNvGrpSpPr/>
+        <p:nvPr/>
+      </p:nvGrpSpPr>
+      <p:grpSpPr>
+        <a:xfrm>
+          <a:off x="0" y="0"/>
+          <a:ext cx="0" cy="0"/>
+          <a:chOff x="0" y="0"/>
+          <a:chExt cx="0" cy="0"/>
+        </a:xfrm>
+      </p:grpSpPr>
+      <p:sp>
+        <p:nvSpPr>
+          <p:cNvPr id="2" name="Tijdelijke aanduiding voor inhoud 1"/>
+          <p:cNvSpPr>
+            <a:spLocks noGrp="1"/>
+          </p:cNvSpPr>
+          <p:nvPr>
+            <p:ph idx="1"/>
+          </p:nvPr>
+        </p:nvSpPr>
+        <p:spPr/>
+        <p:txBody>
+          <a:bodyPr/>
+          <a:lstStyle/>
+          <a:p>
+            <a:endParaRPr lang="en-US" dirty="0"/>
+          </a:p>
+        </p:txBody>
+      </p:sp>
+      <p:sp>
+        <p:nvSpPr>
+          <p:cNvPr id="3" name="Titel 2"/>
+          <p:cNvSpPr>
+            <a:spLocks noGrp="1"/>
+          </p:cNvSpPr>
+          <p:nvPr>
+            <p:ph type="title"/>
+          </p:nvPr>
+        </p:nvSpPr>
+        <p:spPr/>
+        <p:txBody>
+          <a:bodyPr/>
+          <a:lstStyle/>
+          <a:p>
+            <a:r>
+              <a:rPr lang="en-US" dirty="0"/>
+              <a:t>Goal of advanced </a:t>
+            </a:r>
+            <a:r>
+              <a:rPr lang="en-US" dirty="0" err="1"/>
+              <a:t>pcb</a:t>
+            </a:r>
+            <a:r>
+              <a:rPr lang="en-US" dirty="0"/>
+              <a:t> lab </a:t>
+            </a:r>
+          </a:p>
+        </p:txBody>
+      </p:sp>
+      <p:sp>
+        <p:nvSpPr>
+          <p:cNvPr id="4" name="Tijdelijke aanduiding voor dianummer 3"/>
+          <p:cNvSpPr>
+            <a:spLocks noGrp="1"/>
+          </p:cNvSpPr>
+          <p:nvPr>
+            <p:ph type="sldNum" sz="quarter" idx="11"/>
+          </p:nvPr>
+        </p:nvSpPr>
+        <p:spPr/>
+        <p:txBody>
+          <a:bodyPr/>
+          <a:lstStyle/>
+          <a:p>
+            <a:fld id="{3B80295F-48CD-49FC-897A-CCEC919B8070}" type="slidenum">
+              <a:rPr lang="nl-BE" smtClean="0"/>
+              <a:pPr/>
+              <a:t>3</a:t>
+            </a:fld>
+            <a:endParaRPr lang="nl-BE" dirty="0"/>
+          </a:p>
+        </p:txBody>
+      </p:sp>
+      <p:sp>
+        <p:nvSpPr>
+          <p:cNvPr id="5" name="Tijdelijke aanduiding voor voettekst 4"/>
+          <p:cNvSpPr>
+            <a:spLocks noGrp="1"/>
+          </p:cNvSpPr>
+          <p:nvPr>
+            <p:ph type="ftr" sz="quarter" idx="12"/>
+          </p:nvPr>
+        </p:nvSpPr>
+        <p:spPr/>
+        <p:txBody>
+          <a:bodyPr/>
+          <a:lstStyle/>
+          <a:p>
+            <a:endParaRPr lang="nl-BE" dirty="0"/>
+          </a:p>
+        </p:txBody>
+      </p:sp>
+    </p:spTree>
+    <p:extLst>
+      <p:ext uri="{BB962C8B-B14F-4D97-AF65-F5344CB8AC3E}">
+        <p14:creationId xmlns:p14="http://schemas.microsoft.com/office/powerpoint/2010/main" val="4073131138"/>
+      </p:ext>
+    </p:extLst>
+  </p:cSld>
+  <p:clrMapOvr>
+    <a:masterClrMapping/>
+  </p:clrMapOvr>
+</p:sld>
+</file>
+
+<file path=ppt/slides/slide30.xml><?xml version="1.0" encoding="utf-8"?>
+<p:sld xmlns:a="http://schemas.openxmlformats.org/drawingml/2006/main" xmlns:r="http://schemas.openxmlformats.org/officeDocument/2006/relationships" xmlns:p="http://schemas.openxmlformats.org/presentationml/2006/main">
+  <p:cSld>
+    <p:spTree>
+      <p:nvGrpSpPr>
+        <p:cNvPr id="1" name=""/>
+        <p:cNvGrpSpPr/>
+        <p:nvPr/>
+      </p:nvGrpSpPr>
+      <p:grpSpPr>
+        <a:xfrm>
+          <a:off x="0" y="0"/>
+          <a:ext cx="0" cy="0"/>
+          <a:chOff x="0" y="0"/>
+          <a:chExt cx="0" cy="0"/>
+        </a:xfrm>
+      </p:grpSpPr>
+      <p:sp>
+        <p:nvSpPr>
+          <p:cNvPr id="3" name="Titel 2"/>
+          <p:cNvSpPr>
+            <a:spLocks noGrp="1"/>
+          </p:cNvSpPr>
+          <p:nvPr>
+            <p:ph type="title"/>
+          </p:nvPr>
+        </p:nvSpPr>
+        <p:spPr/>
+        <p:txBody>
+          <a:bodyPr/>
+          <a:lstStyle/>
+          <a:p>
+            <a:r>
+              <a:rPr lang="en-US" dirty="0"/>
+              <a:t>Power supply V3</a:t>
+            </a:r>
+          </a:p>
+        </p:txBody>
+      </p:sp>
+      <p:sp>
+        <p:nvSpPr>
+          <p:cNvPr id="4" name="Tijdelijke aanduiding voor dianummer 3"/>
+          <p:cNvSpPr>
+            <a:spLocks noGrp="1"/>
+          </p:cNvSpPr>
+          <p:nvPr>
+            <p:ph type="sldNum" sz="quarter" idx="11"/>
+          </p:nvPr>
+        </p:nvSpPr>
+        <p:spPr/>
+        <p:txBody>
+          <a:bodyPr/>
+          <a:lstStyle/>
+          <a:p>
+            <a:fld id="{3B80295F-48CD-49FC-897A-CCEC919B8070}" type="slidenum">
+              <a:rPr lang="nl-BE" smtClean="0"/>
+              <a:pPr/>
+              <a:t>30</a:t>
+            </a:fld>
+            <a:endParaRPr lang="nl-BE" dirty="0"/>
+          </a:p>
+        </p:txBody>
+      </p:sp>
+      <p:sp>
+        <p:nvSpPr>
+          <p:cNvPr id="5" name="Tijdelijke aanduiding voor voettekst 4"/>
+          <p:cNvSpPr>
+            <a:spLocks noGrp="1"/>
+          </p:cNvSpPr>
+          <p:nvPr>
+            <p:ph type="ftr" sz="quarter" idx="12"/>
+          </p:nvPr>
+        </p:nvSpPr>
+        <p:spPr/>
+        <p:txBody>
+          <a:bodyPr/>
+          <a:lstStyle/>
+          <a:p>
+            <a:r>
+              <a:rPr lang="nl-BE" dirty="0"/>
+              <a:t>Marvin </a:t>
+            </a:r>
+            <a:r>
+              <a:rPr lang="nl-BE" dirty="0" err="1"/>
+              <a:t>the</a:t>
+            </a:r>
+            <a:r>
+              <a:rPr lang="nl-BE" dirty="0"/>
+              <a:t> </a:t>
+            </a:r>
+            <a:r>
+              <a:rPr lang="nl-BE" dirty="0" err="1"/>
+              <a:t>hackbot</a:t>
+            </a:r>
             <a:endParaRPr lang="nl-BE" dirty="0"/>
           </a:p>
         </p:txBody>
@@ -8649,7 +9338,7 @@
 </p:sld>
 </file>
 
-<file path=ppt/slides/slide29.xml><?xml version="1.0" encoding="utf-8"?>
+<file path=ppt/slides/slide31.xml><?xml version="1.0" encoding="utf-8"?>
 <p:sld xmlns:a="http://schemas.openxmlformats.org/drawingml/2006/main" xmlns:r="http://schemas.openxmlformats.org/officeDocument/2006/relationships" xmlns:p="http://schemas.openxmlformats.org/presentationml/2006/main">
   <p:cSld>
     <p:spTree>
@@ -8681,75 +9370,42 @@
           <a:bodyPr/>
           <a:lstStyle/>
           <a:p>
+            <a:endParaRPr lang="en-US"/>
+          </a:p>
+        </p:txBody>
+      </p:sp>
+      <p:sp>
+        <p:nvSpPr>
+          <p:cNvPr id="3" name="Titel 2"/>
+          <p:cNvSpPr>
+            <a:spLocks noGrp="1"/>
+          </p:cNvSpPr>
+          <p:nvPr>
+            <p:ph type="title"/>
+          </p:nvPr>
+        </p:nvSpPr>
+        <p:spPr/>
+        <p:txBody>
+          <a:bodyPr/>
+          <a:lstStyle/>
+          <a:p>
+            <a:r>
+              <a:rPr lang="en-US" dirty="0" err="1"/>
+              <a:t>Improvments</a:t>
+            </a:r>
             <a:r>
               <a:rPr lang="en-US" dirty="0"/>
-              <a:t>Circuit design </a:t>
-            </a:r>
-          </a:p>
-          <a:p>
-            <a:r>
-              <a:rPr lang="en-US" dirty="0"/>
-              <a:t>To think first then design </a:t>
-            </a:r>
-          </a:p>
-          <a:p>
-            <a:pPr lvl="1"/>
-            <a:r>
-              <a:rPr lang="en-US" dirty="0"/>
-              <a:t>First reading the datasheet </a:t>
-            </a:r>
-          </a:p>
-          <a:p>
-            <a:pPr lvl="1"/>
-            <a:r>
-              <a:rPr lang="en-US" dirty="0"/>
-              <a:t>Then draw footprints etc.</a:t>
-            </a:r>
-          </a:p>
-          <a:p>
-            <a:r>
-              <a:rPr lang="en-US" dirty="0"/>
-              <a:t>High current design</a:t>
-            </a:r>
-          </a:p>
-          <a:p>
-            <a:r>
-              <a:rPr lang="en-US" dirty="0"/>
-              <a:t>Using </a:t>
+              <a:t>  for MK4 </a:t>
             </a:r>
             <a:r>
               <a:rPr lang="en-US" dirty="0" err="1"/>
-              <a:t>Altium</a:t>
-            </a:r>
-            <a:r>
-              <a:rPr lang="en-US" dirty="0"/>
-              <a:t> </a:t>
-            </a:r>
-          </a:p>
-          <a:p>
+              <a:t>pcb</a:t>
+            </a:r>
+            <a:r>
+              <a:rPr lang="en-US"/>
+              <a:t>  </a:t>
+            </a:r>
             <a:endParaRPr lang="en-US" dirty="0"/>
-          </a:p>
-        </p:txBody>
-      </p:sp>
-      <p:sp>
-        <p:nvSpPr>
-          <p:cNvPr id="3" name="Titel 2"/>
-          <p:cNvSpPr>
-            <a:spLocks noGrp="1"/>
-          </p:cNvSpPr>
-          <p:nvPr>
-            <p:ph type="title"/>
-          </p:nvPr>
-        </p:nvSpPr>
-        <p:spPr/>
-        <p:txBody>
-          <a:bodyPr/>
-          <a:lstStyle/>
-          <a:p>
-            <a:r>
-              <a:rPr lang="en-US" dirty="0"/>
-              <a:t>What did I learn ?</a:t>
-            </a:r>
           </a:p>
         </p:txBody>
       </p:sp>
@@ -8771,7 +9427,7 @@
             <a:fld id="{3B80295F-48CD-49FC-897A-CCEC919B8070}" type="slidenum">
               <a:rPr lang="nl-BE" smtClean="0"/>
               <a:pPr/>
-              <a:t>29</a:t>
+              <a:t>31</a:t>
             </a:fld>
             <a:endParaRPr lang="nl-BE" dirty="0"/>
           </a:p>
@@ -8799,7 +9455,7 @@
     </p:spTree>
     <p:extLst>
       <p:ext uri="{BB962C8B-B14F-4D97-AF65-F5344CB8AC3E}">
-        <p14:creationId xmlns:p14="http://schemas.microsoft.com/office/powerpoint/2010/main" val="1900265860"/>
+        <p14:creationId xmlns:p14="http://schemas.microsoft.com/office/powerpoint/2010/main" val="1564046513"/>
       </p:ext>
     </p:extLst>
   </p:cSld>
@@ -8809,7 +9465,7 @@
 </p:sld>
 </file>
 
-<file path=ppt/slides/slide3.xml><?xml version="1.0" encoding="utf-8"?>
+<file path=ppt/slides/slide32.xml><?xml version="1.0" encoding="utf-8"?>
 <p:sld xmlns:a="http://schemas.openxmlformats.org/drawingml/2006/main" xmlns:r="http://schemas.openxmlformats.org/officeDocument/2006/relationships" xmlns:p="http://schemas.openxmlformats.org/presentationml/2006/main">
   <p:cSld>
     <p:spTree>
@@ -8841,7 +9497,53 @@
           <a:bodyPr/>
           <a:lstStyle/>
           <a:p>
-            <a:endParaRPr lang="en-US"/>
+            <a:r>
+              <a:rPr lang="en-US" dirty="0"/>
+              <a:t>Circuit design </a:t>
+            </a:r>
+          </a:p>
+          <a:p>
+            <a:r>
+              <a:rPr lang="en-US" dirty="0"/>
+              <a:t>Think first then design </a:t>
+            </a:r>
+          </a:p>
+          <a:p>
+            <a:pPr lvl="1"/>
+            <a:r>
+              <a:rPr lang="en-US" dirty="0"/>
+              <a:t>First reading the datasheet </a:t>
+            </a:r>
+          </a:p>
+          <a:p>
+            <a:pPr lvl="1"/>
+            <a:r>
+              <a:rPr lang="en-US" dirty="0"/>
+              <a:t>Then draw footprints etc.</a:t>
+            </a:r>
+          </a:p>
+          <a:p>
+            <a:r>
+              <a:rPr lang="en-US" dirty="0"/>
+              <a:t>High current design</a:t>
+            </a:r>
+          </a:p>
+          <a:p>
+            <a:r>
+              <a:rPr lang="en-US" dirty="0"/>
+              <a:t>Using </a:t>
+            </a:r>
+            <a:r>
+              <a:rPr lang="en-US" dirty="0" err="1"/>
+              <a:t>Altium</a:t>
+            </a:r>
+            <a:r>
+              <a:rPr lang="en-US" dirty="0"/>
+              <a:t> </a:t>
+            </a:r>
+          </a:p>
+          <a:p>
+            <a:endParaRPr lang="en-US" dirty="0"/>
           </a:p>
         </p:txBody>
       </p:sp>
@@ -8862,9 +9564,8 @@
           <a:p>
             <a:r>
               <a:rPr lang="en-US" dirty="0"/>
-              <a:t>Secondary micro controller </a:t>
-            </a:r>
-            <a:endParaRPr lang="en-US" dirty="0"/>
+              <a:t>What did I learn ?</a:t>
+            </a:r>
           </a:p>
         </p:txBody>
       </p:sp>
@@ -8886,7 +9587,7 @@
             <a:fld id="{3B80295F-48CD-49FC-897A-CCEC919B8070}" type="slidenum">
               <a:rPr lang="nl-BE" smtClean="0"/>
               <a:pPr/>
-              <a:t>3</a:t>
+              <a:t>32</a:t>
             </a:fld>
             <a:endParaRPr lang="nl-BE" dirty="0"/>
           </a:p>
@@ -8907,44 +9608,30 @@
           <a:bodyPr/>
           <a:lstStyle/>
           <a:p>
+            <a:r>
+              <a:rPr lang="nl-BE" dirty="0"/>
+              <a:t>Marvin </a:t>
+            </a:r>
+            <a:r>
+              <a:rPr lang="nl-BE" dirty="0" err="1"/>
+              <a:t>the</a:t>
+            </a:r>
+            <a:r>
+              <a:rPr lang="nl-BE" dirty="0"/>
+              <a:t> </a:t>
+            </a:r>
+            <a:r>
+              <a:rPr lang="nl-BE" dirty="0" err="1"/>
+              <a:t>hackbot</a:t>
+            </a:r>
             <a:endParaRPr lang="nl-BE" dirty="0"/>
           </a:p>
         </p:txBody>
       </p:sp>
-      <p:pic>
-        <p:nvPicPr>
-          <p:cNvPr id="6" name="Tijdelijke aanduiding voor inhoud 3"/>
-          <p:cNvPicPr>
-            <a:picLocks noChangeAspect="1"/>
-          </p:cNvPicPr>
-          <p:nvPr/>
-        </p:nvPicPr>
-        <p:blipFill>
-          <a:blip r:embed="rId3">
-            <a:extLst>
-              <a:ext uri="{28A0092B-C50C-407E-A947-70E740481C1C}">
-                <a14:useLocalDpi xmlns:a14="http://schemas.microsoft.com/office/drawing/2010/main" val="0"/>
-              </a:ext>
-            </a:extLst>
-          </a:blip>
-          <a:stretch>
-            <a:fillRect/>
-          </a:stretch>
-        </p:blipFill>
-        <p:spPr>
-          <a:xfrm>
-            <a:off x="0" y="1152001"/>
-            <a:ext cx="9144000" cy="4437016"/>
-          </a:xfrm>
-          <a:prstGeom prst="rect">
-            <a:avLst/>
-          </a:prstGeom>
-        </p:spPr>
-      </p:pic>
     </p:spTree>
     <p:extLst>
       <p:ext uri="{BB962C8B-B14F-4D97-AF65-F5344CB8AC3E}">
-        <p14:creationId xmlns:p14="http://schemas.microsoft.com/office/powerpoint/2010/main" val="1151912563"/>
+        <p14:creationId xmlns:p14="http://schemas.microsoft.com/office/powerpoint/2010/main" val="1900265860"/>
       </p:ext>
     </p:extLst>
   </p:cSld>
@@ -8954,7 +9641,7 @@
 </p:sld>
 </file>
 
-<file path=ppt/slides/slide30.xml><?xml version="1.0" encoding="utf-8"?>
+<file path=ppt/slides/slide33.xml><?xml version="1.0" encoding="utf-8"?>
 <p:sld xmlns:a="http://schemas.openxmlformats.org/drawingml/2006/main" xmlns:r="http://schemas.openxmlformats.org/officeDocument/2006/relationships" xmlns:p="http://schemas.openxmlformats.org/presentationml/2006/main">
   <p:cSld>
     <p:spTree>
@@ -9011,7 +9698,7 @@
             <a:fld id="{3B80295F-48CD-49FC-897A-CCEC919B8070}" type="slidenum">
               <a:rPr lang="nl-BE" smtClean="0"/>
               <a:pPr/>
-              <a:t>30</a:t>
+              <a:t>33</a:t>
             </a:fld>
             <a:endParaRPr lang="nl-BE" dirty="0"/>
           </a:p>
@@ -9032,6 +9719,22 @@
           <a:bodyPr/>
           <a:lstStyle/>
           <a:p>
+            <a:r>
+              <a:rPr lang="nl-BE" dirty="0"/>
+              <a:t>Marvin </a:t>
+            </a:r>
+            <a:r>
+              <a:rPr lang="nl-BE" dirty="0" err="1"/>
+              <a:t>the</a:t>
+            </a:r>
+            <a:r>
+              <a:rPr lang="nl-BE" dirty="0"/>
+              <a:t> </a:t>
+            </a:r>
+            <a:r>
+              <a:rPr lang="nl-BE" dirty="0" err="1"/>
+              <a:t>hackbot</a:t>
+            </a:r>
             <a:endParaRPr lang="nl-BE" dirty="0"/>
           </a:p>
         </p:txBody>
@@ -9058,8 +9761,8 @@
         </p:blipFill>
         <p:spPr>
           <a:xfrm>
-            <a:off x="5029200" y="2061092"/>
-            <a:ext cx="4246880" cy="3104800"/>
+            <a:off x="4572000" y="1219200"/>
+            <a:ext cx="3433432" cy="2510106"/>
           </a:xfrm>
           <a:prstGeom prst="rect">
             <a:avLst/>
@@ -9157,6 +9860,64 @@
       </p:grpSpPr>
       <p:sp>
         <p:nvSpPr>
+          <p:cNvPr id="2" name="Tijdelijke aanduiding voor inhoud 1"/>
+          <p:cNvSpPr>
+            <a:spLocks noGrp="1"/>
+          </p:cNvSpPr>
+          <p:nvPr>
+            <p:ph idx="1"/>
+          </p:nvPr>
+        </p:nvSpPr>
+        <p:spPr/>
+        <p:txBody>
+          <a:bodyPr/>
+          <a:lstStyle/>
+          <a:p>
+            <a:r>
+              <a:rPr lang="en-US" dirty="0"/>
+              <a:t>Purpose</a:t>
+            </a:r>
+          </a:p>
+          <a:p>
+            <a:pPr lvl="1"/>
+            <a:r>
+              <a:rPr lang="en-US" dirty="0"/>
+              <a:t>Generating data for esp8266</a:t>
+            </a:r>
+          </a:p>
+          <a:p>
+            <a:pPr lvl="1"/>
+            <a:r>
+              <a:rPr lang="en-US" dirty="0"/>
+              <a:t>Controlling </a:t>
+            </a:r>
+            <a:r>
+              <a:rPr lang="en-US" dirty="0" err="1"/>
+              <a:t>levelshifter</a:t>
+            </a:r>
+            <a:endParaRPr lang="en-US" dirty="0"/>
+          </a:p>
+          <a:p>
+            <a:pPr lvl="1"/>
+            <a:r>
+              <a:rPr lang="en-US" dirty="0"/>
+              <a:t>Controlling hc-sr04</a:t>
+            </a:r>
+          </a:p>
+          <a:p>
+            <a:pPr lvl="1"/>
+            <a:r>
+              <a:rPr lang="en-US" dirty="0"/>
+              <a:t>	 receiving  data from the secondary controller </a:t>
+            </a:r>
+          </a:p>
+          <a:p>
+            <a:endParaRPr lang="en-US" dirty="0"/>
+          </a:p>
+        </p:txBody>
+      </p:sp>
+      <p:sp>
+        <p:nvSpPr>
           <p:cNvPr id="3" name="Titel 2"/>
           <p:cNvSpPr>
             <a:spLocks noGrp="1"/>
@@ -9172,9 +9933,8 @@
           <a:p>
             <a:r>
               <a:rPr lang="en-US" dirty="0"/>
-              <a:t>Secondary micro controller </a:t>
-            </a:r>
-            <a:endParaRPr lang="en-US" dirty="0"/>
+              <a:t>Main  micro controller </a:t>
+            </a:r>
           </a:p>
         </p:txBody>
       </p:sp>
@@ -9217,43 +9977,30 @@
           <a:bodyPr/>
           <a:lstStyle/>
           <a:p>
+            <a:r>
+              <a:rPr lang="nl-BE" dirty="0"/>
+              <a:t>Marvin </a:t>
+            </a:r>
+            <a:r>
+              <a:rPr lang="nl-BE" dirty="0" err="1"/>
+              <a:t>the</a:t>
+            </a:r>
+            <a:r>
+              <a:rPr lang="nl-BE" dirty="0"/>
+              <a:t> </a:t>
+            </a:r>
+            <a:r>
+              <a:rPr lang="nl-BE" dirty="0" err="1"/>
+              <a:t>hackbot</a:t>
+            </a:r>
             <a:endParaRPr lang="nl-BE" dirty="0"/>
           </a:p>
         </p:txBody>
       </p:sp>
-      <p:pic>
-        <p:nvPicPr>
-          <p:cNvPr id="6" name="Tijdelijke aanduiding voor inhoud 5"/>
-          <p:cNvPicPr>
-            <a:picLocks noGrp="1" noChangeAspect="1"/>
-          </p:cNvPicPr>
-          <p:nvPr>
-            <p:ph idx="1"/>
-          </p:nvPr>
-        </p:nvPicPr>
-        <p:blipFill>
-          <a:blip r:embed="rId3">
-            <a:extLst>
-              <a:ext uri="{28A0092B-C50C-407E-A947-70E740481C1C}">
-                <a14:useLocalDpi xmlns:a14="http://schemas.microsoft.com/office/drawing/2010/main" val="0"/>
-              </a:ext>
-            </a:extLst>
-          </a:blip>
-          <a:stretch>
-            <a:fillRect/>
-          </a:stretch>
-        </p:blipFill>
-        <p:spPr>
-          <a:xfrm>
-            <a:off x="0" y="1152525"/>
-            <a:ext cx="9067800" cy="4427538"/>
-          </a:xfrm>
-        </p:spPr>
-      </p:pic>
     </p:spTree>
     <p:extLst>
       <p:ext uri="{BB962C8B-B14F-4D97-AF65-F5344CB8AC3E}">
-        <p14:creationId xmlns:p14="http://schemas.microsoft.com/office/powerpoint/2010/main" val="3280833266"/>
+        <p14:creationId xmlns:p14="http://schemas.microsoft.com/office/powerpoint/2010/main" val="2867680075"/>
       </p:ext>
     </p:extLst>
   </p:cSld>
@@ -9295,67 +10042,28 @@
           <a:bodyPr/>
           <a:lstStyle/>
           <a:p>
+            <a:endParaRPr lang="en-US"/>
+          </a:p>
+        </p:txBody>
+      </p:sp>
+      <p:sp>
+        <p:nvSpPr>
+          <p:cNvPr id="3" name="Titel 2"/>
+          <p:cNvSpPr>
+            <a:spLocks noGrp="1"/>
+          </p:cNvSpPr>
+          <p:nvPr>
+            <p:ph type="title"/>
+          </p:nvPr>
+        </p:nvSpPr>
+        <p:spPr/>
+        <p:txBody>
+          <a:bodyPr/>
+          <a:lstStyle/>
+          <a:p>
             <a:r>
               <a:rPr lang="en-US" dirty="0"/>
-              <a:t>Purpose</a:t>
-            </a:r>
-          </a:p>
-          <a:p>
-            <a:pPr lvl="1"/>
-            <a:r>
-              <a:rPr lang="en-US" dirty="0"/>
-              <a:t>Generating data for esp8266</a:t>
-            </a:r>
-          </a:p>
-          <a:p>
-            <a:pPr lvl="1"/>
-            <a:r>
-              <a:rPr lang="en-US" dirty="0"/>
-              <a:t>Controlling </a:t>
-            </a:r>
-            <a:r>
-              <a:rPr lang="en-US" dirty="0" err="1"/>
-              <a:t>levelshifter</a:t>
-            </a:r>
-            <a:endParaRPr lang="en-US" dirty="0"/>
-          </a:p>
-          <a:p>
-            <a:pPr lvl="1"/>
-            <a:r>
-              <a:rPr lang="en-US" dirty="0"/>
-              <a:t>Controlling hc-sr04</a:t>
-            </a:r>
-          </a:p>
-          <a:p>
-            <a:pPr lvl="1"/>
-            <a:r>
-              <a:rPr lang="en-US" dirty="0"/>
-              <a:t>	 receiving  data from the secondary controller </a:t>
-            </a:r>
-          </a:p>
-          <a:p>
-            <a:endParaRPr lang="en-US" dirty="0"/>
-          </a:p>
-        </p:txBody>
-      </p:sp>
-      <p:sp>
-        <p:nvSpPr>
-          <p:cNvPr id="3" name="Titel 2"/>
-          <p:cNvSpPr>
-            <a:spLocks noGrp="1"/>
-          </p:cNvSpPr>
-          <p:nvPr>
-            <p:ph type="title"/>
-          </p:nvPr>
-        </p:nvSpPr>
-        <p:spPr/>
-        <p:txBody>
-          <a:bodyPr/>
-          <a:lstStyle/>
-          <a:p>
-            <a:r>
-              <a:rPr lang="en-US" dirty="0"/>
-              <a:t>Main  micro controller </a:t>
+              <a:t>Main  micro controller V2 </a:t>
             </a:r>
           </a:p>
         </p:txBody>
@@ -9399,121 +10107,22 @@
           <a:bodyPr/>
           <a:lstStyle/>
           <a:p>
-            <a:endParaRPr lang="nl-BE" dirty="0"/>
-          </a:p>
-        </p:txBody>
-      </p:sp>
-    </p:spTree>
-    <p:extLst>
-      <p:ext uri="{BB962C8B-B14F-4D97-AF65-F5344CB8AC3E}">
-        <p14:creationId xmlns:p14="http://schemas.microsoft.com/office/powerpoint/2010/main" val="2867680075"/>
-      </p:ext>
-    </p:extLst>
-  </p:cSld>
-  <p:clrMapOvr>
-    <a:masterClrMapping/>
-  </p:clrMapOvr>
-</p:sld>
-</file>
-
-<file path=ppt/slides/slide6.xml><?xml version="1.0" encoding="utf-8"?>
-<p:sld xmlns:a="http://schemas.openxmlformats.org/drawingml/2006/main" xmlns:r="http://schemas.openxmlformats.org/officeDocument/2006/relationships" xmlns:p="http://schemas.openxmlformats.org/presentationml/2006/main">
-  <p:cSld>
-    <p:spTree>
-      <p:nvGrpSpPr>
-        <p:cNvPr id="1" name=""/>
-        <p:cNvGrpSpPr/>
-        <p:nvPr/>
-      </p:nvGrpSpPr>
-      <p:grpSpPr>
-        <a:xfrm>
-          <a:off x="0" y="0"/>
-          <a:ext cx="0" cy="0"/>
-          <a:chOff x="0" y="0"/>
-          <a:chExt cx="0" cy="0"/>
-        </a:xfrm>
-      </p:grpSpPr>
-      <p:sp>
-        <p:nvSpPr>
-          <p:cNvPr id="2" name="Tijdelijke aanduiding voor inhoud 1"/>
-          <p:cNvSpPr>
-            <a:spLocks noGrp="1"/>
-          </p:cNvSpPr>
-          <p:nvPr>
-            <p:ph idx="1"/>
-          </p:nvPr>
-        </p:nvSpPr>
-        <p:spPr/>
-        <p:txBody>
-          <a:bodyPr/>
-          <a:lstStyle/>
-          <a:p>
-            <a:endParaRPr lang="en-US"/>
-          </a:p>
-        </p:txBody>
-      </p:sp>
-      <p:sp>
-        <p:nvSpPr>
-          <p:cNvPr id="3" name="Titel 2"/>
-          <p:cNvSpPr>
-            <a:spLocks noGrp="1"/>
-          </p:cNvSpPr>
-          <p:nvPr>
-            <p:ph type="title"/>
-          </p:nvPr>
-        </p:nvSpPr>
-        <p:spPr/>
-        <p:txBody>
-          <a:bodyPr/>
-          <a:lstStyle/>
-          <a:p>
-            <a:r>
-              <a:rPr lang="en-US" dirty="0"/>
-              <a:t>Main  micro controller </a:t>
-            </a:r>
-            <a:endParaRPr lang="en-US" dirty="0"/>
-          </a:p>
-        </p:txBody>
-      </p:sp>
-      <p:sp>
-        <p:nvSpPr>
-          <p:cNvPr id="4" name="Tijdelijke aanduiding voor dianummer 3"/>
-          <p:cNvSpPr>
-            <a:spLocks noGrp="1"/>
-          </p:cNvSpPr>
-          <p:nvPr>
-            <p:ph type="sldNum" sz="quarter" idx="11"/>
-          </p:nvPr>
-        </p:nvSpPr>
-        <p:spPr/>
-        <p:txBody>
-          <a:bodyPr/>
-          <a:lstStyle/>
-          <a:p>
-            <a:fld id="{3B80295F-48CD-49FC-897A-CCEC919B8070}" type="slidenum">
-              <a:rPr lang="nl-BE" smtClean="0"/>
-              <a:pPr/>
-              <a:t>6</a:t>
-            </a:fld>
-            <a:endParaRPr lang="nl-BE" dirty="0"/>
-          </a:p>
-        </p:txBody>
-      </p:sp>
-      <p:sp>
-        <p:nvSpPr>
-          <p:cNvPr id="5" name="Tijdelijke aanduiding voor voettekst 4"/>
-          <p:cNvSpPr>
-            <a:spLocks noGrp="1"/>
-          </p:cNvSpPr>
-          <p:nvPr>
-            <p:ph type="ftr" sz="quarter" idx="12"/>
-          </p:nvPr>
-        </p:nvSpPr>
-        <p:spPr/>
-        <p:txBody>
-          <a:bodyPr/>
-          <a:lstStyle/>
-          <a:p>
+            <a:r>
+              <a:rPr lang="nl-BE" dirty="0"/>
+              <a:t>Marvin </a:t>
+            </a:r>
+            <a:r>
+              <a:rPr lang="nl-BE" dirty="0" err="1"/>
+              <a:t>the</a:t>
+            </a:r>
+            <a:r>
+              <a:rPr lang="nl-BE" dirty="0"/>
+              <a:t> </a:t>
+            </a:r>
+            <a:r>
+              <a:rPr lang="nl-BE" dirty="0" err="1"/>
+              <a:t>hackbot</a:t>
+            </a:r>
             <a:endParaRPr lang="nl-BE" dirty="0"/>
           </a:p>
         </p:txBody>
@@ -9561,7 +10170,7 @@
 </p:sld>
 </file>
 
-<file path=ppt/slides/slide7.xml><?xml version="1.0" encoding="utf-8"?>
+<file path=ppt/slides/slide6.xml><?xml version="1.0" encoding="utf-8"?>
 <p:sld xmlns:a="http://schemas.openxmlformats.org/drawingml/2006/main" xmlns:r="http://schemas.openxmlformats.org/officeDocument/2006/relationships" xmlns:p="http://schemas.openxmlformats.org/presentationml/2006/main">
   <p:cSld>
     <p:spTree>
@@ -9624,15 +10233,194 @@
           <a:p>
             <a:r>
               <a:rPr lang="en-US" dirty="0"/>
-              <a:t>Main  micro controller </a:t>
-            </a:r>
+              <a:t>Main  micro controller V3 </a:t>
+            </a:r>
+          </a:p>
+        </p:txBody>
+      </p:sp>
+      <p:sp>
+        <p:nvSpPr>
+          <p:cNvPr id="4" name="Tijdelijke aanduiding voor dianummer 3"/>
+          <p:cNvSpPr>
+            <a:spLocks noGrp="1"/>
+          </p:cNvSpPr>
+          <p:nvPr>
+            <p:ph type="sldNum" sz="quarter" idx="11"/>
+          </p:nvPr>
+        </p:nvSpPr>
+        <p:spPr/>
+        <p:txBody>
+          <a:bodyPr/>
+          <a:lstStyle/>
+          <a:p>
+            <a:fld id="{3B80295F-48CD-49FC-897A-CCEC919B8070}" type="slidenum">
+              <a:rPr lang="nl-BE" smtClean="0"/>
+              <a:pPr/>
+              <a:t>6</a:t>
+            </a:fld>
+            <a:endParaRPr lang="nl-BE" dirty="0"/>
+          </a:p>
+        </p:txBody>
+      </p:sp>
+      <p:sp>
+        <p:nvSpPr>
+          <p:cNvPr id="5" name="Tijdelijke aanduiding voor voettekst 4"/>
+          <p:cNvSpPr>
+            <a:spLocks noGrp="1"/>
+          </p:cNvSpPr>
+          <p:nvPr>
+            <p:ph type="ftr" sz="quarter" idx="12"/>
+          </p:nvPr>
+        </p:nvSpPr>
+        <p:spPr/>
+        <p:txBody>
+          <a:bodyPr/>
+          <a:lstStyle/>
+          <a:p>
+            <a:r>
+              <a:rPr lang="nl-BE" dirty="0"/>
+              <a:t>Marvin </a:t>
+            </a:r>
+            <a:r>
+              <a:rPr lang="nl-BE" dirty="0" err="1"/>
+              <a:t>the</a:t>
+            </a:r>
+            <a:r>
+              <a:rPr lang="nl-BE" dirty="0"/>
+              <a:t> </a:t>
+            </a:r>
+            <a:r>
+              <a:rPr lang="nl-BE" dirty="0" err="1"/>
+              <a:t>hackbot</a:t>
+            </a:r>
+            <a:endParaRPr lang="nl-BE" dirty="0"/>
+          </a:p>
+        </p:txBody>
+      </p:sp>
+    </p:spTree>
+    <p:extLst>
+      <p:ext uri="{BB962C8B-B14F-4D97-AF65-F5344CB8AC3E}">
+        <p14:creationId xmlns:p14="http://schemas.microsoft.com/office/powerpoint/2010/main" val="744096758"/>
+      </p:ext>
+    </p:extLst>
+  </p:cSld>
+  <p:clrMapOvr>
+    <a:masterClrMapping/>
+  </p:clrMapOvr>
+</p:sld>
+</file>
+
+<file path=ppt/slides/slide7.xml><?xml version="1.0" encoding="utf-8"?>
+<p:sld xmlns:a="http://schemas.openxmlformats.org/drawingml/2006/main" xmlns:r="http://schemas.openxmlformats.org/officeDocument/2006/relationships" xmlns:p="http://schemas.openxmlformats.org/presentationml/2006/main">
+  <p:cSld>
+    <p:spTree>
+      <p:nvGrpSpPr>
+        <p:cNvPr id="1" name=""/>
+        <p:cNvGrpSpPr/>
+        <p:nvPr/>
+      </p:nvGrpSpPr>
+      <p:grpSpPr>
+        <a:xfrm>
+          <a:off x="0" y="0"/>
+          <a:ext cx="0" cy="0"/>
+          <a:chOff x="0" y="0"/>
+          <a:chExt cx="0" cy="0"/>
+        </a:xfrm>
+      </p:grpSpPr>
+      <p:sp>
+        <p:nvSpPr>
+          <p:cNvPr id="2" name="Content Placeholder 1"/>
+          <p:cNvSpPr>
+            <a:spLocks noGrp="1"/>
+          </p:cNvSpPr>
+          <p:nvPr>
+            <p:ph idx="1"/>
+          </p:nvPr>
+        </p:nvSpPr>
+        <p:spPr/>
+        <p:txBody>
+          <a:bodyPr/>
+          <a:lstStyle/>
+          <a:p>
+            <a:r>
+              <a:rPr lang="en-US" dirty="0"/>
+              <a:t>Purpose</a:t>
+            </a:r>
+          </a:p>
+          <a:p>
+            <a:pPr lvl="1"/>
+            <a:r>
+              <a:rPr lang="en-US" dirty="0"/>
+              <a:t>Generating motor driver </a:t>
+            </a:r>
+            <a:r>
+              <a:rPr lang="en-US" dirty="0" err="1"/>
+              <a:t>pwm</a:t>
+            </a:r>
+            <a:r>
+              <a:rPr lang="en-US" dirty="0"/>
+              <a:t> </a:t>
+            </a:r>
+          </a:p>
+          <a:p>
+            <a:pPr lvl="1"/>
+            <a:r>
+              <a:rPr lang="en-US" dirty="0"/>
+              <a:t>Controlling </a:t>
+            </a:r>
+            <a:r>
+              <a:rPr lang="en-US" dirty="0" err="1"/>
+              <a:t>motordriver</a:t>
+            </a:r>
+            <a:r>
+              <a:rPr lang="en-US" dirty="0"/>
+              <a:t> </a:t>
+            </a:r>
+          </a:p>
+          <a:p>
+            <a:pPr lvl="1"/>
+            <a:r>
+              <a:rPr lang="en-US" dirty="0"/>
+              <a:t>Controlling hc-sr04</a:t>
+            </a:r>
+          </a:p>
+          <a:p>
+            <a:pPr lvl="1"/>
+            <a:r>
+              <a:rPr lang="en-US" dirty="0"/>
+              <a:t>	 sending data to the main microcontroller</a:t>
+            </a:r>
+          </a:p>
+          <a:p>
             <a:endParaRPr lang="en-US" dirty="0"/>
           </a:p>
         </p:txBody>
       </p:sp>
       <p:sp>
         <p:nvSpPr>
-          <p:cNvPr id="4" name="Tijdelijke aanduiding voor dianummer 3"/>
+          <p:cNvPr id="3" name="Title 2"/>
+          <p:cNvSpPr>
+            <a:spLocks noGrp="1"/>
+          </p:cNvSpPr>
+          <p:nvPr>
+            <p:ph type="title"/>
+          </p:nvPr>
+        </p:nvSpPr>
+        <p:spPr/>
+        <p:txBody>
+          <a:bodyPr/>
+          <a:lstStyle/>
+          <a:p>
+            <a:r>
+              <a:rPr lang="en-US" dirty="0"/>
+              <a:t>Secondary micro controller </a:t>
+            </a:r>
+          </a:p>
+        </p:txBody>
+      </p:sp>
+      <p:sp>
+        <p:nvSpPr>
+          <p:cNvPr id="4" name="Slide Number Placeholder 3"/>
           <p:cNvSpPr>
             <a:spLocks noGrp="1"/>
           </p:cNvSpPr>
@@ -9656,7 +10444,7 @@
       </p:sp>
       <p:sp>
         <p:nvSpPr>
-          <p:cNvPr id="5" name="Tijdelijke aanduiding voor voettekst 4"/>
+          <p:cNvPr id="5" name="Footer Placeholder 4"/>
           <p:cNvSpPr>
             <a:spLocks noGrp="1"/>
           </p:cNvSpPr>
@@ -9669,16 +10457,27 @@
           <a:bodyPr/>
           <a:lstStyle/>
           <a:p>
+            <a:r>
+              <a:rPr lang="nl-BE" dirty="0"/>
+              <a:t>Marvin </a:t>
+            </a:r>
+            <a:r>
+              <a:rPr lang="nl-BE" dirty="0" err="1"/>
+              <a:t>the</a:t>
+            </a:r>
+            <a:r>
+              <a:rPr lang="nl-BE" dirty="0"/>
+              <a:t> </a:t>
+            </a:r>
+            <a:r>
+              <a:rPr lang="nl-BE" dirty="0" err="1"/>
+              <a:t>hackbot</a:t>
+            </a:r>
             <a:endParaRPr lang="nl-BE" dirty="0"/>
           </a:p>
         </p:txBody>
       </p:sp>
     </p:spTree>
-    <p:extLst>
-      <p:ext uri="{BB962C8B-B14F-4D97-AF65-F5344CB8AC3E}">
-        <p14:creationId xmlns:p14="http://schemas.microsoft.com/office/powerpoint/2010/main" val="744096758"/>
-      </p:ext>
-    </p:extLst>
   </p:cSld>
   <p:clrMapOvr>
     <a:masterClrMapping/>
@@ -9718,45 +10517,29 @@
           <a:bodyPr/>
           <a:lstStyle/>
           <a:p>
+            <a:endParaRPr lang="en-US"/>
+          </a:p>
+        </p:txBody>
+      </p:sp>
+      <p:sp>
+        <p:nvSpPr>
+          <p:cNvPr id="3" name="Titel 2"/>
+          <p:cNvSpPr>
+            <a:spLocks noGrp="1"/>
+          </p:cNvSpPr>
+          <p:nvPr>
+            <p:ph type="title"/>
+          </p:nvPr>
+        </p:nvSpPr>
+        <p:spPr/>
+        <p:txBody>
+          <a:bodyPr/>
+          <a:lstStyle/>
+          <a:p>
             <a:r>
               <a:rPr lang="en-US" dirty="0"/>
-              <a:t>Taking load of the controller(interrupt wise)</a:t>
-            </a:r>
-          </a:p>
-          <a:p>
-            <a:r>
-              <a:rPr lang="en-US" dirty="0"/>
-              <a:t>Relatively more i/o available </a:t>
-            </a:r>
-          </a:p>
-          <a:p>
-            <a:endParaRPr lang="en-US" dirty="0"/>
-          </a:p>
-        </p:txBody>
-      </p:sp>
-      <p:sp>
-        <p:nvSpPr>
-          <p:cNvPr id="3" name="Titel 2"/>
-          <p:cNvSpPr>
-            <a:spLocks noGrp="1"/>
-          </p:cNvSpPr>
-          <p:nvPr>
-            <p:ph type="title"/>
-          </p:nvPr>
-        </p:nvSpPr>
-        <p:spPr/>
-        <p:txBody>
-          <a:bodyPr/>
-          <a:lstStyle/>
-          <a:p>
-            <a:r>
-              <a:rPr lang="en-US" dirty="0"/>
-              <a:t>Why to microcontrollers?</a:t>
-            </a:r>
-            <a:br>
-              <a:rPr lang="en-US" dirty="0"/>
-            </a:br>
-            <a:endParaRPr lang="en-US" dirty="0"/>
+              <a:t>Secondary micro controller V2 </a:t>
+            </a:r>
           </a:p>
         </p:txBody>
       </p:sp>
@@ -9799,14 +10582,60 @@
           <a:bodyPr/>
           <a:lstStyle/>
           <a:p>
+            <a:r>
+              <a:rPr lang="nl-BE" dirty="0"/>
+              <a:t>Marvin </a:t>
+            </a:r>
+            <a:r>
+              <a:rPr lang="nl-BE" dirty="0" err="1"/>
+              <a:t>the</a:t>
+            </a:r>
+            <a:r>
+              <a:rPr lang="nl-BE" dirty="0"/>
+              <a:t> </a:t>
+            </a:r>
+            <a:r>
+              <a:rPr lang="nl-BE" dirty="0" err="1"/>
+              <a:t>hackbot</a:t>
+            </a:r>
             <a:endParaRPr lang="nl-BE" dirty="0"/>
           </a:p>
         </p:txBody>
       </p:sp>
+      <p:pic>
+        <p:nvPicPr>
+          <p:cNvPr id="6" name="Tijdelijke aanduiding voor inhoud 3"/>
+          <p:cNvPicPr>
+            <a:picLocks noChangeAspect="1"/>
+          </p:cNvPicPr>
+          <p:nvPr/>
+        </p:nvPicPr>
+        <p:blipFill>
+          <a:blip r:embed="rId3">
+            <a:extLst>
+              <a:ext uri="{28A0092B-C50C-407E-A947-70E740481C1C}">
+                <a14:useLocalDpi xmlns:a14="http://schemas.microsoft.com/office/drawing/2010/main" val="0"/>
+              </a:ext>
+            </a:extLst>
+          </a:blip>
+          <a:stretch>
+            <a:fillRect/>
+          </a:stretch>
+        </p:blipFill>
+        <p:spPr>
+          <a:xfrm>
+            <a:off x="0" y="1152001"/>
+            <a:ext cx="9144000" cy="4437016"/>
+          </a:xfrm>
+          <a:prstGeom prst="rect">
+            <a:avLst/>
+          </a:prstGeom>
+        </p:spPr>
+      </p:pic>
     </p:spTree>
     <p:extLst>
       <p:ext uri="{BB962C8B-B14F-4D97-AF65-F5344CB8AC3E}">
-        <p14:creationId xmlns:p14="http://schemas.microsoft.com/office/powerpoint/2010/main" val="625382046"/>
+        <p14:creationId xmlns:p14="http://schemas.microsoft.com/office/powerpoint/2010/main" val="1151912563"/>
       </p:ext>
     </p:extLst>
   </p:cSld>
@@ -9835,12 +10664,12 @@
       </p:grpSpPr>
       <p:sp>
         <p:nvSpPr>
-          <p:cNvPr id="2" name="Tijdelijke aanduiding voor inhoud 1"/>
-          <p:cNvSpPr>
-            <a:spLocks noGrp="1"/>
-          </p:cNvSpPr>
-          <p:nvPr>
-            <p:ph idx="1"/>
+          <p:cNvPr id="3" name="Titel 2"/>
+          <p:cNvSpPr>
+            <a:spLocks noGrp="1"/>
+          </p:cNvSpPr>
+          <p:nvPr>
+            <p:ph type="title"/>
           </p:nvPr>
         </p:nvSpPr>
         <p:spPr/>
@@ -9850,70 +10679,7 @@
           <a:p>
             <a:r>
               <a:rPr lang="en-US" dirty="0"/>
-              <a:t>Rover chassis=&gt; quadrature encoders </a:t>
-            </a:r>
-          </a:p>
-          <a:p>
-            <a:r>
-              <a:rPr lang="en-US" dirty="0"/>
-              <a:t>Number of sensors can be used </a:t>
-            </a:r>
-          </a:p>
-          <a:p>
-            <a:pPr lvl="1"/>
-            <a:r>
-              <a:rPr lang="en-US" dirty="0"/>
-              <a:t>Optical(IR pair) =&gt; whit black and withe surfaces </a:t>
-            </a:r>
-          </a:p>
-          <a:p>
-            <a:pPr lvl="1"/>
-            <a:r>
-              <a:rPr lang="en-US" dirty="0" err="1"/>
-              <a:t>Magnetical</a:t>
-            </a:r>
-            <a:r>
-              <a:rPr lang="en-US" dirty="0"/>
-              <a:t>(</a:t>
-            </a:r>
-            <a:r>
-              <a:rPr lang="en-US" dirty="0" err="1"/>
-              <a:t>hal</a:t>
-            </a:r>
-            <a:r>
-              <a:rPr lang="en-US" dirty="0"/>
-              <a:t> sensor) =&gt; magnet on a shaft</a:t>
-            </a:r>
-          </a:p>
-          <a:p>
-            <a:r>
-              <a:rPr lang="en-US" dirty="0"/>
-              <a:t>Pulses  90degrees out of phase</a:t>
-            </a:r>
-          </a:p>
-          <a:p>
-            <a:endParaRPr lang="en-US" dirty="0"/>
-          </a:p>
-        </p:txBody>
-      </p:sp>
-      <p:sp>
-        <p:nvSpPr>
-          <p:cNvPr id="3" name="Titel 2"/>
-          <p:cNvSpPr>
-            <a:spLocks noGrp="1"/>
-          </p:cNvSpPr>
-          <p:nvPr>
-            <p:ph type="title"/>
-          </p:nvPr>
-        </p:nvSpPr>
-        <p:spPr/>
-        <p:txBody>
-          <a:bodyPr/>
-          <a:lstStyle/>
-          <a:p>
-            <a:r>
-              <a:rPr lang="en-US" dirty="0"/>
-              <a:t>Encoders</a:t>
+              <a:t>Secondary micro controller V3 </a:t>
             </a:r>
           </a:p>
         </p:txBody>
@@ -9957,14 +10723,59 @@
           <a:bodyPr/>
           <a:lstStyle/>
           <a:p>
+            <a:r>
+              <a:rPr lang="nl-BE" dirty="0"/>
+              <a:t>Marvin </a:t>
+            </a:r>
+            <a:r>
+              <a:rPr lang="nl-BE" dirty="0" err="1"/>
+              <a:t>the</a:t>
+            </a:r>
+            <a:r>
+              <a:rPr lang="nl-BE" dirty="0"/>
+              <a:t> </a:t>
+            </a:r>
+            <a:r>
+              <a:rPr lang="nl-BE" dirty="0" err="1"/>
+              <a:t>hackbot</a:t>
+            </a:r>
             <a:endParaRPr lang="nl-BE" dirty="0"/>
           </a:p>
         </p:txBody>
       </p:sp>
+      <p:pic>
+        <p:nvPicPr>
+          <p:cNvPr id="6" name="Tijdelijke aanduiding voor inhoud 5"/>
+          <p:cNvPicPr>
+            <a:picLocks noGrp="1" noChangeAspect="1"/>
+          </p:cNvPicPr>
+          <p:nvPr>
+            <p:ph idx="1"/>
+          </p:nvPr>
+        </p:nvPicPr>
+        <p:blipFill>
+          <a:blip r:embed="rId3">
+            <a:extLst>
+              <a:ext uri="{28A0092B-C50C-407E-A947-70E740481C1C}">
+                <a14:useLocalDpi xmlns:a14="http://schemas.microsoft.com/office/drawing/2010/main" val="0"/>
+              </a:ext>
+            </a:extLst>
+          </a:blip>
+          <a:stretch>
+            <a:fillRect/>
+          </a:stretch>
+        </p:blipFill>
+        <p:spPr>
+          <a:xfrm>
+            <a:off x="0" y="1152525"/>
+            <a:ext cx="9067800" cy="4427538"/>
+          </a:xfrm>
+        </p:spPr>
+      </p:pic>
     </p:spTree>
     <p:extLst>
       <p:ext uri="{BB962C8B-B14F-4D97-AF65-F5344CB8AC3E}">
-        <p14:creationId xmlns:p14="http://schemas.microsoft.com/office/powerpoint/2010/main" val="3151647140"/>
+        <p14:creationId xmlns:p14="http://schemas.microsoft.com/office/powerpoint/2010/main" val="3280833266"/>
       </p:ext>
     </p:extLst>
   </p:cSld>

--- a/Advanced pcb lab.pptx
+++ b/Advanced pcb lab.pptx
@@ -258,7 +258,7 @@
             <a:fld id="{7F1A4A96-82D9-489B-915B-218BDB102403}" type="datetimeFigureOut">
               <a:rPr lang="nl-BE" smtClean="0"/>
               <a:pPr/>
-              <a:t>23/12/2016</a:t>
+              <a:t>29/12/2016</a:t>
             </a:fld>
             <a:endParaRPr lang="nl-BE"/>
           </a:p>
@@ -420,7 +420,7 @@
             <a:fld id="{D1925427-6E8A-463A-9752-7D22F5CAF14A}" type="datetimeFigureOut">
               <a:rPr lang="nl-BE" smtClean="0"/>
               <a:pPr/>
-              <a:t>23/12/2016</a:t>
+              <a:t>29/12/2016</a:t>
             </a:fld>
             <a:endParaRPr lang="nl-BE"/>
           </a:p>
@@ -2059,7 +2059,14 @@
           <a:bodyPr/>
           <a:lstStyle/>
           <a:p>
-            <a:endParaRPr lang="en-US"/>
+            <a:r>
+              <a:rPr lang="en-US" dirty="0"/>
+              <a:t> used the wrong </a:t>
+            </a:r>
+            <a:r>
+              <a:rPr lang="en-US"/>
+              <a:t>interrupt source </a:t>
+            </a:r>
           </a:p>
         </p:txBody>
       </p:sp>
